--- a/2021-09-04-雾霾检测算法_v1.pptx
+++ b/2021-09-04-雾霾检测算法_v1.pptx
@@ -5,7 +5,7 @@
     <p:sldMasterId id="2147483648" r:id="rId1"/>
   </p:sldMasterIdLst>
   <p:notesMasterIdLst>
-    <p:notesMasterId r:id="rId22"/>
+    <p:notesMasterId r:id="rId30"/>
   </p:notesMasterIdLst>
   <p:sldIdLst>
     <p:sldId id="256" r:id="rId2"/>
@@ -25,14 +25,22 @@
     <p:sldId id="1867" r:id="rId16"/>
     <p:sldId id="1861" r:id="rId17"/>
     <p:sldId id="1868" r:id="rId18"/>
-    <p:sldId id="1862" r:id="rId19"/>
-    <p:sldId id="1855" r:id="rId20"/>
-    <p:sldId id="261" r:id="rId21"/>
+    <p:sldId id="1869" r:id="rId19"/>
+    <p:sldId id="1862" r:id="rId20"/>
+    <p:sldId id="1871" r:id="rId21"/>
+    <p:sldId id="1872" r:id="rId22"/>
+    <p:sldId id="1873" r:id="rId23"/>
+    <p:sldId id="1876" r:id="rId24"/>
+    <p:sldId id="1877" r:id="rId25"/>
+    <p:sldId id="1855" r:id="rId26"/>
+    <p:sldId id="1878" r:id="rId27"/>
+    <p:sldId id="1879" r:id="rId28"/>
+    <p:sldId id="261" r:id="rId29"/>
   </p:sldIdLst>
   <p:sldSz cx="12192000" cy="6858000"/>
   <p:notesSz cx="6858000" cy="9144000"/>
   <p:custDataLst>
-    <p:tags r:id="rId23"/>
+    <p:tags r:id="rId31"/>
   </p:custDataLst>
   <p:defaultTextStyle>
     <a:defPPr>
@@ -130,190 +138,6 @@
     </a:lvl9pPr>
   </p:defaultTextStyle>
   <p:extLst>
-    <p:ext uri="{521415D9-36F7-43E2-AB2F-B90AF26B5E84}">
-      <p14:sectionLst xmlns:p14="http://schemas.microsoft.com/office/powerpoint/2010/main">
-        <p14:section name="基于对抗训练的冷启动推荐的比较研究" id="{E1490808-1084-6D4F-A1B7-8EC2B82AF7E7}">
-          <p14:sldIdLst>
-            <p14:sldId id="256"/>
-          </p14:sldIdLst>
-        </p14:section>
-        <p14:section name="一、研究背景及目的" id="{A510A491-D987-1E45-8548-147CFFC8B9F8}">
-          <p14:sldIdLst>
-            <p14:sldId id="1691"/>
-            <p14:sldId id="1716"/>
-          </p14:sldIdLst>
-        </p14:section>
-        <p14:section name="二、研究现状及问题" id="{54388712-C888-2D4F-BF5D-020ECB5747CF}">
-          <p14:sldIdLst/>
-        </p14:section>
-        <p14:section name="三、研究目标及步骤" id="{DF0EE299-3AEC-F040-B63A-3FF46D7809A4}">
-          <p14:sldIdLst>
-            <p14:sldId id="1864"/>
-            <p14:sldId id="1778"/>
-            <p14:sldId id="1779"/>
-          </p14:sldIdLst>
-        </p14:section>
-        <p14:section name="四、研究内容及分析" id="{7995EFAF-697A-A049-B196-E3D8F1750ED5}">
-          <p14:sldIdLst>
-            <p14:sldId id="1865"/>
-          </p14:sldIdLst>
-        </p14:section>
-        <p14:section name="4.1 研究内容一：现有研究Taxonomy构建" id="{4E94B079-67DE-EC4D-8F87-FEE2F7FE1E8F}">
-          <p14:sldIdLst>
-            <p14:sldId id="1807"/>
-            <p14:sldId id="1851"/>
-          </p14:sldIdLst>
-        </p14:section>
-        <p14:section name="4.1.1 Taxonomy构建目标" id="{727C581B-1672-344E-A51E-5EB01919BA9F}">
-          <p14:sldIdLst>
-            <p14:sldId id="1782"/>
-          </p14:sldIdLst>
-        </p14:section>
-        <p14:section name="4.1.2 Taxonomy设计规则" id="{83557BC6-E4F6-A749-A3FB-B74272B9BB3A}">
-          <p14:sldIdLst>
-            <p14:sldId id="1854"/>
-          </p14:sldIdLst>
-        </p14:section>
-        <p14:section name="4.1.3 Taxonomy展示" id="{9210D650-DD46-4A4A-8568-9126B987797E}">
-          <p14:sldIdLst>
-            <p14:sldId id="1866"/>
-            <p14:sldId id="1853"/>
-            <p14:sldId id="1860"/>
-            <p14:sldId id="1867"/>
-            <p14:sldId id="1861"/>
-            <p14:sldId id="1868"/>
-            <p14:sldId id="1862"/>
-          </p14:sldIdLst>
-        </p14:section>
-        <p14:section name="4.2 研究内容二：现有方法复现及分析" id="{FAB99E2A-7451-8043-B5EC-A7A646F3221B}">
-          <p14:sldIdLst>
-            <p14:sldId id="1855"/>
-          </p14:sldIdLst>
-        </p14:section>
-        <p14:section name="4.2.1 验证对抗训练对BPR-MF性能的影响" id="{C7A4E128-97B0-2E4C-A565-D3B8C4E82DBA}">
-          <p14:sldIdLst/>
-        </p14:section>
-        <p14:section name="4.2.1.1 实验内容与进度" id="{B89BDF04-ABB2-C34F-891C-F5EAF96282FE}">
-          <p14:sldIdLst/>
-        </p14:section>
-        <p14:section name="4.2.1.2 实验结果汇总" id="{3E6A564E-2E3C-9C4F-B964-EA33F573671D}">
-          <p14:sldIdLst/>
-        </p14:section>
-        <p14:section name="4.2.1.3 实验数据集" id="{3FDEB0D5-60F5-B04E-BD24-2E999ED3F627}">
-          <p14:sldIdLst/>
-        </p14:section>
-        <p14:section name="4.2.1.4 基于BPR-MF的基线模型选择" id="{C82C4FA8-CD66-9A45-8A92-52AC2CFE3892}">
-          <p14:sldIdLst/>
-        </p14:section>
-        <p14:section name="4.2.1.5 基于随机扰动的BPR-MF性能验证" id="{7234AF19-9367-EF45-A801-4A00B458908E}">
-          <p14:sldIdLst/>
-        </p14:section>
-        <p14:section name="4.2.1.6 基于数据统计量生成的扰动的BPR-MF性能验证" id="{BB887D03-5691-A449-BC97-CA45C3917BAA}">
-          <p14:sldIdLst/>
-        </p14:section>
-        <p14:section name="4.2.1.7 基于FGM生成的扰动的BPR-MF性能验证" id="{C00BE77E-AA7C-984A-A2F4-C5DD41925FB6}">
-          <p14:sldIdLst/>
-        </p14:section>
-        <p14:section name="4.2.1.8 基于FGSM生成的扰动的BPR-MF性能验证" id="{B3663EE8-DFB6-DE48-ACC2-366C1612DC75}">
-          <p14:sldIdLst/>
-        </p14:section>
-        <p14:section name="4.2.1.9 基于生成对抗网络(GAN)生成的扰动的BPR-MF性能验证" id="{F38BA3F8-B936-8940-9293-4362713C0FCE}">
-          <p14:sldIdLst/>
-        </p14:section>
-        <p14:section name="4.2.1.10 小结" id="{B5351B99-D967-E54C-834C-8CE50754548E}">
-          <p14:sldIdLst/>
-        </p14:section>
-        <p14:section name="4.2.1.11 案例分析：优化方法速度对比" id="{6284F7D1-D929-5C48-BDD6-0B5D0D96EBA9}">
-          <p14:sldIdLst/>
-        </p14:section>
-        <p14:section name="4.2.1.12 案例分析：不同扰动下生成的item embedding比较" id="{CC5CE1EA-F8FD-AD4C-8D98-5869B0693610}">
-          <p14:sldIdLst/>
-        </p14:section>
-        <p14:section name="4.2.1.13 案例分析：不同扰动下生成的item embedding可视化" id="{48D72ACF-A5A2-C64F-B6E7-BD5D34B0E6A7}">
-          <p14:sldIdLst/>
-        </p14:section>
-        <p14:section name="4.2.1.14 案例分析：缓解推荐中冷启动问题效果分析" id="{E8D918DD-BC09-2F4E-AF41-31A6933F9DE9}">
-          <p14:sldIdLst/>
-        </p14:section>
-        <p14:section name="4.2.1.15 案例分析：探究基于梯度的扰动效果更好的原因" id="{0D961B4F-08B1-1347-9BE2-D460517A9F08}">
-          <p14:sldIdLst/>
-        </p14:section>
-        <p14:section name="4.2.2 验证对抗训练对BPR-MFResNet18(DP)性能的影响" id="{37A27140-073A-294F-BC77-B880C6E09EAB}">
-          <p14:sldIdLst/>
-        </p14:section>
-        <p14:section name="4.2.2.1 实验内容与进度" id="{2E25D31A-6585-D64E-91C4-05D22DE7EE0E}">
-          <p14:sldIdLst/>
-        </p14:section>
-        <p14:section name="4.2.2.2 实验结果汇总" id="{A30FD9B9-05CB-3A4D-9491-3767BC5C9618}">
-          <p14:sldIdLst/>
-        </p14:section>
-        <p14:section name="4.2.2.3 基于BPR-MFResNet18(DP)的基线模型选择" id="{27E5E100-196B-094E-9FFA-E7325BB0ACF9}">
-          <p14:sldIdLst/>
-        </p14:section>
-        <p14:section name="4.2.2.4 基于随机扰动的BPR-MFResNet18(DP)性能验证" id="{882645C2-3EEB-8C4F-A6EC-A224CA258132}">
-          <p14:sldIdLst/>
-        </p14:section>
-        <p14:section name="4.2.2.5基于数据统计量生成的扰动的BPR-MFResNet18(DP)性能验证" id="{EA1075D6-0A28-DD4F-BF3E-9A03751B62BF}">
-          <p14:sldIdLst/>
-        </p14:section>
-        <p14:section name="4.2.2.6 基于FGM生成的扰动的BPR-MFResNet18(DP)性能验证" id="{F5C616A3-7EC8-474E-B15B-6F3C15EBFEB1}">
-          <p14:sldIdLst/>
-        </p14:section>
-        <p14:section name="4.2.2.7 基于FGSM生成的扰动的BPR-MFResNet18(DP)性能验证" id="{872F9B55-645D-414B-986B-7834FB97E070}">
-          <p14:sldIdLst/>
-        </p14:section>
-        <p14:section name="4.2.2.8 基于GAN生成的扰动的BPR-MFResNet18(DP)性能验证" id="{535B78D2-31AF-F441-A83A-847BF8646B6C}">
-          <p14:sldIdLst/>
-        </p14:section>
-        <p14:section name="4.2.2.9 小结" id="{DD1FBFE9-E9F8-E84A-A622-3069C0340AB2}">
-          <p14:sldIdLst/>
-        </p14:section>
-        <p14:section name="4.2.2.10 案例分析：缓解推荐中冷启动问题的效果分析" id="{9C3DB0F0-581B-A74F-9235-5301F514CE06}">
-          <p14:sldIdLst/>
-        </p14:section>
-        <p14:section name="4.2.3 验证对抗训练对BPR-MFResNet18(FP)性能的影响" id="{747DE821-414B-D548-832B-1EBB99810B08}">
-          <p14:sldIdLst/>
-        </p14:section>
-        <p14:section name="4.2.3.1 实验内容与进度" id="{4953C6F9-BAE0-4C45-9AE9-EC998ADA3D73}">
-          <p14:sldIdLst/>
-        </p14:section>
-        <p14:section name="4.2.3.2 实验结果汇总" id="{BC30F197-F512-8A44-82DA-EA41288190BD}">
-          <p14:sldIdLst/>
-        </p14:section>
-        <p14:section name="4.2.3.3 基于BPR-MFResNet18(FP)的基线模型选择" id="{A01E6D1C-DEEC-4C4B-A1B5-B220CC7C6833}">
-          <p14:sldIdLst/>
-        </p14:section>
-        <p14:section name="4.2.3.4 基于随机扰动的BPR-MFResNet18(FP)性能验证" id="{57A11631-DF63-1C4F-BD5F-D0F7EDDB7792}">
-          <p14:sldIdLst/>
-        </p14:section>
-        <p14:section name="4.2.3.5 基于数据统计量生成的扰动的BPR-MFResNet18(FP)性能验证" id="{289641B6-7BD9-1F49-AB1A-4A1B05690CDC}">
-          <p14:sldIdLst/>
-        </p14:section>
-        <p14:section name="4.2.3.6 基于FGM生成的扰动的BPR-MFResNet18(FP)性能验证" id="{60EC5DC1-F736-DA46-89F6-66B0A083C55A}">
-          <p14:sldIdLst/>
-        </p14:section>
-        <p14:section name="4.2.3.7 基于FGSM生成的扰动的BPR-MFResNet18(FP)性能验证" id="{FC38CC28-B71C-B14E-ADEB-3E85203F9D6B}">
-          <p14:sldIdLst/>
-        </p14:section>
-        <p14:section name="4.2.3.8 基于GAN生成的扰动的BPR-MFResNet18(FP)性能验证" id="{B04A1AAB-0372-514F-82DB-E0FF29EF28B4}">
-          <p14:sldIdLst/>
-        </p14:section>
-        <p14:section name="4.2.3.9 小结" id="{DBDE2A82-9962-414F-9B40-64BF3F276A02}">
-          <p14:sldIdLst/>
-        </p14:section>
-        <p14:section name="4.2.3.10 案例分析：缓解推荐中冷启动问题的效果分析" id="{BAC19E9C-9D15-F249-B679-413DCAF1F916}">
-          <p14:sldIdLst/>
-        </p14:section>
-        <p14:section name="4.3 研究内容三：（待定）" id="{2E528203-85AD-5644-9B13-59F57846CBE6}">
-          <p14:sldIdLst/>
-        </p14:section>
-        <p14:section name="结尾页" id="{C65BA6B6-A39B-5A4F-9A28-0D49501D1D4E}">
-          <p14:sldIdLst>
-            <p14:sldId id="261"/>
-          </p14:sldIdLst>
-        </p14:section>
-      </p14:sectionLst>
-    </p:ext>
     <p:ext uri="{EFAFB233-063F-42B5-8137-9DF3F51BA10A}">
       <p15:sldGuideLst xmlns:p15="http://schemas.microsoft.com/office/powerpoint/2012/main"/>
     </p:ext>
@@ -415,7 +239,7 @@
           <a:p>
             <a:fld id="{59AD45DB-4C1C-4CFC-A206-84ECEF943802}" type="datetimeFigureOut">
               <a:rPr lang="zh-CN" altLang="en-US" smtClean="0"/>
-              <a:t>2021/9/14</a:t>
+              <a:t>2021/9/18</a:t>
             </a:fld>
             <a:endParaRPr lang="zh-CN" altLang="en-US"/>
           </a:p>
@@ -2858,7 +2682,7 @@
           <a:p>
             <a:fld id="{6489D9C7-5DC6-4263-87FF-7C99F6FB63C3}" type="datetime1">
               <a:rPr lang="zh-CN" altLang="en-US" smtClean="0"/>
-              <a:t>2021/9/14</a:t>
+              <a:t>2021/9/18</a:t>
             </a:fld>
             <a:endParaRPr lang="zh-CN" altLang="en-US"/>
           </a:p>
@@ -3874,7 +3698,7 @@
           <a:p>
             <a:fld id="{6489D9C7-5DC6-4263-87FF-7C99F6FB63C3}" type="datetime1">
               <a:rPr lang="zh-CN" altLang="en-US" smtClean="0"/>
-              <a:t>2021/9/14</a:t>
+              <a:t>2021/9/18</a:t>
             </a:fld>
             <a:endParaRPr lang="zh-CN" altLang="en-US"/>
           </a:p>
@@ -5894,10 +5718,6 @@
           <a:p>
             <a:pPr algn="just"/>
             <a:r>
-              <a:rPr lang="en-US" altLang="zh-CN" sz="2400" dirty="0"/>
-              <a:t> </a:t>
-            </a:r>
-            <a:r>
               <a:rPr lang="en-US" altLang="zh-CN" sz="2400" dirty="0" err="1"/>
               <a:t>contrastAnalysis</a:t>
             </a:r>
@@ -5933,7 +5753,7 @@
         </p:blipFill>
         <p:spPr>
           <a:xfrm>
-            <a:off x="4166646" y="1028700"/>
+            <a:off x="5893988" y="1028700"/>
             <a:ext cx="5409683" cy="5835706"/>
           </a:xfrm>
           <a:prstGeom prst="rect">
@@ -5941,6 +5761,959 @@
           </a:prstGeom>
         </p:spPr>
       </p:pic>
+      <p:cxnSp>
+        <p:nvCxnSpPr>
+          <p:cNvPr id="8" name="直接箭头连接符 7">
+            <a:extLst>
+              <a:ext uri="{FF2B5EF4-FFF2-40B4-BE49-F238E27FC236}">
+                <a16:creationId xmlns:a16="http://schemas.microsoft.com/office/drawing/2014/main" id="{A79CC544-F8E7-4761-83AB-FBEB9C19D96E}"/>
+              </a:ext>
+            </a:extLst>
+          </p:cNvPr>
+          <p:cNvCxnSpPr>
+            <a:cxnSpLocks/>
+          </p:cNvCxnSpPr>
+          <p:nvPr/>
+        </p:nvCxnSpPr>
+        <p:spPr>
+          <a:xfrm>
+            <a:off x="2243580" y="5507864"/>
+            <a:ext cx="841294" cy="0"/>
+          </a:xfrm>
+          <a:prstGeom prst="straightConnector1">
+            <a:avLst/>
+          </a:prstGeom>
+          <a:ln>
+            <a:tailEnd type="triangle"/>
+          </a:ln>
+        </p:spPr>
+        <p:style>
+          <a:lnRef idx="1">
+            <a:schemeClr val="accent1"/>
+          </a:lnRef>
+          <a:fillRef idx="0">
+            <a:schemeClr val="accent1"/>
+          </a:fillRef>
+          <a:effectRef idx="0">
+            <a:schemeClr val="accent1"/>
+          </a:effectRef>
+          <a:fontRef idx="minor">
+            <a:schemeClr val="tx1"/>
+          </a:fontRef>
+        </p:style>
+      </p:cxnSp>
+      <p:graphicFrame>
+        <p:nvGraphicFramePr>
+          <p:cNvPr id="9" name="表格 8">
+            <a:extLst>
+              <a:ext uri="{FF2B5EF4-FFF2-40B4-BE49-F238E27FC236}">
+                <a16:creationId xmlns:a16="http://schemas.microsoft.com/office/drawing/2014/main" id="{76E3D1E7-A5FE-4C4B-8413-D4CA0671D628}"/>
+              </a:ext>
+            </a:extLst>
+          </p:cNvPr>
+          <p:cNvGraphicFramePr>
+            <a:graphicFrameLocks noGrp="1"/>
+          </p:cNvGraphicFramePr>
+          <p:nvPr>
+            <p:extLst>
+              <p:ext uri="{D42A27DB-BD31-4B8C-83A1-F6EECF244321}">
+                <p14:modId xmlns:p14="http://schemas.microsoft.com/office/powerpoint/2010/main" val="2256179702"/>
+              </p:ext>
+            </p:extLst>
+          </p:nvPr>
+        </p:nvGraphicFramePr>
+        <p:xfrm>
+          <a:off x="0" y="4602890"/>
+          <a:ext cx="2243580" cy="1828800"/>
+        </p:xfrm>
+        <a:graphic>
+          <a:graphicData uri="http://schemas.openxmlformats.org/drawingml/2006/table">
+            <a:tbl>
+              <a:tblPr firstRow="1" bandRow="1">
+                <a:tableStyleId>{5C22544A-7EE6-4342-B048-85BDC9FD1C3A}</a:tableStyleId>
+              </a:tblPr>
+              <a:tblGrid>
+                <a:gridCol w="448716">
+                  <a:extLst>
+                    <a:ext uri="{9D8B030D-6E8A-4147-A177-3AD203B41FA5}">
+                      <a16:colId xmlns:a16="http://schemas.microsoft.com/office/drawing/2014/main" val="3825806807"/>
+                    </a:ext>
+                  </a:extLst>
+                </a:gridCol>
+                <a:gridCol w="448716">
+                  <a:extLst>
+                    <a:ext uri="{9D8B030D-6E8A-4147-A177-3AD203B41FA5}">
+                      <a16:colId xmlns:a16="http://schemas.microsoft.com/office/drawing/2014/main" val="1414449425"/>
+                    </a:ext>
+                  </a:extLst>
+                </a:gridCol>
+                <a:gridCol w="448716">
+                  <a:extLst>
+                    <a:ext uri="{9D8B030D-6E8A-4147-A177-3AD203B41FA5}">
+                      <a16:colId xmlns:a16="http://schemas.microsoft.com/office/drawing/2014/main" val="473447576"/>
+                    </a:ext>
+                  </a:extLst>
+                </a:gridCol>
+                <a:gridCol w="448716">
+                  <a:extLst>
+                    <a:ext uri="{9D8B030D-6E8A-4147-A177-3AD203B41FA5}">
+                      <a16:colId xmlns:a16="http://schemas.microsoft.com/office/drawing/2014/main" val="150948161"/>
+                    </a:ext>
+                  </a:extLst>
+                </a:gridCol>
+                <a:gridCol w="448716">
+                  <a:extLst>
+                    <a:ext uri="{9D8B030D-6E8A-4147-A177-3AD203B41FA5}">
+                      <a16:colId xmlns:a16="http://schemas.microsoft.com/office/drawing/2014/main" val="1382560863"/>
+                    </a:ext>
+                  </a:extLst>
+                </a:gridCol>
+              </a:tblGrid>
+              <a:tr h="364397">
+                <a:tc>
+                  <a:txBody>
+                    <a:bodyPr/>
+                    <a:lstStyle/>
+                    <a:p>
+                      <a:r>
+                        <a:rPr lang="en-US" altLang="zh-CN" dirty="0"/>
+                        <a:t>1</a:t>
+                      </a:r>
+                      <a:endParaRPr lang="zh-CN" altLang="en-US" dirty="0"/>
+                    </a:p>
+                  </a:txBody>
+                  <a:tcPr/>
+                </a:tc>
+                <a:tc>
+                  <a:txBody>
+                    <a:bodyPr/>
+                    <a:lstStyle/>
+                    <a:p>
+                      <a:r>
+                        <a:rPr lang="en-US" altLang="zh-CN" dirty="0"/>
+                        <a:t>2</a:t>
+                      </a:r>
+                      <a:endParaRPr lang="zh-CN" altLang="en-US" dirty="0"/>
+                    </a:p>
+                  </a:txBody>
+                  <a:tcPr/>
+                </a:tc>
+                <a:tc>
+                  <a:txBody>
+                    <a:bodyPr/>
+                    <a:lstStyle/>
+                    <a:p>
+                      <a:r>
+                        <a:rPr lang="en-US" altLang="zh-CN" dirty="0"/>
+                        <a:t>3</a:t>
+                      </a:r>
+                      <a:endParaRPr lang="zh-CN" altLang="en-US" dirty="0"/>
+                    </a:p>
+                  </a:txBody>
+                  <a:tcPr/>
+                </a:tc>
+                <a:tc>
+                  <a:txBody>
+                    <a:bodyPr/>
+                    <a:lstStyle/>
+                    <a:p>
+                      <a:r>
+                        <a:rPr lang="en-US" altLang="zh-CN" dirty="0"/>
+                        <a:t>4</a:t>
+                      </a:r>
+                      <a:endParaRPr lang="zh-CN" altLang="en-US" dirty="0"/>
+                    </a:p>
+                  </a:txBody>
+                  <a:tcPr/>
+                </a:tc>
+                <a:tc>
+                  <a:txBody>
+                    <a:bodyPr/>
+                    <a:lstStyle/>
+                    <a:p>
+                      <a:r>
+                        <a:rPr lang="en-US" altLang="zh-CN" dirty="0"/>
+                        <a:t>5</a:t>
+                      </a:r>
+                      <a:endParaRPr lang="zh-CN" altLang="en-US" dirty="0"/>
+                    </a:p>
+                  </a:txBody>
+                  <a:tcPr/>
+                </a:tc>
+                <a:extLst>
+                  <a:ext uri="{0D108BD9-81ED-4DB2-BD59-A6C34878D82A}">
+                    <a16:rowId xmlns:a16="http://schemas.microsoft.com/office/drawing/2014/main" val="3821793075"/>
+                  </a:ext>
+                </a:extLst>
+              </a:tr>
+              <a:tr h="364397">
+                <a:tc>
+                  <a:txBody>
+                    <a:bodyPr/>
+                    <a:lstStyle/>
+                    <a:p>
+                      <a:r>
+                        <a:rPr lang="en-US" altLang="zh-CN" dirty="0"/>
+                        <a:t>6</a:t>
+                      </a:r>
+                      <a:endParaRPr lang="zh-CN" altLang="en-US" dirty="0"/>
+                    </a:p>
+                  </a:txBody>
+                  <a:tcPr/>
+                </a:tc>
+                <a:tc>
+                  <a:txBody>
+                    <a:bodyPr/>
+                    <a:lstStyle/>
+                    <a:p>
+                      <a:r>
+                        <a:rPr lang="en-US" altLang="zh-CN" dirty="0"/>
+                        <a:t>7</a:t>
+                      </a:r>
+                      <a:endParaRPr lang="zh-CN" altLang="en-US" dirty="0"/>
+                    </a:p>
+                  </a:txBody>
+                  <a:tcPr/>
+                </a:tc>
+                <a:tc>
+                  <a:txBody>
+                    <a:bodyPr/>
+                    <a:lstStyle/>
+                    <a:p>
+                      <a:r>
+                        <a:rPr lang="en-US" altLang="zh-CN" dirty="0"/>
+                        <a:t>8</a:t>
+                      </a:r>
+                      <a:endParaRPr lang="zh-CN" altLang="en-US" dirty="0"/>
+                    </a:p>
+                  </a:txBody>
+                  <a:tcPr/>
+                </a:tc>
+                <a:tc>
+                  <a:txBody>
+                    <a:bodyPr/>
+                    <a:lstStyle/>
+                    <a:p>
+                      <a:r>
+                        <a:rPr lang="en-US" altLang="zh-CN" dirty="0"/>
+                        <a:t>9</a:t>
+                      </a:r>
+                      <a:endParaRPr lang="zh-CN" altLang="en-US" dirty="0"/>
+                    </a:p>
+                  </a:txBody>
+                  <a:tcPr/>
+                </a:tc>
+                <a:tc>
+                  <a:txBody>
+                    <a:bodyPr/>
+                    <a:lstStyle/>
+                    <a:p>
+                      <a:r>
+                        <a:rPr lang="en-US" altLang="zh-CN" dirty="0"/>
+                        <a:t>0</a:t>
+                      </a:r>
+                      <a:endParaRPr lang="zh-CN" altLang="en-US" dirty="0"/>
+                    </a:p>
+                  </a:txBody>
+                  <a:tcPr/>
+                </a:tc>
+                <a:extLst>
+                  <a:ext uri="{0D108BD9-81ED-4DB2-BD59-A6C34878D82A}">
+                    <a16:rowId xmlns:a16="http://schemas.microsoft.com/office/drawing/2014/main" val="2584529692"/>
+                  </a:ext>
+                </a:extLst>
+              </a:tr>
+              <a:tr h="364397">
+                <a:tc>
+                  <a:txBody>
+                    <a:bodyPr/>
+                    <a:lstStyle/>
+                    <a:p>
+                      <a:r>
+                        <a:rPr lang="en-US" altLang="zh-CN" dirty="0"/>
+                        <a:t>11</a:t>
+                      </a:r>
+                      <a:endParaRPr lang="zh-CN" altLang="en-US" dirty="0"/>
+                    </a:p>
+                  </a:txBody>
+                  <a:tcPr/>
+                </a:tc>
+                <a:tc>
+                  <a:txBody>
+                    <a:bodyPr/>
+                    <a:lstStyle/>
+                    <a:p>
+                      <a:r>
+                        <a:rPr lang="en-US" altLang="zh-CN" dirty="0"/>
+                        <a:t>12</a:t>
+                      </a:r>
+                      <a:endParaRPr lang="zh-CN" altLang="en-US" dirty="0"/>
+                    </a:p>
+                  </a:txBody>
+                  <a:tcPr/>
+                </a:tc>
+                <a:tc>
+                  <a:txBody>
+                    <a:bodyPr/>
+                    <a:lstStyle/>
+                    <a:p>
+                      <a:r>
+                        <a:rPr lang="en-US" altLang="zh-CN" dirty="0"/>
+                        <a:t>10</a:t>
+                      </a:r>
+                      <a:endParaRPr lang="zh-CN" altLang="en-US" dirty="0"/>
+                    </a:p>
+                  </a:txBody>
+                  <a:tcPr/>
+                </a:tc>
+                <a:tc>
+                  <a:txBody>
+                    <a:bodyPr/>
+                    <a:lstStyle/>
+                    <a:p>
+                      <a:r>
+                        <a:rPr lang="en-US" altLang="zh-CN" dirty="0"/>
+                        <a:t>13</a:t>
+                      </a:r>
+                      <a:endParaRPr lang="zh-CN" altLang="en-US" dirty="0"/>
+                    </a:p>
+                  </a:txBody>
+                  <a:tcPr/>
+                </a:tc>
+                <a:tc>
+                  <a:txBody>
+                    <a:bodyPr/>
+                    <a:lstStyle/>
+                    <a:p>
+                      <a:r>
+                        <a:rPr lang="en-US" altLang="zh-CN" dirty="0"/>
+                        <a:t>14</a:t>
+                      </a:r>
+                      <a:endParaRPr lang="zh-CN" altLang="en-US" dirty="0"/>
+                    </a:p>
+                  </a:txBody>
+                  <a:tcPr/>
+                </a:tc>
+                <a:extLst>
+                  <a:ext uri="{0D108BD9-81ED-4DB2-BD59-A6C34878D82A}">
+                    <a16:rowId xmlns:a16="http://schemas.microsoft.com/office/drawing/2014/main" val="2931278655"/>
+                  </a:ext>
+                </a:extLst>
+              </a:tr>
+              <a:tr h="364397">
+                <a:tc>
+                  <a:txBody>
+                    <a:bodyPr/>
+                    <a:lstStyle/>
+                    <a:p>
+                      <a:r>
+                        <a:rPr lang="en-US" altLang="zh-CN" dirty="0"/>
+                        <a:t>9</a:t>
+                      </a:r>
+                      <a:endParaRPr lang="zh-CN" altLang="en-US" dirty="0"/>
+                    </a:p>
+                  </a:txBody>
+                  <a:tcPr/>
+                </a:tc>
+                <a:tc>
+                  <a:txBody>
+                    <a:bodyPr/>
+                    <a:lstStyle/>
+                    <a:p>
+                      <a:r>
+                        <a:rPr lang="en-US" altLang="zh-CN" dirty="0"/>
+                        <a:t>8</a:t>
+                      </a:r>
+                      <a:endParaRPr lang="zh-CN" altLang="en-US" dirty="0"/>
+                    </a:p>
+                  </a:txBody>
+                  <a:tcPr/>
+                </a:tc>
+                <a:tc>
+                  <a:txBody>
+                    <a:bodyPr/>
+                    <a:lstStyle/>
+                    <a:p>
+                      <a:r>
+                        <a:rPr lang="en-US" altLang="zh-CN" dirty="0"/>
+                        <a:t>7</a:t>
+                      </a:r>
+                      <a:endParaRPr lang="zh-CN" altLang="en-US" dirty="0"/>
+                    </a:p>
+                  </a:txBody>
+                  <a:tcPr/>
+                </a:tc>
+                <a:tc>
+                  <a:txBody>
+                    <a:bodyPr/>
+                    <a:lstStyle/>
+                    <a:p>
+                      <a:r>
+                        <a:rPr lang="en-US" altLang="zh-CN" dirty="0"/>
+                        <a:t>6</a:t>
+                      </a:r>
+                      <a:endParaRPr lang="zh-CN" altLang="en-US" dirty="0"/>
+                    </a:p>
+                  </a:txBody>
+                  <a:tcPr/>
+                </a:tc>
+                <a:tc>
+                  <a:txBody>
+                    <a:bodyPr/>
+                    <a:lstStyle/>
+                    <a:p>
+                      <a:r>
+                        <a:rPr lang="en-US" altLang="zh-CN" dirty="0"/>
+                        <a:t>10</a:t>
+                      </a:r>
+                      <a:endParaRPr lang="zh-CN" altLang="en-US" dirty="0"/>
+                    </a:p>
+                  </a:txBody>
+                  <a:tcPr/>
+                </a:tc>
+                <a:extLst>
+                  <a:ext uri="{0D108BD9-81ED-4DB2-BD59-A6C34878D82A}">
+                    <a16:rowId xmlns:a16="http://schemas.microsoft.com/office/drawing/2014/main" val="1977407751"/>
+                  </a:ext>
+                </a:extLst>
+              </a:tr>
+              <a:tr h="364397">
+                <a:tc>
+                  <a:txBody>
+                    <a:bodyPr/>
+                    <a:lstStyle/>
+                    <a:p>
+                      <a:r>
+                        <a:rPr lang="en-US" altLang="zh-CN" dirty="0"/>
+                        <a:t>50</a:t>
+                      </a:r>
+                      <a:endParaRPr lang="zh-CN" altLang="en-US" dirty="0"/>
+                    </a:p>
+                  </a:txBody>
+                  <a:tcPr/>
+                </a:tc>
+                <a:tc>
+                  <a:txBody>
+                    <a:bodyPr/>
+                    <a:lstStyle/>
+                    <a:p>
+                      <a:r>
+                        <a:rPr lang="en-US" altLang="zh-CN" dirty="0"/>
+                        <a:t>32</a:t>
+                      </a:r>
+                      <a:endParaRPr lang="zh-CN" altLang="en-US" dirty="0"/>
+                    </a:p>
+                  </a:txBody>
+                  <a:tcPr/>
+                </a:tc>
+                <a:tc>
+                  <a:txBody>
+                    <a:bodyPr/>
+                    <a:lstStyle/>
+                    <a:p>
+                      <a:r>
+                        <a:rPr lang="en-US" altLang="zh-CN" dirty="0"/>
+                        <a:t>23</a:t>
+                      </a:r>
+                      <a:endParaRPr lang="zh-CN" altLang="en-US" dirty="0"/>
+                    </a:p>
+                  </a:txBody>
+                  <a:tcPr/>
+                </a:tc>
+                <a:tc>
+                  <a:txBody>
+                    <a:bodyPr/>
+                    <a:lstStyle/>
+                    <a:p>
+                      <a:r>
+                        <a:rPr lang="en-US" altLang="zh-CN" dirty="0"/>
+                        <a:t>34</a:t>
+                      </a:r>
+                      <a:endParaRPr lang="zh-CN" altLang="en-US" dirty="0"/>
+                    </a:p>
+                  </a:txBody>
+                  <a:tcPr/>
+                </a:tc>
+                <a:tc>
+                  <a:txBody>
+                    <a:bodyPr/>
+                    <a:lstStyle/>
+                    <a:p>
+                      <a:r>
+                        <a:rPr lang="en-US" altLang="zh-CN" dirty="0"/>
+                        <a:t>26</a:t>
+                      </a:r>
+                      <a:endParaRPr lang="zh-CN" altLang="en-US" dirty="0"/>
+                    </a:p>
+                  </a:txBody>
+                  <a:tcPr/>
+                </a:tc>
+                <a:extLst>
+                  <a:ext uri="{0D108BD9-81ED-4DB2-BD59-A6C34878D82A}">
+                    <a16:rowId xmlns:a16="http://schemas.microsoft.com/office/drawing/2014/main" val="2258457371"/>
+                  </a:ext>
+                </a:extLst>
+              </a:tr>
+            </a:tbl>
+          </a:graphicData>
+        </a:graphic>
+      </p:graphicFrame>
+      <p:graphicFrame>
+        <p:nvGraphicFramePr>
+          <p:cNvPr id="11" name="表格 10">
+            <a:extLst>
+              <a:ext uri="{FF2B5EF4-FFF2-40B4-BE49-F238E27FC236}">
+                <a16:creationId xmlns:a16="http://schemas.microsoft.com/office/drawing/2014/main" id="{7640C819-F05F-4DF1-BEF3-F9E9D7EA0213}"/>
+              </a:ext>
+            </a:extLst>
+          </p:cNvPr>
+          <p:cNvGraphicFramePr>
+            <a:graphicFrameLocks noGrp="1"/>
+          </p:cNvGraphicFramePr>
+          <p:nvPr>
+            <p:extLst>
+              <p:ext uri="{D42A27DB-BD31-4B8C-83A1-F6EECF244321}">
+                <p14:modId xmlns:p14="http://schemas.microsoft.com/office/powerpoint/2010/main" val="1057685826"/>
+              </p:ext>
+            </p:extLst>
+          </p:nvPr>
+        </p:nvGraphicFramePr>
+        <p:xfrm>
+          <a:off x="3084874" y="4593464"/>
+          <a:ext cx="2243580" cy="1828800"/>
+        </p:xfrm>
+        <a:graphic>
+          <a:graphicData uri="http://schemas.openxmlformats.org/drawingml/2006/table">
+            <a:tbl>
+              <a:tblPr firstRow="1" bandRow="1">
+                <a:tableStyleId>{5C22544A-7EE6-4342-B048-85BDC9FD1C3A}</a:tableStyleId>
+              </a:tblPr>
+              <a:tblGrid>
+                <a:gridCol w="448716">
+                  <a:extLst>
+                    <a:ext uri="{9D8B030D-6E8A-4147-A177-3AD203B41FA5}">
+                      <a16:colId xmlns:a16="http://schemas.microsoft.com/office/drawing/2014/main" val="3825806807"/>
+                    </a:ext>
+                  </a:extLst>
+                </a:gridCol>
+                <a:gridCol w="448716">
+                  <a:extLst>
+                    <a:ext uri="{9D8B030D-6E8A-4147-A177-3AD203B41FA5}">
+                      <a16:colId xmlns:a16="http://schemas.microsoft.com/office/drawing/2014/main" val="1414449425"/>
+                    </a:ext>
+                  </a:extLst>
+                </a:gridCol>
+                <a:gridCol w="448716">
+                  <a:extLst>
+                    <a:ext uri="{9D8B030D-6E8A-4147-A177-3AD203B41FA5}">
+                      <a16:colId xmlns:a16="http://schemas.microsoft.com/office/drawing/2014/main" val="473447576"/>
+                    </a:ext>
+                  </a:extLst>
+                </a:gridCol>
+                <a:gridCol w="448716">
+                  <a:extLst>
+                    <a:ext uri="{9D8B030D-6E8A-4147-A177-3AD203B41FA5}">
+                      <a16:colId xmlns:a16="http://schemas.microsoft.com/office/drawing/2014/main" val="150948161"/>
+                    </a:ext>
+                  </a:extLst>
+                </a:gridCol>
+                <a:gridCol w="448716">
+                  <a:extLst>
+                    <a:ext uri="{9D8B030D-6E8A-4147-A177-3AD203B41FA5}">
+                      <a16:colId xmlns:a16="http://schemas.microsoft.com/office/drawing/2014/main" val="1382560863"/>
+                    </a:ext>
+                  </a:extLst>
+                </a:gridCol>
+              </a:tblGrid>
+              <a:tr h="364397">
+                <a:tc>
+                  <a:txBody>
+                    <a:bodyPr/>
+                    <a:lstStyle/>
+                    <a:p>
+                      <a:r>
+                        <a:rPr lang="en-US" altLang="zh-CN" dirty="0"/>
+                        <a:t>7</a:t>
+                      </a:r>
+                      <a:endParaRPr lang="zh-CN" altLang="en-US" dirty="0"/>
+                    </a:p>
+                  </a:txBody>
+                  <a:tcPr/>
+                </a:tc>
+                <a:tc>
+                  <a:txBody>
+                    <a:bodyPr/>
+                    <a:lstStyle/>
+                    <a:p>
+                      <a:r>
+                        <a:rPr lang="en-US" altLang="zh-CN" dirty="0"/>
+                        <a:t>8</a:t>
+                      </a:r>
+                      <a:endParaRPr lang="zh-CN" altLang="en-US" dirty="0"/>
+                    </a:p>
+                  </a:txBody>
+                  <a:tcPr/>
+                </a:tc>
+                <a:tc>
+                  <a:txBody>
+                    <a:bodyPr/>
+                    <a:lstStyle/>
+                    <a:p>
+                      <a:r>
+                        <a:rPr lang="en-US" altLang="zh-CN" dirty="0"/>
+                        <a:t>9</a:t>
+                      </a:r>
+                      <a:endParaRPr lang="zh-CN" altLang="en-US" dirty="0"/>
+                    </a:p>
+                  </a:txBody>
+                  <a:tcPr/>
+                </a:tc>
+                <a:tc>
+                  <a:txBody>
+                    <a:bodyPr/>
+                    <a:lstStyle/>
+                    <a:p>
+                      <a:r>
+                        <a:rPr lang="en-US" altLang="zh-CN" dirty="0"/>
+                        <a:t>9</a:t>
+                      </a:r>
+                      <a:endParaRPr lang="zh-CN" altLang="en-US" dirty="0"/>
+                    </a:p>
+                  </a:txBody>
+                  <a:tcPr/>
+                </a:tc>
+                <a:tc>
+                  <a:txBody>
+                    <a:bodyPr/>
+                    <a:lstStyle/>
+                    <a:p>
+                      <a:r>
+                        <a:rPr lang="en-US" altLang="zh-CN" dirty="0"/>
+                        <a:t>9</a:t>
+                      </a:r>
+                      <a:endParaRPr lang="zh-CN" altLang="en-US" dirty="0"/>
+                    </a:p>
+                  </a:txBody>
+                  <a:tcPr/>
+                </a:tc>
+                <a:extLst>
+                  <a:ext uri="{0D108BD9-81ED-4DB2-BD59-A6C34878D82A}">
+                    <a16:rowId xmlns:a16="http://schemas.microsoft.com/office/drawing/2014/main" val="3821793075"/>
+                  </a:ext>
+                </a:extLst>
+              </a:tr>
+              <a:tr h="364397">
+                <a:tc>
+                  <a:txBody>
+                    <a:bodyPr/>
+                    <a:lstStyle/>
+                    <a:p>
+                      <a:r>
+                        <a:rPr lang="en-US" altLang="zh-CN" dirty="0"/>
+                        <a:t>12</a:t>
+                      </a:r>
+                      <a:endParaRPr lang="zh-CN" altLang="en-US" dirty="0"/>
+                    </a:p>
+                  </a:txBody>
+                  <a:tcPr/>
+                </a:tc>
+                <a:tc>
+                  <a:txBody>
+                    <a:bodyPr/>
+                    <a:lstStyle/>
+                    <a:p>
+                      <a:r>
+                        <a:rPr lang="en-US" altLang="zh-CN" dirty="0"/>
+                        <a:t>12</a:t>
+                      </a:r>
+                      <a:endParaRPr lang="zh-CN" altLang="en-US" dirty="0"/>
+                    </a:p>
+                  </a:txBody>
+                  <a:tcPr/>
+                </a:tc>
+                <a:tc>
+                  <a:txBody>
+                    <a:bodyPr/>
+                    <a:lstStyle/>
+                    <a:p>
+                      <a:r>
+                        <a:rPr lang="en-US" altLang="zh-CN" dirty="0"/>
+                        <a:t>13</a:t>
+                      </a:r>
+                      <a:endParaRPr lang="zh-CN" altLang="en-US" dirty="0"/>
+                    </a:p>
+                  </a:txBody>
+                  <a:tcPr/>
+                </a:tc>
+                <a:tc>
+                  <a:txBody>
+                    <a:bodyPr/>
+                    <a:lstStyle/>
+                    <a:p>
+                      <a:r>
+                        <a:rPr lang="en-US" altLang="zh-CN" dirty="0"/>
+                        <a:t>14</a:t>
+                      </a:r>
+                      <a:endParaRPr lang="zh-CN" altLang="en-US" dirty="0"/>
+                    </a:p>
+                  </a:txBody>
+                  <a:tcPr/>
+                </a:tc>
+                <a:tc>
+                  <a:txBody>
+                    <a:bodyPr/>
+                    <a:lstStyle/>
+                    <a:p>
+                      <a:r>
+                        <a:rPr lang="en-US" altLang="zh-CN" dirty="0"/>
+                        <a:t>14</a:t>
+                      </a:r>
+                      <a:endParaRPr lang="zh-CN" altLang="en-US" dirty="0"/>
+                    </a:p>
+                  </a:txBody>
+                  <a:tcPr/>
+                </a:tc>
+                <a:extLst>
+                  <a:ext uri="{0D108BD9-81ED-4DB2-BD59-A6C34878D82A}">
+                    <a16:rowId xmlns:a16="http://schemas.microsoft.com/office/drawing/2014/main" val="2584529692"/>
+                  </a:ext>
+                </a:extLst>
+              </a:tr>
+              <a:tr h="364397">
+                <a:tc>
+                  <a:txBody>
+                    <a:bodyPr/>
+                    <a:lstStyle/>
+                    <a:p>
+                      <a:r>
+                        <a:rPr lang="en-US" altLang="zh-CN" dirty="0"/>
+                        <a:t>12</a:t>
+                      </a:r>
+                      <a:endParaRPr lang="zh-CN" altLang="en-US" dirty="0"/>
+                    </a:p>
+                  </a:txBody>
+                  <a:tcPr/>
+                </a:tc>
+                <a:tc>
+                  <a:txBody>
+                    <a:bodyPr/>
+                    <a:lstStyle/>
+                    <a:p>
+                      <a:r>
+                        <a:rPr lang="en-US" altLang="zh-CN" dirty="0"/>
+                        <a:t>12</a:t>
+                      </a:r>
+                      <a:endParaRPr lang="zh-CN" altLang="en-US" dirty="0"/>
+                    </a:p>
+                  </a:txBody>
+                  <a:tcPr/>
+                </a:tc>
+                <a:tc>
+                  <a:txBody>
+                    <a:bodyPr/>
+                    <a:lstStyle/>
+                    <a:p>
+                      <a:r>
+                        <a:rPr lang="en-US" altLang="zh-CN" dirty="0"/>
+                        <a:t>13</a:t>
+                      </a:r>
+                      <a:endParaRPr lang="zh-CN" altLang="en-US" dirty="0"/>
+                    </a:p>
+                  </a:txBody>
+                  <a:tcPr/>
+                </a:tc>
+                <a:tc>
+                  <a:txBody>
+                    <a:bodyPr/>
+                    <a:lstStyle/>
+                    <a:p>
+                      <a:r>
+                        <a:rPr lang="en-US" altLang="zh-CN" dirty="0"/>
+                        <a:t>14</a:t>
+                      </a:r>
+                      <a:endParaRPr lang="zh-CN" altLang="en-US" dirty="0"/>
+                    </a:p>
+                  </a:txBody>
+                  <a:tcPr/>
+                </a:tc>
+                <a:tc>
+                  <a:txBody>
+                    <a:bodyPr/>
+                    <a:lstStyle/>
+                    <a:p>
+                      <a:r>
+                        <a:rPr lang="en-US" altLang="zh-CN" dirty="0"/>
+                        <a:t>14</a:t>
+                      </a:r>
+                      <a:endParaRPr lang="zh-CN" altLang="en-US" dirty="0"/>
+                    </a:p>
+                  </a:txBody>
+                  <a:tcPr/>
+                </a:tc>
+                <a:extLst>
+                  <a:ext uri="{0D108BD9-81ED-4DB2-BD59-A6C34878D82A}">
+                    <a16:rowId xmlns:a16="http://schemas.microsoft.com/office/drawing/2014/main" val="2931278655"/>
+                  </a:ext>
+                </a:extLst>
+              </a:tr>
+              <a:tr h="364397">
+                <a:tc>
+                  <a:txBody>
+                    <a:bodyPr/>
+                    <a:lstStyle/>
+                    <a:p>
+                      <a:r>
+                        <a:rPr lang="en-US" altLang="zh-CN" dirty="0"/>
+                        <a:t>50</a:t>
+                      </a:r>
+                      <a:endParaRPr lang="zh-CN" altLang="en-US" dirty="0"/>
+                    </a:p>
+                  </a:txBody>
+                  <a:tcPr/>
+                </a:tc>
+                <a:tc>
+                  <a:txBody>
+                    <a:bodyPr/>
+                    <a:lstStyle/>
+                    <a:p>
+                      <a:r>
+                        <a:rPr lang="en-US" altLang="zh-CN" dirty="0"/>
+                        <a:t>50</a:t>
+                      </a:r>
+                      <a:endParaRPr lang="zh-CN" altLang="en-US" dirty="0"/>
+                    </a:p>
+                  </a:txBody>
+                  <a:tcPr/>
+                </a:tc>
+                <a:tc>
+                  <a:txBody>
+                    <a:bodyPr/>
+                    <a:lstStyle/>
+                    <a:p>
+                      <a:r>
+                        <a:rPr lang="en-US" altLang="zh-CN" dirty="0"/>
+                        <a:t>34</a:t>
+                      </a:r>
+                      <a:endParaRPr lang="zh-CN" altLang="en-US" dirty="0"/>
+                    </a:p>
+                  </a:txBody>
+                  <a:tcPr/>
+                </a:tc>
+                <a:tc>
+                  <a:txBody>
+                    <a:bodyPr/>
+                    <a:lstStyle/>
+                    <a:p>
+                      <a:r>
+                        <a:rPr lang="en-US" altLang="zh-CN" dirty="0"/>
+                        <a:t>34</a:t>
+                      </a:r>
+                      <a:endParaRPr lang="zh-CN" altLang="en-US" dirty="0"/>
+                    </a:p>
+                  </a:txBody>
+                  <a:tcPr/>
+                </a:tc>
+                <a:tc>
+                  <a:txBody>
+                    <a:bodyPr/>
+                    <a:lstStyle/>
+                    <a:p>
+                      <a:r>
+                        <a:rPr lang="en-US" altLang="zh-CN" dirty="0"/>
+                        <a:t>34</a:t>
+                      </a:r>
+                      <a:endParaRPr lang="zh-CN" altLang="en-US" dirty="0"/>
+                    </a:p>
+                  </a:txBody>
+                  <a:tcPr/>
+                </a:tc>
+                <a:extLst>
+                  <a:ext uri="{0D108BD9-81ED-4DB2-BD59-A6C34878D82A}">
+                    <a16:rowId xmlns:a16="http://schemas.microsoft.com/office/drawing/2014/main" val="1977407751"/>
+                  </a:ext>
+                </a:extLst>
+              </a:tr>
+              <a:tr h="364397">
+                <a:tc>
+                  <a:txBody>
+                    <a:bodyPr/>
+                    <a:lstStyle/>
+                    <a:p>
+                      <a:r>
+                        <a:rPr lang="en-US" altLang="zh-CN" dirty="0"/>
+                        <a:t>50</a:t>
+                      </a:r>
+                      <a:endParaRPr lang="zh-CN" altLang="en-US" dirty="0"/>
+                    </a:p>
+                  </a:txBody>
+                  <a:tcPr/>
+                </a:tc>
+                <a:tc>
+                  <a:txBody>
+                    <a:bodyPr/>
+                    <a:lstStyle/>
+                    <a:p>
+                      <a:r>
+                        <a:rPr lang="en-US" altLang="zh-CN" dirty="0"/>
+                        <a:t>50</a:t>
+                      </a:r>
+                      <a:endParaRPr lang="zh-CN" altLang="en-US" dirty="0"/>
+                    </a:p>
+                  </a:txBody>
+                  <a:tcPr/>
+                </a:tc>
+                <a:tc>
+                  <a:txBody>
+                    <a:bodyPr/>
+                    <a:lstStyle/>
+                    <a:p>
+                      <a:r>
+                        <a:rPr lang="en-US" altLang="zh-CN" dirty="0"/>
+                        <a:t>34</a:t>
+                      </a:r>
+                      <a:endParaRPr lang="zh-CN" altLang="en-US" dirty="0"/>
+                    </a:p>
+                  </a:txBody>
+                  <a:tcPr/>
+                </a:tc>
+                <a:tc>
+                  <a:txBody>
+                    <a:bodyPr/>
+                    <a:lstStyle/>
+                    <a:p>
+                      <a:r>
+                        <a:rPr lang="en-US" altLang="zh-CN" dirty="0"/>
+                        <a:t>34</a:t>
+                      </a:r>
+                      <a:endParaRPr lang="zh-CN" altLang="en-US" dirty="0"/>
+                    </a:p>
+                  </a:txBody>
+                  <a:tcPr/>
+                </a:tc>
+                <a:tc>
+                  <a:txBody>
+                    <a:bodyPr/>
+                    <a:lstStyle/>
+                    <a:p>
+                      <a:r>
+                        <a:rPr lang="en-US" altLang="zh-CN" dirty="0"/>
+                        <a:t>34</a:t>
+                      </a:r>
+                      <a:endParaRPr lang="zh-CN" altLang="en-US" dirty="0"/>
+                    </a:p>
+                  </a:txBody>
+                  <a:tcPr/>
+                </a:tc>
+                <a:extLst>
+                  <a:ext uri="{0D108BD9-81ED-4DB2-BD59-A6C34878D82A}">
+                    <a16:rowId xmlns:a16="http://schemas.microsoft.com/office/drawing/2014/main" val="2258457371"/>
+                  </a:ext>
+                </a:extLst>
+              </a:tr>
+            </a:tbl>
+          </a:graphicData>
+        </a:graphic>
+      </p:graphicFrame>
     </p:spTree>
     <p:extLst>
       <p:ext uri="{BB962C8B-B14F-4D97-AF65-F5344CB8AC3E}">
@@ -8234,10 +9007,10 @@
       </p:sp>
       <p:pic>
         <p:nvPicPr>
-          <p:cNvPr id="5" name="图片 4">
+          <p:cNvPr id="6" name="图片 5">
             <a:extLst>
               <a:ext uri="{FF2B5EF4-FFF2-40B4-BE49-F238E27FC236}">
-                <a16:creationId xmlns:a16="http://schemas.microsoft.com/office/drawing/2014/main" id="{2D6B9D44-0029-487A-82CF-E386089B722D}"/>
+                <a16:creationId xmlns:a16="http://schemas.microsoft.com/office/drawing/2014/main" id="{7A258EB3-E376-41F2-BD07-56A3F338E947}"/>
               </a:ext>
             </a:extLst>
           </p:cNvPr>
@@ -8260,14 +9033,716 @@
         </p:blipFill>
         <p:spPr>
           <a:xfrm>
-            <a:off x="5681662" y="1913418"/>
-            <a:ext cx="3600450" cy="4162425"/>
+            <a:off x="6437845" y="1066800"/>
+            <a:ext cx="4619625" cy="5791200"/>
           </a:xfrm>
           <a:prstGeom prst="rect">
             <a:avLst/>
           </a:prstGeom>
         </p:spPr>
       </p:pic>
+      <p:cxnSp>
+        <p:nvCxnSpPr>
+          <p:cNvPr id="7" name="直接箭头连接符 6">
+            <a:extLst>
+              <a:ext uri="{FF2B5EF4-FFF2-40B4-BE49-F238E27FC236}">
+                <a16:creationId xmlns:a16="http://schemas.microsoft.com/office/drawing/2014/main" id="{2A0EFBC8-42E1-40CE-ABD5-3A25466F58FC}"/>
+              </a:ext>
+            </a:extLst>
+          </p:cNvPr>
+          <p:cNvCxnSpPr>
+            <a:cxnSpLocks/>
+            <a:stCxn id="8" idx="3"/>
+          </p:cNvCxnSpPr>
+          <p:nvPr/>
+        </p:nvCxnSpPr>
+        <p:spPr>
+          <a:xfrm flipV="1">
+            <a:off x="2487903" y="5491622"/>
+            <a:ext cx="927308" cy="16242"/>
+          </a:xfrm>
+          <a:prstGeom prst="straightConnector1">
+            <a:avLst/>
+          </a:prstGeom>
+          <a:ln>
+            <a:tailEnd type="triangle"/>
+          </a:ln>
+        </p:spPr>
+        <p:style>
+          <a:lnRef idx="1">
+            <a:schemeClr val="accent1"/>
+          </a:lnRef>
+          <a:fillRef idx="0">
+            <a:schemeClr val="accent1"/>
+          </a:fillRef>
+          <a:effectRef idx="0">
+            <a:schemeClr val="accent1"/>
+          </a:effectRef>
+          <a:fontRef idx="minor">
+            <a:schemeClr val="tx1"/>
+          </a:fontRef>
+        </p:style>
+      </p:cxnSp>
+      <p:graphicFrame>
+        <p:nvGraphicFramePr>
+          <p:cNvPr id="8" name="表格 7">
+            <a:extLst>
+              <a:ext uri="{FF2B5EF4-FFF2-40B4-BE49-F238E27FC236}">
+                <a16:creationId xmlns:a16="http://schemas.microsoft.com/office/drawing/2014/main" id="{17371052-89D3-4693-B6C7-AE3B6C78B407}"/>
+              </a:ext>
+            </a:extLst>
+          </p:cNvPr>
+          <p:cNvGraphicFramePr>
+            <a:graphicFrameLocks noGrp="1"/>
+          </p:cNvGraphicFramePr>
+          <p:nvPr>
+            <p:extLst>
+              <p:ext uri="{D42A27DB-BD31-4B8C-83A1-F6EECF244321}">
+                <p14:modId xmlns:p14="http://schemas.microsoft.com/office/powerpoint/2010/main" val="2235010031"/>
+              </p:ext>
+            </p:extLst>
+          </p:nvPr>
+        </p:nvGraphicFramePr>
+        <p:xfrm>
+          <a:off x="244323" y="4593464"/>
+          <a:ext cx="2243580" cy="1828800"/>
+        </p:xfrm>
+        <a:graphic>
+          <a:graphicData uri="http://schemas.openxmlformats.org/drawingml/2006/table">
+            <a:tbl>
+              <a:tblPr firstRow="1" bandRow="1">
+                <a:tableStyleId>{5C22544A-7EE6-4342-B048-85BDC9FD1C3A}</a:tableStyleId>
+              </a:tblPr>
+              <a:tblGrid>
+                <a:gridCol w="448716">
+                  <a:extLst>
+                    <a:ext uri="{9D8B030D-6E8A-4147-A177-3AD203B41FA5}">
+                      <a16:colId xmlns:a16="http://schemas.microsoft.com/office/drawing/2014/main" val="3825806807"/>
+                    </a:ext>
+                  </a:extLst>
+                </a:gridCol>
+                <a:gridCol w="448716">
+                  <a:extLst>
+                    <a:ext uri="{9D8B030D-6E8A-4147-A177-3AD203B41FA5}">
+                      <a16:colId xmlns:a16="http://schemas.microsoft.com/office/drawing/2014/main" val="1414449425"/>
+                    </a:ext>
+                  </a:extLst>
+                </a:gridCol>
+                <a:gridCol w="448716">
+                  <a:extLst>
+                    <a:ext uri="{9D8B030D-6E8A-4147-A177-3AD203B41FA5}">
+                      <a16:colId xmlns:a16="http://schemas.microsoft.com/office/drawing/2014/main" val="473447576"/>
+                    </a:ext>
+                  </a:extLst>
+                </a:gridCol>
+                <a:gridCol w="448716">
+                  <a:extLst>
+                    <a:ext uri="{9D8B030D-6E8A-4147-A177-3AD203B41FA5}">
+                      <a16:colId xmlns:a16="http://schemas.microsoft.com/office/drawing/2014/main" val="150948161"/>
+                    </a:ext>
+                  </a:extLst>
+                </a:gridCol>
+                <a:gridCol w="448716">
+                  <a:extLst>
+                    <a:ext uri="{9D8B030D-6E8A-4147-A177-3AD203B41FA5}">
+                      <a16:colId xmlns:a16="http://schemas.microsoft.com/office/drawing/2014/main" val="1382560863"/>
+                    </a:ext>
+                  </a:extLst>
+                </a:gridCol>
+              </a:tblGrid>
+              <a:tr h="364397">
+                <a:tc>
+                  <a:txBody>
+                    <a:bodyPr/>
+                    <a:lstStyle/>
+                    <a:p>
+                      <a:r>
+                        <a:rPr lang="en-US" altLang="zh-CN" dirty="0"/>
+                        <a:t>1</a:t>
+                      </a:r>
+                      <a:endParaRPr lang="zh-CN" altLang="en-US" dirty="0"/>
+                    </a:p>
+                  </a:txBody>
+                  <a:tcPr/>
+                </a:tc>
+                <a:tc>
+                  <a:txBody>
+                    <a:bodyPr/>
+                    <a:lstStyle/>
+                    <a:p>
+                      <a:r>
+                        <a:rPr lang="en-US" altLang="zh-CN" dirty="0"/>
+                        <a:t>2</a:t>
+                      </a:r>
+                      <a:endParaRPr lang="zh-CN" altLang="en-US" dirty="0"/>
+                    </a:p>
+                  </a:txBody>
+                  <a:tcPr/>
+                </a:tc>
+                <a:tc>
+                  <a:txBody>
+                    <a:bodyPr/>
+                    <a:lstStyle/>
+                    <a:p>
+                      <a:r>
+                        <a:rPr lang="en-US" altLang="zh-CN" dirty="0"/>
+                        <a:t>3</a:t>
+                      </a:r>
+                      <a:endParaRPr lang="zh-CN" altLang="en-US" dirty="0"/>
+                    </a:p>
+                  </a:txBody>
+                  <a:tcPr/>
+                </a:tc>
+                <a:tc>
+                  <a:txBody>
+                    <a:bodyPr/>
+                    <a:lstStyle/>
+                    <a:p>
+                      <a:r>
+                        <a:rPr lang="en-US" altLang="zh-CN" dirty="0"/>
+                        <a:t>4</a:t>
+                      </a:r>
+                      <a:endParaRPr lang="zh-CN" altLang="en-US" dirty="0"/>
+                    </a:p>
+                  </a:txBody>
+                  <a:tcPr/>
+                </a:tc>
+                <a:tc>
+                  <a:txBody>
+                    <a:bodyPr/>
+                    <a:lstStyle/>
+                    <a:p>
+                      <a:r>
+                        <a:rPr lang="en-US" altLang="zh-CN" dirty="0"/>
+                        <a:t>5</a:t>
+                      </a:r>
+                      <a:endParaRPr lang="zh-CN" altLang="en-US" dirty="0"/>
+                    </a:p>
+                  </a:txBody>
+                  <a:tcPr/>
+                </a:tc>
+                <a:extLst>
+                  <a:ext uri="{0D108BD9-81ED-4DB2-BD59-A6C34878D82A}">
+                    <a16:rowId xmlns:a16="http://schemas.microsoft.com/office/drawing/2014/main" val="3821793075"/>
+                  </a:ext>
+                </a:extLst>
+              </a:tr>
+              <a:tr h="364397">
+                <a:tc>
+                  <a:txBody>
+                    <a:bodyPr/>
+                    <a:lstStyle/>
+                    <a:p>
+                      <a:r>
+                        <a:rPr lang="en-US" altLang="zh-CN" dirty="0"/>
+                        <a:t>6</a:t>
+                      </a:r>
+                      <a:endParaRPr lang="zh-CN" altLang="en-US" dirty="0"/>
+                    </a:p>
+                  </a:txBody>
+                  <a:tcPr/>
+                </a:tc>
+                <a:tc>
+                  <a:txBody>
+                    <a:bodyPr/>
+                    <a:lstStyle/>
+                    <a:p>
+                      <a:r>
+                        <a:rPr lang="en-US" altLang="zh-CN" dirty="0"/>
+                        <a:t>7</a:t>
+                      </a:r>
+                      <a:endParaRPr lang="zh-CN" altLang="en-US" dirty="0"/>
+                    </a:p>
+                  </a:txBody>
+                  <a:tcPr/>
+                </a:tc>
+                <a:tc>
+                  <a:txBody>
+                    <a:bodyPr/>
+                    <a:lstStyle/>
+                    <a:p>
+                      <a:r>
+                        <a:rPr lang="en-US" altLang="zh-CN" dirty="0"/>
+                        <a:t>8</a:t>
+                      </a:r>
+                      <a:endParaRPr lang="zh-CN" altLang="en-US" dirty="0"/>
+                    </a:p>
+                  </a:txBody>
+                  <a:tcPr/>
+                </a:tc>
+                <a:tc>
+                  <a:txBody>
+                    <a:bodyPr/>
+                    <a:lstStyle/>
+                    <a:p>
+                      <a:r>
+                        <a:rPr lang="en-US" altLang="zh-CN" dirty="0"/>
+                        <a:t>9</a:t>
+                      </a:r>
+                      <a:endParaRPr lang="zh-CN" altLang="en-US" dirty="0"/>
+                    </a:p>
+                  </a:txBody>
+                  <a:tcPr/>
+                </a:tc>
+                <a:tc>
+                  <a:txBody>
+                    <a:bodyPr/>
+                    <a:lstStyle/>
+                    <a:p>
+                      <a:r>
+                        <a:rPr lang="en-US" altLang="zh-CN" dirty="0"/>
+                        <a:t>0</a:t>
+                      </a:r>
+                      <a:endParaRPr lang="zh-CN" altLang="en-US" dirty="0"/>
+                    </a:p>
+                  </a:txBody>
+                  <a:tcPr/>
+                </a:tc>
+                <a:extLst>
+                  <a:ext uri="{0D108BD9-81ED-4DB2-BD59-A6C34878D82A}">
+                    <a16:rowId xmlns:a16="http://schemas.microsoft.com/office/drawing/2014/main" val="2584529692"/>
+                  </a:ext>
+                </a:extLst>
+              </a:tr>
+              <a:tr h="364397">
+                <a:tc>
+                  <a:txBody>
+                    <a:bodyPr/>
+                    <a:lstStyle/>
+                    <a:p>
+                      <a:r>
+                        <a:rPr lang="en-US" altLang="zh-CN" dirty="0"/>
+                        <a:t>11</a:t>
+                      </a:r>
+                      <a:endParaRPr lang="zh-CN" altLang="en-US" dirty="0"/>
+                    </a:p>
+                  </a:txBody>
+                  <a:tcPr/>
+                </a:tc>
+                <a:tc>
+                  <a:txBody>
+                    <a:bodyPr/>
+                    <a:lstStyle/>
+                    <a:p>
+                      <a:r>
+                        <a:rPr lang="en-US" altLang="zh-CN" dirty="0"/>
+                        <a:t>12</a:t>
+                      </a:r>
+                      <a:endParaRPr lang="zh-CN" altLang="en-US" dirty="0"/>
+                    </a:p>
+                  </a:txBody>
+                  <a:tcPr/>
+                </a:tc>
+                <a:tc>
+                  <a:txBody>
+                    <a:bodyPr/>
+                    <a:lstStyle/>
+                    <a:p>
+                      <a:r>
+                        <a:rPr lang="en-US" altLang="zh-CN" dirty="0"/>
+                        <a:t>10</a:t>
+                      </a:r>
+                      <a:endParaRPr lang="zh-CN" altLang="en-US" dirty="0"/>
+                    </a:p>
+                  </a:txBody>
+                  <a:tcPr/>
+                </a:tc>
+                <a:tc>
+                  <a:txBody>
+                    <a:bodyPr/>
+                    <a:lstStyle/>
+                    <a:p>
+                      <a:r>
+                        <a:rPr lang="en-US" altLang="zh-CN" dirty="0"/>
+                        <a:t>13</a:t>
+                      </a:r>
+                      <a:endParaRPr lang="zh-CN" altLang="en-US" dirty="0"/>
+                    </a:p>
+                  </a:txBody>
+                  <a:tcPr/>
+                </a:tc>
+                <a:tc>
+                  <a:txBody>
+                    <a:bodyPr/>
+                    <a:lstStyle/>
+                    <a:p>
+                      <a:r>
+                        <a:rPr lang="en-US" altLang="zh-CN" dirty="0"/>
+                        <a:t>14</a:t>
+                      </a:r>
+                      <a:endParaRPr lang="zh-CN" altLang="en-US" dirty="0"/>
+                    </a:p>
+                  </a:txBody>
+                  <a:tcPr/>
+                </a:tc>
+                <a:extLst>
+                  <a:ext uri="{0D108BD9-81ED-4DB2-BD59-A6C34878D82A}">
+                    <a16:rowId xmlns:a16="http://schemas.microsoft.com/office/drawing/2014/main" val="2931278655"/>
+                  </a:ext>
+                </a:extLst>
+              </a:tr>
+              <a:tr h="364397">
+                <a:tc>
+                  <a:txBody>
+                    <a:bodyPr/>
+                    <a:lstStyle/>
+                    <a:p>
+                      <a:r>
+                        <a:rPr lang="en-US" altLang="zh-CN" dirty="0"/>
+                        <a:t>9</a:t>
+                      </a:r>
+                      <a:endParaRPr lang="zh-CN" altLang="en-US" dirty="0"/>
+                    </a:p>
+                  </a:txBody>
+                  <a:tcPr/>
+                </a:tc>
+                <a:tc>
+                  <a:txBody>
+                    <a:bodyPr/>
+                    <a:lstStyle/>
+                    <a:p>
+                      <a:r>
+                        <a:rPr lang="en-US" altLang="zh-CN" dirty="0"/>
+                        <a:t>8</a:t>
+                      </a:r>
+                      <a:endParaRPr lang="zh-CN" altLang="en-US" dirty="0"/>
+                    </a:p>
+                  </a:txBody>
+                  <a:tcPr/>
+                </a:tc>
+                <a:tc>
+                  <a:txBody>
+                    <a:bodyPr/>
+                    <a:lstStyle/>
+                    <a:p>
+                      <a:r>
+                        <a:rPr lang="en-US" altLang="zh-CN" dirty="0"/>
+                        <a:t>7</a:t>
+                      </a:r>
+                      <a:endParaRPr lang="zh-CN" altLang="en-US" dirty="0"/>
+                    </a:p>
+                  </a:txBody>
+                  <a:tcPr/>
+                </a:tc>
+                <a:tc>
+                  <a:txBody>
+                    <a:bodyPr/>
+                    <a:lstStyle/>
+                    <a:p>
+                      <a:r>
+                        <a:rPr lang="en-US" altLang="zh-CN" dirty="0"/>
+                        <a:t>6</a:t>
+                      </a:r>
+                      <a:endParaRPr lang="zh-CN" altLang="en-US" dirty="0"/>
+                    </a:p>
+                  </a:txBody>
+                  <a:tcPr/>
+                </a:tc>
+                <a:tc>
+                  <a:txBody>
+                    <a:bodyPr/>
+                    <a:lstStyle/>
+                    <a:p>
+                      <a:r>
+                        <a:rPr lang="en-US" altLang="zh-CN" dirty="0"/>
+                        <a:t>10</a:t>
+                      </a:r>
+                      <a:endParaRPr lang="zh-CN" altLang="en-US" dirty="0"/>
+                    </a:p>
+                  </a:txBody>
+                  <a:tcPr/>
+                </a:tc>
+                <a:extLst>
+                  <a:ext uri="{0D108BD9-81ED-4DB2-BD59-A6C34878D82A}">
+                    <a16:rowId xmlns:a16="http://schemas.microsoft.com/office/drawing/2014/main" val="1977407751"/>
+                  </a:ext>
+                </a:extLst>
+              </a:tr>
+              <a:tr h="364397">
+                <a:tc>
+                  <a:txBody>
+                    <a:bodyPr/>
+                    <a:lstStyle/>
+                    <a:p>
+                      <a:r>
+                        <a:rPr lang="en-US" altLang="zh-CN" dirty="0"/>
+                        <a:t>50</a:t>
+                      </a:r>
+                      <a:endParaRPr lang="zh-CN" altLang="en-US" dirty="0"/>
+                    </a:p>
+                  </a:txBody>
+                  <a:tcPr/>
+                </a:tc>
+                <a:tc>
+                  <a:txBody>
+                    <a:bodyPr/>
+                    <a:lstStyle/>
+                    <a:p>
+                      <a:r>
+                        <a:rPr lang="en-US" altLang="zh-CN" dirty="0"/>
+                        <a:t>32</a:t>
+                      </a:r>
+                      <a:endParaRPr lang="zh-CN" altLang="en-US" dirty="0"/>
+                    </a:p>
+                  </a:txBody>
+                  <a:tcPr/>
+                </a:tc>
+                <a:tc>
+                  <a:txBody>
+                    <a:bodyPr/>
+                    <a:lstStyle/>
+                    <a:p>
+                      <a:r>
+                        <a:rPr lang="en-US" altLang="zh-CN" dirty="0"/>
+                        <a:t>23</a:t>
+                      </a:r>
+                      <a:endParaRPr lang="zh-CN" altLang="en-US" dirty="0"/>
+                    </a:p>
+                  </a:txBody>
+                  <a:tcPr/>
+                </a:tc>
+                <a:tc>
+                  <a:txBody>
+                    <a:bodyPr/>
+                    <a:lstStyle/>
+                    <a:p>
+                      <a:r>
+                        <a:rPr lang="en-US" altLang="zh-CN" dirty="0"/>
+                        <a:t>34</a:t>
+                      </a:r>
+                      <a:endParaRPr lang="zh-CN" altLang="en-US" dirty="0"/>
+                    </a:p>
+                  </a:txBody>
+                  <a:tcPr/>
+                </a:tc>
+                <a:tc>
+                  <a:txBody>
+                    <a:bodyPr/>
+                    <a:lstStyle/>
+                    <a:p>
+                      <a:r>
+                        <a:rPr lang="en-US" altLang="zh-CN" dirty="0"/>
+                        <a:t>26</a:t>
+                      </a:r>
+                      <a:endParaRPr lang="zh-CN" altLang="en-US" dirty="0"/>
+                    </a:p>
+                  </a:txBody>
+                  <a:tcPr/>
+                </a:tc>
+                <a:extLst>
+                  <a:ext uri="{0D108BD9-81ED-4DB2-BD59-A6C34878D82A}">
+                    <a16:rowId xmlns:a16="http://schemas.microsoft.com/office/drawing/2014/main" val="2258457371"/>
+                  </a:ext>
+                </a:extLst>
+              </a:tr>
+            </a:tbl>
+          </a:graphicData>
+        </a:graphic>
+      </p:graphicFrame>
+      <p:graphicFrame>
+        <p:nvGraphicFramePr>
+          <p:cNvPr id="9" name="表格 8">
+            <a:extLst>
+              <a:ext uri="{FF2B5EF4-FFF2-40B4-BE49-F238E27FC236}">
+                <a16:creationId xmlns:a16="http://schemas.microsoft.com/office/drawing/2014/main" id="{BABF9F5B-3A0E-4F9B-9DCF-A494B877944E}"/>
+              </a:ext>
+            </a:extLst>
+          </p:cNvPr>
+          <p:cNvGraphicFramePr>
+            <a:graphicFrameLocks noGrp="1"/>
+          </p:cNvGraphicFramePr>
+          <p:nvPr>
+            <p:extLst>
+              <p:ext uri="{D42A27DB-BD31-4B8C-83A1-F6EECF244321}">
+                <p14:modId xmlns:p14="http://schemas.microsoft.com/office/powerpoint/2010/main" val="363533739"/>
+              </p:ext>
+            </p:extLst>
+          </p:nvPr>
+        </p:nvGraphicFramePr>
+        <p:xfrm>
+          <a:off x="3415211" y="4930551"/>
+          <a:ext cx="1346148" cy="1097280"/>
+        </p:xfrm>
+        <a:graphic>
+          <a:graphicData uri="http://schemas.openxmlformats.org/drawingml/2006/table">
+            <a:tbl>
+              <a:tblPr firstRow="1" bandRow="1">
+                <a:tableStyleId>{5C22544A-7EE6-4342-B048-85BDC9FD1C3A}</a:tableStyleId>
+              </a:tblPr>
+              <a:tblGrid>
+                <a:gridCol w="448716">
+                  <a:extLst>
+                    <a:ext uri="{9D8B030D-6E8A-4147-A177-3AD203B41FA5}">
+                      <a16:colId xmlns:a16="http://schemas.microsoft.com/office/drawing/2014/main" val="3825806807"/>
+                    </a:ext>
+                  </a:extLst>
+                </a:gridCol>
+                <a:gridCol w="448716">
+                  <a:extLst>
+                    <a:ext uri="{9D8B030D-6E8A-4147-A177-3AD203B41FA5}">
+                      <a16:colId xmlns:a16="http://schemas.microsoft.com/office/drawing/2014/main" val="1414449425"/>
+                    </a:ext>
+                  </a:extLst>
+                </a:gridCol>
+                <a:gridCol w="448716">
+                  <a:extLst>
+                    <a:ext uri="{9D8B030D-6E8A-4147-A177-3AD203B41FA5}">
+                      <a16:colId xmlns:a16="http://schemas.microsoft.com/office/drawing/2014/main" val="473447576"/>
+                    </a:ext>
+                  </a:extLst>
+                </a:gridCol>
+              </a:tblGrid>
+              <a:tr h="364397">
+                <a:tc>
+                  <a:txBody>
+                    <a:bodyPr/>
+                    <a:lstStyle/>
+                    <a:p>
+                      <a:r>
+                        <a:rPr lang="en-US" altLang="zh-CN" dirty="0"/>
+                        <a:t>12</a:t>
+                      </a:r>
+                      <a:endParaRPr lang="zh-CN" altLang="en-US" dirty="0"/>
+                    </a:p>
+                  </a:txBody>
+                  <a:tcPr/>
+                </a:tc>
+                <a:tc>
+                  <a:txBody>
+                    <a:bodyPr/>
+                    <a:lstStyle/>
+                    <a:p>
+                      <a:r>
+                        <a:rPr lang="en-US" altLang="zh-CN" dirty="0"/>
+                        <a:t>13</a:t>
+                      </a:r>
+                      <a:endParaRPr lang="zh-CN" altLang="en-US" dirty="0"/>
+                    </a:p>
+                  </a:txBody>
+                  <a:tcPr/>
+                </a:tc>
+                <a:tc>
+                  <a:txBody>
+                    <a:bodyPr/>
+                    <a:lstStyle/>
+                    <a:p>
+                      <a:r>
+                        <a:rPr lang="en-US" altLang="zh-CN" dirty="0"/>
+                        <a:t>14</a:t>
+                      </a:r>
+                      <a:endParaRPr lang="zh-CN" altLang="en-US" dirty="0"/>
+                    </a:p>
+                  </a:txBody>
+                  <a:tcPr/>
+                </a:tc>
+                <a:extLst>
+                  <a:ext uri="{0D108BD9-81ED-4DB2-BD59-A6C34878D82A}">
+                    <a16:rowId xmlns:a16="http://schemas.microsoft.com/office/drawing/2014/main" val="3821793075"/>
+                  </a:ext>
+                </a:extLst>
+              </a:tr>
+              <a:tr h="364397">
+                <a:tc>
+                  <a:txBody>
+                    <a:bodyPr/>
+                    <a:lstStyle/>
+                    <a:p>
+                      <a:r>
+                        <a:rPr lang="en-US" altLang="zh-CN" dirty="0"/>
+                        <a:t>12</a:t>
+                      </a:r>
+                      <a:endParaRPr lang="zh-CN" altLang="en-US" dirty="0"/>
+                    </a:p>
+                  </a:txBody>
+                  <a:tcPr/>
+                </a:tc>
+                <a:tc>
+                  <a:txBody>
+                    <a:bodyPr/>
+                    <a:lstStyle/>
+                    <a:p>
+                      <a:r>
+                        <a:rPr lang="en-US" altLang="zh-CN" dirty="0"/>
+                        <a:t>13</a:t>
+                      </a:r>
+                      <a:endParaRPr lang="zh-CN" altLang="en-US" dirty="0"/>
+                    </a:p>
+                  </a:txBody>
+                  <a:tcPr/>
+                </a:tc>
+                <a:tc>
+                  <a:txBody>
+                    <a:bodyPr/>
+                    <a:lstStyle/>
+                    <a:p>
+                      <a:r>
+                        <a:rPr lang="en-US" altLang="zh-CN" dirty="0"/>
+                        <a:t>14</a:t>
+                      </a:r>
+                      <a:endParaRPr lang="zh-CN" altLang="en-US" dirty="0"/>
+                    </a:p>
+                  </a:txBody>
+                  <a:tcPr/>
+                </a:tc>
+                <a:extLst>
+                  <a:ext uri="{0D108BD9-81ED-4DB2-BD59-A6C34878D82A}">
+                    <a16:rowId xmlns:a16="http://schemas.microsoft.com/office/drawing/2014/main" val="2584529692"/>
+                  </a:ext>
+                </a:extLst>
+              </a:tr>
+              <a:tr h="364397">
+                <a:tc>
+                  <a:txBody>
+                    <a:bodyPr/>
+                    <a:lstStyle/>
+                    <a:p>
+                      <a:r>
+                        <a:rPr lang="en-US" altLang="zh-CN" dirty="0"/>
+                        <a:t>50</a:t>
+                      </a:r>
+                      <a:endParaRPr lang="zh-CN" altLang="en-US" dirty="0"/>
+                    </a:p>
+                  </a:txBody>
+                  <a:tcPr/>
+                </a:tc>
+                <a:tc>
+                  <a:txBody>
+                    <a:bodyPr/>
+                    <a:lstStyle/>
+                    <a:p>
+                      <a:r>
+                        <a:rPr lang="en-US" altLang="zh-CN" dirty="0"/>
+                        <a:t>34</a:t>
+                      </a:r>
+                      <a:endParaRPr lang="zh-CN" altLang="en-US" dirty="0"/>
+                    </a:p>
+                  </a:txBody>
+                  <a:tcPr/>
+                </a:tc>
+                <a:tc>
+                  <a:txBody>
+                    <a:bodyPr/>
+                    <a:lstStyle/>
+                    <a:p>
+                      <a:r>
+                        <a:rPr lang="en-US" altLang="zh-CN" dirty="0"/>
+                        <a:t>34</a:t>
+                      </a:r>
+                      <a:endParaRPr lang="zh-CN" altLang="en-US" dirty="0"/>
+                    </a:p>
+                  </a:txBody>
+                  <a:tcPr/>
+                </a:tc>
+                <a:extLst>
+                  <a:ext uri="{0D108BD9-81ED-4DB2-BD59-A6C34878D82A}">
+                    <a16:rowId xmlns:a16="http://schemas.microsoft.com/office/drawing/2014/main" val="2931278655"/>
+                  </a:ext>
+                </a:extLst>
+              </a:tr>
+            </a:tbl>
+          </a:graphicData>
+        </a:graphic>
+      </p:graphicFrame>
     </p:spTree>
     <p:extLst>
       <p:ext uri="{BB962C8B-B14F-4D97-AF65-F5344CB8AC3E}">
@@ -8559,7 +10034,482 @@
             <a:pPr algn="just"/>
             <a:r>
               <a:rPr lang="en-US" altLang="zh-CN" sz="2400" b="1" u="sng" dirty="0"/>
-              <a:t>3.1.3</a:t>
+              <a:t>3.1.2</a:t>
+            </a:r>
+            <a:r>
+              <a:rPr lang="zh-CN" altLang="en-US" sz="2400" b="1" u="sng" dirty="0"/>
+              <a:t> 分割算法展示</a:t>
+            </a:r>
+            <a:r>
+              <a:rPr lang="zh-CN" altLang="en-US" sz="2400" dirty="0"/>
+              <a:t>：</a:t>
+            </a:r>
+            <a:endParaRPr lang="en-US" altLang="zh-CN" sz="2400" dirty="0"/>
+          </a:p>
+          <a:p>
+            <a:pPr lvl="1" algn="just">
+              <a:lnSpc>
+                <a:spcPts val="3360"/>
+              </a:lnSpc>
+              <a:spcAft>
+                <a:spcPts val="1200"/>
+              </a:spcAft>
+            </a:pPr>
+            <a:r>
+              <a:rPr lang="en-US" altLang="zh-CN" sz="2000" dirty="0"/>
+              <a:t>                        </a:t>
+            </a:r>
+            <a:r>
+              <a:rPr lang="zh-CN" altLang="en-US" sz="2000" dirty="0"/>
+              <a:t>原图</a:t>
+            </a:r>
+            <a:r>
+              <a:rPr lang="en-US" altLang="zh-CN" sz="2000" dirty="0"/>
+              <a:t>                                                         </a:t>
+            </a:r>
+            <a:r>
+              <a:rPr lang="en-US" altLang="zh-CN" sz="2000" dirty="0" err="1"/>
+              <a:t>hazeRegionImage</a:t>
+            </a:r>
+            <a:endParaRPr lang="en-US" altLang="zh-CN" sz="2000" dirty="0"/>
+          </a:p>
+        </p:txBody>
+      </p:sp>
+      <p:sp>
+        <p:nvSpPr>
+          <p:cNvPr id="56" name="文本框 55">
+            <a:extLst>
+              <a:ext uri="{FF2B5EF4-FFF2-40B4-BE49-F238E27FC236}">
+                <a16:creationId xmlns:a16="http://schemas.microsoft.com/office/drawing/2014/main" id="{6FBBCB82-A524-483C-BBCA-1FC3FE45F529}"/>
+              </a:ext>
+            </a:extLst>
+          </p:cNvPr>
+          <p:cNvSpPr txBox="1"/>
+          <p:nvPr/>
+        </p:nvSpPr>
+        <p:spPr>
+          <a:xfrm>
+            <a:off x="2602408" y="6025763"/>
+            <a:ext cx="441146" cy="246221"/>
+          </a:xfrm>
+          <a:prstGeom prst="rect">
+            <a:avLst/>
+          </a:prstGeom>
+          <a:noFill/>
+        </p:spPr>
+        <p:txBody>
+          <a:bodyPr wrap="none" rtlCol="0">
+            <a:spAutoFit/>
+          </a:bodyPr>
+          <a:lstStyle/>
+          <a:p>
+            <a:r>
+              <a:rPr lang="zh-CN" altLang="en-US" sz="1000" dirty="0"/>
+              <a:t>原图</a:t>
+            </a:r>
+          </a:p>
+        </p:txBody>
+      </p:sp>
+      <p:sp>
+        <p:nvSpPr>
+          <p:cNvPr id="57" name="文本框 56">
+            <a:extLst>
+              <a:ext uri="{FF2B5EF4-FFF2-40B4-BE49-F238E27FC236}">
+                <a16:creationId xmlns:a16="http://schemas.microsoft.com/office/drawing/2014/main" id="{E59882C5-C4F6-4105-91CB-BF0A6D20C8E3}"/>
+              </a:ext>
+            </a:extLst>
+          </p:cNvPr>
+          <p:cNvSpPr txBox="1"/>
+          <p:nvPr/>
+        </p:nvSpPr>
+        <p:spPr>
+          <a:xfrm>
+            <a:off x="7414163" y="6043602"/>
+            <a:ext cx="1218603" cy="246221"/>
+          </a:xfrm>
+          <a:prstGeom prst="rect">
+            <a:avLst/>
+          </a:prstGeom>
+          <a:noFill/>
+        </p:spPr>
+        <p:txBody>
+          <a:bodyPr wrap="none" rtlCol="0">
+            <a:spAutoFit/>
+          </a:bodyPr>
+          <a:lstStyle/>
+          <a:p>
+            <a:r>
+              <a:rPr lang="en-US" altLang="zh-CN" sz="1000" dirty="0" err="1"/>
+              <a:t>hazeRegionImage</a:t>
+            </a:r>
+            <a:endParaRPr lang="zh-CN" altLang="en-US" sz="1000" dirty="0"/>
+          </a:p>
+        </p:txBody>
+      </p:sp>
+      <p:pic>
+        <p:nvPicPr>
+          <p:cNvPr id="10" name="图片 9">
+            <a:extLst>
+              <a:ext uri="{FF2B5EF4-FFF2-40B4-BE49-F238E27FC236}">
+                <a16:creationId xmlns:a16="http://schemas.microsoft.com/office/drawing/2014/main" id="{579D7E16-5945-4F7F-A5F5-901E9B88CD28}"/>
+              </a:ext>
+            </a:extLst>
+          </p:cNvPr>
+          <p:cNvPicPr>
+            <a:picLocks noChangeAspect="1"/>
+          </p:cNvPicPr>
+          <p:nvPr/>
+        </p:nvPicPr>
+        <p:blipFill>
+          <a:blip r:embed="rId2" cstate="print">
+            <a:extLst>
+              <a:ext uri="{28A0092B-C50C-407E-A947-70E740481C1C}">
+                <a14:useLocalDpi xmlns:a14="http://schemas.microsoft.com/office/drawing/2010/main" val="0"/>
+              </a:ext>
+            </a:extLst>
+          </a:blip>
+          <a:stretch>
+            <a:fillRect/>
+          </a:stretch>
+        </p:blipFill>
+        <p:spPr>
+          <a:xfrm>
+            <a:off x="1832343" y="2300795"/>
+            <a:ext cx="1981276" cy="3522269"/>
+          </a:xfrm>
+          <a:prstGeom prst="rect">
+            <a:avLst/>
+          </a:prstGeom>
+        </p:spPr>
+      </p:pic>
+      <p:pic>
+        <p:nvPicPr>
+          <p:cNvPr id="5" name="图片 4">
+            <a:extLst>
+              <a:ext uri="{FF2B5EF4-FFF2-40B4-BE49-F238E27FC236}">
+                <a16:creationId xmlns:a16="http://schemas.microsoft.com/office/drawing/2014/main" id="{4F176D7B-510E-45C3-B6D9-5BBB03CD58AC}"/>
+              </a:ext>
+            </a:extLst>
+          </p:cNvPr>
+          <p:cNvPicPr>
+            <a:picLocks noChangeAspect="1"/>
+          </p:cNvPicPr>
+          <p:nvPr/>
+        </p:nvPicPr>
+        <p:blipFill>
+          <a:blip r:embed="rId3">
+            <a:extLst>
+              <a:ext uri="{28A0092B-C50C-407E-A947-70E740481C1C}">
+                <a14:useLocalDpi xmlns:a14="http://schemas.microsoft.com/office/drawing/2010/main" val="0"/>
+              </a:ext>
+            </a:extLst>
+          </a:blip>
+          <a:stretch>
+            <a:fillRect/>
+          </a:stretch>
+        </p:blipFill>
+        <p:spPr>
+          <a:xfrm>
+            <a:off x="5466907" y="2475859"/>
+            <a:ext cx="4972050" cy="3124200"/>
+          </a:xfrm>
+          <a:prstGeom prst="rect">
+            <a:avLst/>
+          </a:prstGeom>
+        </p:spPr>
+      </p:pic>
+    </p:spTree>
+    <p:extLst>
+      <p:ext uri="{BB962C8B-B14F-4D97-AF65-F5344CB8AC3E}">
+        <p14:creationId xmlns:p14="http://schemas.microsoft.com/office/powerpoint/2010/main" val="2363595547"/>
+      </p:ext>
+    </p:extLst>
+  </p:cSld>
+  <p:clrMapOvr>
+    <a:masterClrMapping/>
+  </p:clrMapOvr>
+</p:sld>
+</file>
+
+<file path=ppt/slides/slide19.xml><?xml version="1.0" encoding="utf-8"?>
+<p:sld xmlns:a="http://schemas.openxmlformats.org/drawingml/2006/main" xmlns:r="http://schemas.openxmlformats.org/officeDocument/2006/relationships" xmlns:p="http://schemas.openxmlformats.org/presentationml/2006/main">
+  <p:cSld>
+    <p:spTree>
+      <p:nvGrpSpPr>
+        <p:cNvPr id="1" name=""/>
+        <p:cNvGrpSpPr/>
+        <p:nvPr/>
+      </p:nvGrpSpPr>
+      <p:grpSpPr>
+        <a:xfrm>
+          <a:off x="0" y="0"/>
+          <a:ext cx="0" cy="0"/>
+          <a:chOff x="0" y="0"/>
+          <a:chExt cx="0" cy="0"/>
+        </a:xfrm>
+      </p:grpSpPr>
+      <p:sp>
+        <p:nvSpPr>
+          <p:cNvPr id="2" name="标题 1"/>
+          <p:cNvSpPr>
+            <a:spLocks noGrp="1"/>
+          </p:cNvSpPr>
+          <p:nvPr>
+            <p:ph type="title"/>
+          </p:nvPr>
+        </p:nvSpPr>
+        <p:spPr>
+          <a:xfrm>
+            <a:off x="669924" y="1"/>
+            <a:ext cx="10850563" cy="1028699"/>
+          </a:xfrm>
+        </p:spPr>
+        <p:txBody>
+          <a:bodyPr/>
+          <a:lstStyle/>
+          <a:p>
+            <a:r>
+              <a:rPr lang="zh-CN" altLang="en-US" dirty="0"/>
+              <a:t>研究内容及分析 </a:t>
+            </a:r>
+            <a:r>
+              <a:rPr lang="en-US" altLang="zh-CN" sz="2000" dirty="0"/>
+              <a:t>3.1</a:t>
+            </a:r>
+            <a:r>
+              <a:rPr lang="zh-CN" altLang="en-US" sz="2000" dirty="0"/>
+              <a:t> </a:t>
+            </a:r>
+            <a:r>
+              <a:rPr lang="zh-CN" altLang="en-US" sz="2000" b="1" dirty="0"/>
+              <a:t>现有雾霾分割算法分析及复现</a:t>
+            </a:r>
+            <a:endParaRPr lang="zh-CN" altLang="en-US" dirty="0"/>
+          </a:p>
+        </p:txBody>
+      </p:sp>
+      <p:sp>
+        <p:nvSpPr>
+          <p:cNvPr id="4" name="灯片编号占位符 3"/>
+          <p:cNvSpPr>
+            <a:spLocks noGrp="1"/>
+          </p:cNvSpPr>
+          <p:nvPr>
+            <p:ph type="sldNum" sz="quarter" idx="12"/>
+          </p:nvPr>
+        </p:nvSpPr>
+        <p:spPr>
+          <a:xfrm>
+            <a:off x="9282112" y="6651619"/>
+            <a:ext cx="2909888" cy="206381"/>
+          </a:xfrm>
+        </p:spPr>
+        <p:txBody>
+          <a:bodyPr/>
+          <a:lstStyle/>
+          <a:p>
+            <a:fld id="{5DD3DB80-B894-403A-B48E-6FDC1A72010E}" type="slidenum">
+              <a:rPr lang="zh-CN" altLang="en-US" smtClean="0"/>
+              <a:t>19</a:t>
+            </a:fld>
+            <a:endParaRPr lang="zh-CN" altLang="en-US" dirty="0"/>
+          </a:p>
+        </p:txBody>
+      </p:sp>
+      <p:sp>
+        <p:nvSpPr>
+          <p:cNvPr id="26" name="内容占位符 4">
+            <a:extLst>
+              <a:ext uri="{FF2B5EF4-FFF2-40B4-BE49-F238E27FC236}">
+                <a16:creationId xmlns:a16="http://schemas.microsoft.com/office/drawing/2014/main" id="{9B5A9525-5ED5-6241-B46B-6B1E0EE520B3}"/>
+              </a:ext>
+            </a:extLst>
+          </p:cNvPr>
+          <p:cNvSpPr txBox="1">
+            <a:spLocks/>
+          </p:cNvSpPr>
+          <p:nvPr/>
+        </p:nvSpPr>
+        <p:spPr>
+          <a:xfrm>
+            <a:off x="0" y="1196751"/>
+            <a:ext cx="12192000" cy="883509"/>
+          </a:xfrm>
+          <a:prstGeom prst="rect">
+            <a:avLst/>
+          </a:prstGeom>
+        </p:spPr>
+        <p:txBody>
+          <a:bodyPr/>
+          <a:lstStyle>
+            <a:lvl1pPr marL="228600" indent="-228600" algn="l" defTabSz="914400" rtl="0" eaLnBrk="1" latinLnBrk="0" hangingPunct="1">
+              <a:lnSpc>
+                <a:spcPct val="90000"/>
+              </a:lnSpc>
+              <a:spcBef>
+                <a:spcPts val="1000"/>
+              </a:spcBef>
+              <a:buFont typeface="Arial" panose="020B0604020202020204" pitchFamily="34" charset="0"/>
+              <a:buChar char="•"/>
+              <a:defRPr sz="2000" kern="1200">
+                <a:solidFill>
+                  <a:schemeClr val="tx1"/>
+                </a:solidFill>
+                <a:latin typeface="+mn-lt"/>
+                <a:ea typeface="+mn-ea"/>
+                <a:cs typeface="+mn-cs"/>
+              </a:defRPr>
+            </a:lvl1pPr>
+            <a:lvl2pPr marL="685800" indent="-228600" algn="l" defTabSz="914400" rtl="0" eaLnBrk="1" latinLnBrk="0" hangingPunct="1">
+              <a:lnSpc>
+                <a:spcPct val="90000"/>
+              </a:lnSpc>
+              <a:spcBef>
+                <a:spcPts val="500"/>
+              </a:spcBef>
+              <a:buFont typeface="Arial" panose="020B0604020202020204" pitchFamily="34" charset="0"/>
+              <a:buChar char="•"/>
+              <a:defRPr sz="1800" kern="1200">
+                <a:solidFill>
+                  <a:schemeClr val="tx1"/>
+                </a:solidFill>
+                <a:latin typeface="+mn-lt"/>
+                <a:ea typeface="+mn-ea"/>
+                <a:cs typeface="+mn-cs"/>
+              </a:defRPr>
+            </a:lvl2pPr>
+            <a:lvl3pPr marL="1143000" indent="-228600" algn="l" defTabSz="914400" rtl="0" eaLnBrk="1" latinLnBrk="0" hangingPunct="1">
+              <a:lnSpc>
+                <a:spcPct val="90000"/>
+              </a:lnSpc>
+              <a:spcBef>
+                <a:spcPts val="500"/>
+              </a:spcBef>
+              <a:buFont typeface="Arial" panose="020B0604020202020204" pitchFamily="34" charset="0"/>
+              <a:buChar char="•"/>
+              <a:defRPr sz="1600" kern="1200">
+                <a:solidFill>
+                  <a:schemeClr val="tx1"/>
+                </a:solidFill>
+                <a:latin typeface="+mn-lt"/>
+                <a:ea typeface="+mn-ea"/>
+                <a:cs typeface="+mn-cs"/>
+              </a:defRPr>
+            </a:lvl3pPr>
+            <a:lvl4pPr marL="1600200" indent="-228600" algn="l" defTabSz="914400" rtl="0" eaLnBrk="1" latinLnBrk="0" hangingPunct="1">
+              <a:lnSpc>
+                <a:spcPct val="90000"/>
+              </a:lnSpc>
+              <a:spcBef>
+                <a:spcPts val="500"/>
+              </a:spcBef>
+              <a:buFont typeface="Arial" panose="020B0604020202020204" pitchFamily="34" charset="0"/>
+              <a:buChar char="•"/>
+              <a:defRPr sz="1400" kern="1200">
+                <a:solidFill>
+                  <a:schemeClr val="tx1"/>
+                </a:solidFill>
+                <a:latin typeface="+mn-lt"/>
+                <a:ea typeface="+mn-ea"/>
+                <a:cs typeface="+mn-cs"/>
+              </a:defRPr>
+            </a:lvl4pPr>
+            <a:lvl5pPr marL="2057400" indent="-228600" algn="l" defTabSz="914400" rtl="0" eaLnBrk="1" latinLnBrk="0" hangingPunct="1">
+              <a:lnSpc>
+                <a:spcPct val="90000"/>
+              </a:lnSpc>
+              <a:spcBef>
+                <a:spcPts val="500"/>
+              </a:spcBef>
+              <a:buFont typeface="Arial" panose="020B0604020202020204" pitchFamily="34" charset="0"/>
+              <a:buChar char="•"/>
+              <a:defRPr sz="1400" kern="1200">
+                <a:solidFill>
+                  <a:schemeClr val="tx1"/>
+                </a:solidFill>
+                <a:latin typeface="+mn-lt"/>
+                <a:ea typeface="+mn-ea"/>
+                <a:cs typeface="+mn-cs"/>
+              </a:defRPr>
+            </a:lvl5pPr>
+            <a:lvl6pPr marL="2514600" indent="-228600" algn="l" defTabSz="914400" rtl="0" eaLnBrk="1" latinLnBrk="0" hangingPunct="1">
+              <a:lnSpc>
+                <a:spcPct val="90000"/>
+              </a:lnSpc>
+              <a:spcBef>
+                <a:spcPts val="500"/>
+              </a:spcBef>
+              <a:buFont typeface="Arial" panose="020B0604020202020204" pitchFamily="34" charset="0"/>
+              <a:buChar char="•"/>
+              <a:defRPr sz="1800" kern="1200">
+                <a:solidFill>
+                  <a:schemeClr val="tx1"/>
+                </a:solidFill>
+                <a:latin typeface="+mn-lt"/>
+                <a:ea typeface="+mn-ea"/>
+                <a:cs typeface="+mn-cs"/>
+              </a:defRPr>
+            </a:lvl6pPr>
+            <a:lvl7pPr marL="2971800" indent="-228600" algn="l" defTabSz="914400" rtl="0" eaLnBrk="1" latinLnBrk="0" hangingPunct="1">
+              <a:lnSpc>
+                <a:spcPct val="90000"/>
+              </a:lnSpc>
+              <a:spcBef>
+                <a:spcPts val="500"/>
+              </a:spcBef>
+              <a:buFont typeface="Arial" panose="020B0604020202020204" pitchFamily="34" charset="0"/>
+              <a:buChar char="•"/>
+              <a:defRPr sz="1800" kern="1200">
+                <a:solidFill>
+                  <a:schemeClr val="tx1"/>
+                </a:solidFill>
+                <a:latin typeface="+mn-lt"/>
+                <a:ea typeface="+mn-ea"/>
+                <a:cs typeface="+mn-cs"/>
+              </a:defRPr>
+            </a:lvl7pPr>
+            <a:lvl8pPr marL="3429000" indent="-228600" algn="l" defTabSz="914400" rtl="0" eaLnBrk="1" latinLnBrk="0" hangingPunct="1">
+              <a:lnSpc>
+                <a:spcPct val="90000"/>
+              </a:lnSpc>
+              <a:spcBef>
+                <a:spcPts val="500"/>
+              </a:spcBef>
+              <a:buFont typeface="Arial" panose="020B0604020202020204" pitchFamily="34" charset="0"/>
+              <a:buChar char="•"/>
+              <a:defRPr sz="1800" kern="1200">
+                <a:solidFill>
+                  <a:schemeClr val="tx1"/>
+                </a:solidFill>
+                <a:latin typeface="+mn-lt"/>
+                <a:ea typeface="+mn-ea"/>
+                <a:cs typeface="+mn-cs"/>
+              </a:defRPr>
+            </a:lvl8pPr>
+            <a:lvl9pPr marL="3886200" indent="-228600" algn="l" defTabSz="914400" rtl="0" eaLnBrk="1" latinLnBrk="0" hangingPunct="1">
+              <a:lnSpc>
+                <a:spcPct val="90000"/>
+              </a:lnSpc>
+              <a:spcBef>
+                <a:spcPts val="500"/>
+              </a:spcBef>
+              <a:buFont typeface="Arial" panose="020B0604020202020204" pitchFamily="34" charset="0"/>
+              <a:buChar char="•"/>
+              <a:defRPr sz="1800" kern="1200">
+                <a:solidFill>
+                  <a:schemeClr val="tx1"/>
+                </a:solidFill>
+                <a:latin typeface="+mn-lt"/>
+                <a:ea typeface="+mn-ea"/>
+                <a:cs typeface="+mn-cs"/>
+              </a:defRPr>
+            </a:lvl9pPr>
+          </a:lstStyle>
+          <a:p>
+            <a:pPr algn="just"/>
+            <a:r>
+              <a:rPr lang="en-US" altLang="zh-CN" sz="2400" b="1" u="sng" dirty="0"/>
+              <a:t>3.1.2</a:t>
             </a:r>
             <a:r>
               <a:rPr lang="zh-CN" altLang="en-US" sz="2400" b="1" u="sng" dirty="0"/>
@@ -8827,551 +10777,6 @@
     <p:extLst>
       <p:ext uri="{BB962C8B-B14F-4D97-AF65-F5344CB8AC3E}">
         <p14:creationId xmlns:p14="http://schemas.microsoft.com/office/powerpoint/2010/main" val="2223653131"/>
-      </p:ext>
-    </p:extLst>
-  </p:cSld>
-  <p:clrMapOvr>
-    <a:masterClrMapping/>
-  </p:clrMapOvr>
-</p:sld>
-</file>
-
-<file path=ppt/slides/slide19.xml><?xml version="1.0" encoding="utf-8"?>
-<p:sld xmlns:a="http://schemas.openxmlformats.org/drawingml/2006/main" xmlns:r="http://schemas.openxmlformats.org/officeDocument/2006/relationships" xmlns:p="http://schemas.openxmlformats.org/presentationml/2006/main">
-  <p:cSld>
-    <p:spTree>
-      <p:nvGrpSpPr>
-        <p:cNvPr id="1" name=""/>
-        <p:cNvGrpSpPr/>
-        <p:nvPr/>
-      </p:nvGrpSpPr>
-      <p:grpSpPr>
-        <a:xfrm>
-          <a:off x="0" y="0"/>
-          <a:ext cx="0" cy="0"/>
-          <a:chOff x="0" y="0"/>
-          <a:chExt cx="0" cy="0"/>
-        </a:xfrm>
-      </p:grpSpPr>
-      <p:sp>
-        <p:nvSpPr>
-          <p:cNvPr id="3" name="ïşḻiḍè"/>
-          <p:cNvSpPr/>
-          <p:nvPr/>
-        </p:nvSpPr>
-        <p:spPr>
-          <a:xfrm>
-            <a:off x="72736" y="1705743"/>
-            <a:ext cx="5502667" cy="3970789"/>
-          </a:xfrm>
-          <a:prstGeom prst="rect">
-            <a:avLst/>
-          </a:prstGeom>
-          <a:blipFill rotWithShape="1">
-            <a:blip r:embed="rId2"/>
-            <a:stretch>
-              <a:fillRect t="-29798" b="-29407"/>
-            </a:stretch>
-          </a:blipFill>
-          <a:ln w="12700" cap="flat" cmpd="sng" algn="ctr">
-            <a:noFill/>
-            <a:prstDash val="solid"/>
-            <a:miter lim="800000"/>
-          </a:ln>
-          <a:effectLst/>
-          <a:extLst>
-            <a:ext uri="{91240B29-F687-4F45-9708-019B960494DF}">
-              <a14:hiddenLine xmlns:a14="http://schemas.microsoft.com/office/drawing/2010/main" w="12700">
-                <a:solidFill>
-                  <a:srgbClr val="D1DADD"/>
-                </a:solidFill>
-                <a:prstDash val="solid"/>
-                <a:miter lim="800000"/>
-                <a:headEnd/>
-                <a:tailEnd/>
-              </a14:hiddenLine>
-            </a:ext>
-          </a:extLst>
-        </p:spPr>
-        <p:style>
-          <a:lnRef idx="2">
-            <a:schemeClr val="accent1">
-              <a:shade val="50000"/>
-            </a:schemeClr>
-          </a:lnRef>
-          <a:fillRef idx="1">
-            <a:schemeClr val="accent1"/>
-          </a:fillRef>
-          <a:effectRef idx="0">
-            <a:schemeClr val="accent1"/>
-          </a:effectRef>
-          <a:fontRef idx="minor">
-            <a:schemeClr val="lt1"/>
-          </a:fontRef>
-        </p:style>
-        <p:txBody>
-          <a:bodyPr anchor="ctr"/>
-          <a:lstStyle/>
-          <a:p>
-            <a:pPr algn="ctr"/>
-            <a:endParaRPr/>
-          </a:p>
-        </p:txBody>
-      </p:sp>
-      <p:sp>
-        <p:nvSpPr>
-          <p:cNvPr id="4" name="išḷiḋê"/>
-          <p:cNvSpPr/>
-          <p:nvPr/>
-        </p:nvSpPr>
-        <p:spPr>
-          <a:xfrm>
-            <a:off x="893623" y="1705743"/>
-            <a:ext cx="4681780" cy="3970789"/>
-          </a:xfrm>
-          <a:prstGeom prst="rect">
-            <a:avLst/>
-          </a:prstGeom>
-          <a:solidFill>
-            <a:schemeClr val="tx1">
-              <a:alpha val="70000"/>
-            </a:schemeClr>
-          </a:solidFill>
-          <a:ln w="12700" cap="flat" cmpd="sng" algn="ctr">
-            <a:noFill/>
-            <a:prstDash val="solid"/>
-            <a:miter lim="800000"/>
-          </a:ln>
-          <a:effectLst/>
-        </p:spPr>
-        <p:style>
-          <a:lnRef idx="2">
-            <a:schemeClr val="accent1">
-              <a:shade val="50000"/>
-            </a:schemeClr>
-          </a:lnRef>
-          <a:fillRef idx="1">
-            <a:schemeClr val="accent1"/>
-          </a:fillRef>
-          <a:effectRef idx="0">
-            <a:schemeClr val="accent1"/>
-          </a:effectRef>
-          <a:fontRef idx="minor">
-            <a:schemeClr val="lt1"/>
-          </a:fontRef>
-        </p:style>
-        <p:txBody>
-          <a:bodyPr anchor="ctr"/>
-          <a:lstStyle/>
-          <a:p>
-            <a:pPr algn="ctr"/>
-            <a:endParaRPr/>
-          </a:p>
-        </p:txBody>
-      </p:sp>
-      <p:sp>
-        <p:nvSpPr>
-          <p:cNvPr id="5" name="ïşľíďe"/>
-          <p:cNvSpPr txBox="1"/>
-          <p:nvPr/>
-        </p:nvSpPr>
-        <p:spPr>
-          <a:xfrm>
-            <a:off x="0" y="2249417"/>
-            <a:ext cx="6605518" cy="2772136"/>
-          </a:xfrm>
-          <a:prstGeom prst="rect">
-            <a:avLst/>
-          </a:prstGeom>
-          <a:noFill/>
-        </p:spPr>
-        <p:txBody>
-          <a:bodyPr wrap="none" lIns="90000" tIns="46800" rIns="90000" bIns="46800" anchor="ctr" anchorCtr="0">
-            <a:normAutofit/>
-          </a:bodyPr>
-          <a:lstStyle/>
-          <a:p>
-            <a:pPr algn="ctr"/>
-            <a:r>
-              <a:rPr lang="zh-CN" altLang="en-US" sz="3200" b="1" dirty="0">
-                <a:solidFill>
-                  <a:schemeClr val="bg1"/>
-                </a:solidFill>
-                <a:latin typeface="Times New Roman" panose="02020603050405020304" pitchFamily="18" charset="0"/>
-                <a:cs typeface="Times New Roman" panose="02020603050405020304" pitchFamily="18" charset="0"/>
-              </a:rPr>
-              <a:t>雾霾分类</a:t>
-            </a:r>
-            <a:endParaRPr lang="en-US" altLang="zh-CN" sz="3200" b="1" dirty="0">
-              <a:solidFill>
-                <a:schemeClr val="bg1"/>
-              </a:solidFill>
-              <a:latin typeface="Times New Roman" panose="02020603050405020304" pitchFamily="18" charset="0"/>
-              <a:cs typeface="Times New Roman" panose="02020603050405020304" pitchFamily="18" charset="0"/>
-            </a:endParaRPr>
-          </a:p>
-          <a:p>
-            <a:pPr algn="ctr"/>
-            <a:r>
-              <a:rPr lang="en-US" altLang="zh-CN" sz="3200" b="1" dirty="0">
-                <a:solidFill>
-                  <a:schemeClr val="bg1"/>
-                </a:solidFill>
-                <a:latin typeface="Times New Roman" panose="02020603050405020304" pitchFamily="18" charset="0"/>
-                <a:cs typeface="Times New Roman" panose="02020603050405020304" pitchFamily="18" charset="0"/>
-              </a:rPr>
-              <a:t>3.</a:t>
-            </a:r>
-            <a:r>
-              <a:rPr lang="zh-CN" altLang="en-US" sz="3200" b="1" dirty="0">
-                <a:solidFill>
-                  <a:schemeClr val="bg1"/>
-                </a:solidFill>
-                <a:latin typeface="Times New Roman" panose="02020603050405020304" pitchFamily="18" charset="0"/>
-                <a:cs typeface="Times New Roman" panose="02020603050405020304" pitchFamily="18" charset="0"/>
-              </a:rPr>
-              <a:t>研究</a:t>
-            </a:r>
-            <a:r>
-              <a:rPr lang="zh-CN" altLang="en-US" sz="3200" b="1" dirty="0">
-                <a:solidFill>
-                  <a:schemeClr val="bg1"/>
-                </a:solidFill>
-              </a:rPr>
-              <a:t>内容及分析</a:t>
-            </a:r>
-          </a:p>
-        </p:txBody>
-      </p:sp>
-      <p:sp>
-        <p:nvSpPr>
-          <p:cNvPr id="12" name="îŝḷïḓè"/>
-          <p:cNvSpPr/>
-          <p:nvPr/>
-        </p:nvSpPr>
-        <p:spPr>
-          <a:xfrm>
-            <a:off x="6405227" y="3394594"/>
-            <a:ext cx="540000" cy="540000"/>
-          </a:xfrm>
-          <a:prstGeom prst="ellipse">
-            <a:avLst/>
-          </a:prstGeom>
-          <a:solidFill>
-            <a:schemeClr val="accent1"/>
-          </a:solidFill>
-          <a:ln>
-            <a:noFill/>
-          </a:ln>
-        </p:spPr>
-        <p:style>
-          <a:lnRef idx="0">
-            <a:scrgbClr r="0" g="0" b="0"/>
-          </a:lnRef>
-          <a:fillRef idx="0">
-            <a:scrgbClr r="0" g="0" b="0"/>
-          </a:fillRef>
-          <a:effectRef idx="0">
-            <a:scrgbClr r="0" g="0" b="0"/>
-          </a:effectRef>
-          <a:fontRef idx="minor">
-            <a:schemeClr val="lt1"/>
-          </a:fontRef>
-        </p:style>
-        <p:txBody>
-          <a:bodyPr wrap="none" lIns="90000" tIns="46800" rIns="90000" bIns="46800" anchor="ctr">
-            <a:normAutofit/>
-          </a:bodyPr>
-          <a:lstStyle/>
-          <a:p>
-            <a:pPr algn="ctr"/>
-            <a:r>
-              <a:rPr lang="en-US" altLang="zh-CN" sz="1600" dirty="0">
-                <a:solidFill>
-                  <a:schemeClr val="bg1"/>
-                </a:solidFill>
-                <a:latin typeface="Impact" panose="020B0806030902050204" pitchFamily="34" charset="0"/>
-              </a:rPr>
-              <a:t>3.2</a:t>
-            </a:r>
-          </a:p>
-        </p:txBody>
-      </p:sp>
-      <p:sp>
-        <p:nvSpPr>
-          <p:cNvPr id="19" name="iślîḍé"/>
-          <p:cNvSpPr txBox="1"/>
-          <p:nvPr/>
-        </p:nvSpPr>
-        <p:spPr>
-          <a:xfrm>
-            <a:off x="7044143" y="3427556"/>
-            <a:ext cx="3523923" cy="399292"/>
-          </a:xfrm>
-          <a:prstGeom prst="rect">
-            <a:avLst/>
-          </a:prstGeom>
-          <a:noFill/>
-        </p:spPr>
-        <p:txBody>
-          <a:bodyPr wrap="none" lIns="90000" tIns="46800" rIns="90000" bIns="46800" anchor="b" anchorCtr="0">
-            <a:normAutofit/>
-          </a:bodyPr>
-          <a:lstStyle/>
-          <a:p>
-            <a:r>
-              <a:rPr lang="zh-CN" altLang="en-US" b="1" dirty="0"/>
-              <a:t>研究内容二：神经网络构建以及训练</a:t>
-            </a:r>
-          </a:p>
-        </p:txBody>
-      </p:sp>
-      <p:sp>
-        <p:nvSpPr>
-          <p:cNvPr id="14" name="îṥļíḓê"/>
-          <p:cNvSpPr/>
-          <p:nvPr/>
-        </p:nvSpPr>
-        <p:spPr>
-          <a:xfrm>
-            <a:off x="6405227" y="2529169"/>
-            <a:ext cx="540000" cy="540000"/>
-          </a:xfrm>
-          <a:prstGeom prst="ellipse">
-            <a:avLst/>
-          </a:prstGeom>
-          <a:solidFill>
-            <a:schemeClr val="accent2"/>
-          </a:solidFill>
-          <a:ln>
-            <a:noFill/>
-          </a:ln>
-        </p:spPr>
-        <p:style>
-          <a:lnRef idx="0">
-            <a:scrgbClr r="0" g="0" b="0"/>
-          </a:lnRef>
-          <a:fillRef idx="0">
-            <a:scrgbClr r="0" g="0" b="0"/>
-          </a:fillRef>
-          <a:effectRef idx="0">
-            <a:scrgbClr r="0" g="0" b="0"/>
-          </a:effectRef>
-          <a:fontRef idx="minor">
-            <a:schemeClr val="lt1"/>
-          </a:fontRef>
-        </p:style>
-        <p:txBody>
-          <a:bodyPr wrap="none" lIns="90000" tIns="46800" rIns="90000" bIns="46800" anchor="ctr">
-            <a:normAutofit/>
-          </a:bodyPr>
-          <a:lstStyle/>
-          <a:p>
-            <a:pPr algn="ctr"/>
-            <a:r>
-              <a:rPr lang="en-US" altLang="zh-CN" sz="1600" dirty="0">
-                <a:solidFill>
-                  <a:schemeClr val="bg1"/>
-                </a:solidFill>
-                <a:latin typeface="Impact" panose="020B0806030902050204" pitchFamily="34" charset="0"/>
-              </a:rPr>
-              <a:t>3.1</a:t>
-            </a:r>
-          </a:p>
-        </p:txBody>
-      </p:sp>
-      <p:sp>
-        <p:nvSpPr>
-          <p:cNvPr id="17" name="íŝḻïďé"/>
-          <p:cNvSpPr txBox="1"/>
-          <p:nvPr/>
-        </p:nvSpPr>
-        <p:spPr>
-          <a:xfrm>
-            <a:off x="7044144" y="2599523"/>
-            <a:ext cx="3928656" cy="399292"/>
-          </a:xfrm>
-          <a:prstGeom prst="rect">
-            <a:avLst/>
-          </a:prstGeom>
-          <a:noFill/>
-        </p:spPr>
-        <p:txBody>
-          <a:bodyPr wrap="none" lIns="90000" tIns="46800" rIns="90000" bIns="46800" anchor="b" anchorCtr="0">
-            <a:normAutofit/>
-          </a:bodyPr>
-          <a:lstStyle/>
-          <a:p>
-            <a:r>
-              <a:rPr lang="zh-CN" altLang="en-US" b="1" dirty="0"/>
-              <a:t>研究内容一：现有雾霾分割算法分析及复现</a:t>
-            </a:r>
-          </a:p>
-        </p:txBody>
-      </p:sp>
-      <p:cxnSp>
-        <p:nvCxnSpPr>
-          <p:cNvPr id="16" name="直接连接符 15"/>
-          <p:cNvCxnSpPr/>
-          <p:nvPr/>
-        </p:nvCxnSpPr>
-        <p:spPr>
-          <a:xfrm>
-            <a:off x="6186000" y="1781485"/>
-            <a:ext cx="0" cy="3708000"/>
-          </a:xfrm>
-          <a:prstGeom prst="line">
-            <a:avLst/>
-          </a:prstGeom>
-          <a:ln w="3175" cap="rnd">
-            <a:solidFill>
-              <a:schemeClr val="bg1">
-                <a:lumMod val="75000"/>
-              </a:schemeClr>
-            </a:solidFill>
-            <a:round/>
-            <a:headEnd type="none"/>
-            <a:tailEnd type="none" w="med" len="med"/>
-          </a:ln>
-        </p:spPr>
-        <p:style>
-          <a:lnRef idx="1">
-            <a:schemeClr val="accent1"/>
-          </a:lnRef>
-          <a:fillRef idx="0">
-            <a:schemeClr val="accent1"/>
-          </a:fillRef>
-          <a:effectRef idx="0">
-            <a:schemeClr val="accent1"/>
-          </a:effectRef>
-          <a:fontRef idx="minor">
-            <a:schemeClr val="tx1"/>
-          </a:fontRef>
-        </p:style>
-      </p:cxnSp>
-      <p:pic>
-        <p:nvPicPr>
-          <p:cNvPr id="27" name="图片 26" descr="3C5EEB60D8612D4B7AC81916BAD_73A9D09F_43B8"/>
-          <p:cNvPicPr>
-            <a:picLocks noChangeAspect="1"/>
-          </p:cNvPicPr>
-          <p:nvPr/>
-        </p:nvPicPr>
-        <p:blipFill>
-          <a:blip r:embed="rId3"/>
-          <a:stretch>
-            <a:fillRect/>
-          </a:stretch>
-        </p:blipFill>
-        <p:spPr>
-          <a:xfrm>
-            <a:off x="9234170" y="214630"/>
-            <a:ext cx="2286635" cy="1018540"/>
-          </a:xfrm>
-          <a:prstGeom prst="rect">
-            <a:avLst/>
-          </a:prstGeom>
-        </p:spPr>
-      </p:pic>
-      <p:sp>
-        <p:nvSpPr>
-          <p:cNvPr id="21" name="îŝḷïḓè">
-            <a:extLst>
-              <a:ext uri="{FF2B5EF4-FFF2-40B4-BE49-F238E27FC236}">
-                <a16:creationId xmlns:a16="http://schemas.microsoft.com/office/drawing/2014/main" id="{2B9996A7-482D-B84D-9C84-61588A4E3BEB}"/>
-              </a:ext>
-            </a:extLst>
-          </p:cNvPr>
-          <p:cNvSpPr/>
-          <p:nvPr/>
-        </p:nvSpPr>
-        <p:spPr>
-          <a:xfrm>
-            <a:off x="6396290" y="4260019"/>
-            <a:ext cx="540000" cy="540000"/>
-          </a:xfrm>
-          <a:prstGeom prst="ellipse">
-            <a:avLst/>
-          </a:prstGeom>
-          <a:solidFill>
-            <a:schemeClr val="accent2"/>
-          </a:solidFill>
-          <a:ln>
-            <a:noFill/>
-          </a:ln>
-        </p:spPr>
-        <p:style>
-          <a:lnRef idx="0">
-            <a:scrgbClr r="0" g="0" b="0"/>
-          </a:lnRef>
-          <a:fillRef idx="0">
-            <a:scrgbClr r="0" g="0" b="0"/>
-          </a:fillRef>
-          <a:effectRef idx="0">
-            <a:scrgbClr r="0" g="0" b="0"/>
-          </a:effectRef>
-          <a:fontRef idx="minor">
-            <a:schemeClr val="lt1"/>
-          </a:fontRef>
-        </p:style>
-        <p:txBody>
-          <a:bodyPr wrap="none" lIns="90000" tIns="46800" rIns="90000" bIns="46800" anchor="ctr">
-            <a:normAutofit/>
-          </a:bodyPr>
-          <a:lstStyle/>
-          <a:p>
-            <a:pPr algn="ctr"/>
-            <a:r>
-              <a:rPr lang="en-US" altLang="zh-CN" sz="1600" dirty="0">
-                <a:solidFill>
-                  <a:schemeClr val="bg1"/>
-                </a:solidFill>
-                <a:latin typeface="Impact" panose="020B0806030902050204" pitchFamily="34" charset="0"/>
-              </a:rPr>
-              <a:t>3.3</a:t>
-            </a:r>
-          </a:p>
-        </p:txBody>
-      </p:sp>
-      <p:sp>
-        <p:nvSpPr>
-          <p:cNvPr id="22" name="iślîḍé">
-            <a:extLst>
-              <a:ext uri="{FF2B5EF4-FFF2-40B4-BE49-F238E27FC236}">
-                <a16:creationId xmlns:a16="http://schemas.microsoft.com/office/drawing/2014/main" id="{1730C4FE-1D16-B04D-B18B-C56EE37FDBB5}"/>
-              </a:ext>
-            </a:extLst>
-          </p:cNvPr>
-          <p:cNvSpPr txBox="1"/>
-          <p:nvPr/>
-        </p:nvSpPr>
-        <p:spPr>
-          <a:xfrm>
-            <a:off x="7044144" y="4330903"/>
-            <a:ext cx="2354690" cy="399292"/>
-          </a:xfrm>
-          <a:prstGeom prst="rect">
-            <a:avLst/>
-          </a:prstGeom>
-          <a:noFill/>
-        </p:spPr>
-        <p:txBody>
-          <a:bodyPr wrap="none" lIns="90000" tIns="46800" rIns="90000" bIns="46800" anchor="b" anchorCtr="0">
-            <a:normAutofit/>
-          </a:bodyPr>
-          <a:lstStyle/>
-          <a:p>
-            <a:r>
-              <a:rPr lang="zh-CN" altLang="en-US" b="1" dirty="0"/>
-              <a:t>研究内容三：（待定）</a:t>
-            </a:r>
-          </a:p>
-        </p:txBody>
-      </p:sp>
-    </p:spTree>
-    <p:extLst>
-      <p:ext uri="{BB962C8B-B14F-4D97-AF65-F5344CB8AC3E}">
-        <p14:creationId xmlns:p14="http://schemas.microsoft.com/office/powerpoint/2010/main" val="2503050400"/>
       </p:ext>
     </p:extLst>
   </p:cSld>
@@ -9938,6 +11343,3723 @@
 </file>
 
 <file path=ppt/slides/slide20.xml><?xml version="1.0" encoding="utf-8"?>
+<p:sld xmlns:a="http://schemas.openxmlformats.org/drawingml/2006/main" xmlns:r="http://schemas.openxmlformats.org/officeDocument/2006/relationships" xmlns:p="http://schemas.openxmlformats.org/presentationml/2006/main">
+  <p:cSld>
+    <p:spTree>
+      <p:nvGrpSpPr>
+        <p:cNvPr id="1" name=""/>
+        <p:cNvGrpSpPr/>
+        <p:nvPr/>
+      </p:nvGrpSpPr>
+      <p:grpSpPr>
+        <a:xfrm>
+          <a:off x="0" y="0"/>
+          <a:ext cx="0" cy="0"/>
+          <a:chOff x="0" y="0"/>
+          <a:chExt cx="0" cy="0"/>
+        </a:xfrm>
+      </p:grpSpPr>
+      <p:sp>
+        <p:nvSpPr>
+          <p:cNvPr id="2" name="标题 1"/>
+          <p:cNvSpPr>
+            <a:spLocks noGrp="1"/>
+          </p:cNvSpPr>
+          <p:nvPr>
+            <p:ph type="title"/>
+          </p:nvPr>
+        </p:nvSpPr>
+        <p:spPr>
+          <a:xfrm>
+            <a:off x="669924" y="1"/>
+            <a:ext cx="10850563" cy="1028699"/>
+          </a:xfrm>
+        </p:spPr>
+        <p:txBody>
+          <a:bodyPr/>
+          <a:lstStyle/>
+          <a:p>
+            <a:r>
+              <a:rPr lang="zh-CN" altLang="en-US" dirty="0"/>
+              <a:t>研究内容及分析 </a:t>
+            </a:r>
+            <a:r>
+              <a:rPr lang="en-US" altLang="zh-CN" sz="2000" dirty="0"/>
+              <a:t>3.1</a:t>
+            </a:r>
+            <a:r>
+              <a:rPr lang="zh-CN" altLang="en-US" sz="2000" dirty="0"/>
+              <a:t> </a:t>
+            </a:r>
+            <a:r>
+              <a:rPr lang="zh-CN" altLang="en-US" sz="2000" b="1" dirty="0"/>
+              <a:t>现有雾霾分割算法分析及复现</a:t>
+            </a:r>
+            <a:endParaRPr lang="zh-CN" altLang="en-US" dirty="0"/>
+          </a:p>
+        </p:txBody>
+      </p:sp>
+      <p:sp>
+        <p:nvSpPr>
+          <p:cNvPr id="4" name="灯片编号占位符 3"/>
+          <p:cNvSpPr>
+            <a:spLocks noGrp="1"/>
+          </p:cNvSpPr>
+          <p:nvPr>
+            <p:ph type="sldNum" sz="quarter" idx="12"/>
+          </p:nvPr>
+        </p:nvSpPr>
+        <p:spPr>
+          <a:xfrm>
+            <a:off x="9282112" y="6651619"/>
+            <a:ext cx="2909888" cy="206381"/>
+          </a:xfrm>
+        </p:spPr>
+        <p:txBody>
+          <a:bodyPr/>
+          <a:lstStyle/>
+          <a:p>
+            <a:fld id="{5DD3DB80-B894-403A-B48E-6FDC1A72010E}" type="slidenum">
+              <a:rPr lang="zh-CN" altLang="en-US" smtClean="0"/>
+              <a:t>20</a:t>
+            </a:fld>
+            <a:endParaRPr lang="zh-CN" altLang="en-US" dirty="0"/>
+          </a:p>
+        </p:txBody>
+      </p:sp>
+      <p:sp>
+        <p:nvSpPr>
+          <p:cNvPr id="26" name="内容占位符 4">
+            <a:extLst>
+              <a:ext uri="{FF2B5EF4-FFF2-40B4-BE49-F238E27FC236}">
+                <a16:creationId xmlns:a16="http://schemas.microsoft.com/office/drawing/2014/main" id="{9B5A9525-5ED5-6241-B46B-6B1E0EE520B3}"/>
+              </a:ext>
+            </a:extLst>
+          </p:cNvPr>
+          <p:cNvSpPr txBox="1">
+            <a:spLocks/>
+          </p:cNvSpPr>
+          <p:nvPr/>
+        </p:nvSpPr>
+        <p:spPr>
+          <a:xfrm>
+            <a:off x="0" y="1196751"/>
+            <a:ext cx="12192000" cy="883509"/>
+          </a:xfrm>
+          <a:prstGeom prst="rect">
+            <a:avLst/>
+          </a:prstGeom>
+        </p:spPr>
+        <p:txBody>
+          <a:bodyPr/>
+          <a:lstStyle>
+            <a:lvl1pPr marL="228600" indent="-228600" algn="l" defTabSz="914400" rtl="0" eaLnBrk="1" latinLnBrk="0" hangingPunct="1">
+              <a:lnSpc>
+                <a:spcPct val="90000"/>
+              </a:lnSpc>
+              <a:spcBef>
+                <a:spcPts val="1000"/>
+              </a:spcBef>
+              <a:buFont typeface="Arial" panose="020B0604020202020204" pitchFamily="34" charset="0"/>
+              <a:buChar char="•"/>
+              <a:defRPr sz="2000" kern="1200">
+                <a:solidFill>
+                  <a:schemeClr val="tx1"/>
+                </a:solidFill>
+                <a:latin typeface="+mn-lt"/>
+                <a:ea typeface="+mn-ea"/>
+                <a:cs typeface="+mn-cs"/>
+              </a:defRPr>
+            </a:lvl1pPr>
+            <a:lvl2pPr marL="685800" indent="-228600" algn="l" defTabSz="914400" rtl="0" eaLnBrk="1" latinLnBrk="0" hangingPunct="1">
+              <a:lnSpc>
+                <a:spcPct val="90000"/>
+              </a:lnSpc>
+              <a:spcBef>
+                <a:spcPts val="500"/>
+              </a:spcBef>
+              <a:buFont typeface="Arial" panose="020B0604020202020204" pitchFamily="34" charset="0"/>
+              <a:buChar char="•"/>
+              <a:defRPr sz="1800" kern="1200">
+                <a:solidFill>
+                  <a:schemeClr val="tx1"/>
+                </a:solidFill>
+                <a:latin typeface="+mn-lt"/>
+                <a:ea typeface="+mn-ea"/>
+                <a:cs typeface="+mn-cs"/>
+              </a:defRPr>
+            </a:lvl2pPr>
+            <a:lvl3pPr marL="1143000" indent="-228600" algn="l" defTabSz="914400" rtl="0" eaLnBrk="1" latinLnBrk="0" hangingPunct="1">
+              <a:lnSpc>
+                <a:spcPct val="90000"/>
+              </a:lnSpc>
+              <a:spcBef>
+                <a:spcPts val="500"/>
+              </a:spcBef>
+              <a:buFont typeface="Arial" panose="020B0604020202020204" pitchFamily="34" charset="0"/>
+              <a:buChar char="•"/>
+              <a:defRPr sz="1600" kern="1200">
+                <a:solidFill>
+                  <a:schemeClr val="tx1"/>
+                </a:solidFill>
+                <a:latin typeface="+mn-lt"/>
+                <a:ea typeface="+mn-ea"/>
+                <a:cs typeface="+mn-cs"/>
+              </a:defRPr>
+            </a:lvl3pPr>
+            <a:lvl4pPr marL="1600200" indent="-228600" algn="l" defTabSz="914400" rtl="0" eaLnBrk="1" latinLnBrk="0" hangingPunct="1">
+              <a:lnSpc>
+                <a:spcPct val="90000"/>
+              </a:lnSpc>
+              <a:spcBef>
+                <a:spcPts val="500"/>
+              </a:spcBef>
+              <a:buFont typeface="Arial" panose="020B0604020202020204" pitchFamily="34" charset="0"/>
+              <a:buChar char="•"/>
+              <a:defRPr sz="1400" kern="1200">
+                <a:solidFill>
+                  <a:schemeClr val="tx1"/>
+                </a:solidFill>
+                <a:latin typeface="+mn-lt"/>
+                <a:ea typeface="+mn-ea"/>
+                <a:cs typeface="+mn-cs"/>
+              </a:defRPr>
+            </a:lvl4pPr>
+            <a:lvl5pPr marL="2057400" indent="-228600" algn="l" defTabSz="914400" rtl="0" eaLnBrk="1" latinLnBrk="0" hangingPunct="1">
+              <a:lnSpc>
+                <a:spcPct val="90000"/>
+              </a:lnSpc>
+              <a:spcBef>
+                <a:spcPts val="500"/>
+              </a:spcBef>
+              <a:buFont typeface="Arial" panose="020B0604020202020204" pitchFamily="34" charset="0"/>
+              <a:buChar char="•"/>
+              <a:defRPr sz="1400" kern="1200">
+                <a:solidFill>
+                  <a:schemeClr val="tx1"/>
+                </a:solidFill>
+                <a:latin typeface="+mn-lt"/>
+                <a:ea typeface="+mn-ea"/>
+                <a:cs typeface="+mn-cs"/>
+              </a:defRPr>
+            </a:lvl5pPr>
+            <a:lvl6pPr marL="2514600" indent="-228600" algn="l" defTabSz="914400" rtl="0" eaLnBrk="1" latinLnBrk="0" hangingPunct="1">
+              <a:lnSpc>
+                <a:spcPct val="90000"/>
+              </a:lnSpc>
+              <a:spcBef>
+                <a:spcPts val="500"/>
+              </a:spcBef>
+              <a:buFont typeface="Arial" panose="020B0604020202020204" pitchFamily="34" charset="0"/>
+              <a:buChar char="•"/>
+              <a:defRPr sz="1800" kern="1200">
+                <a:solidFill>
+                  <a:schemeClr val="tx1"/>
+                </a:solidFill>
+                <a:latin typeface="+mn-lt"/>
+                <a:ea typeface="+mn-ea"/>
+                <a:cs typeface="+mn-cs"/>
+              </a:defRPr>
+            </a:lvl6pPr>
+            <a:lvl7pPr marL="2971800" indent="-228600" algn="l" defTabSz="914400" rtl="0" eaLnBrk="1" latinLnBrk="0" hangingPunct="1">
+              <a:lnSpc>
+                <a:spcPct val="90000"/>
+              </a:lnSpc>
+              <a:spcBef>
+                <a:spcPts val="500"/>
+              </a:spcBef>
+              <a:buFont typeface="Arial" panose="020B0604020202020204" pitchFamily="34" charset="0"/>
+              <a:buChar char="•"/>
+              <a:defRPr sz="1800" kern="1200">
+                <a:solidFill>
+                  <a:schemeClr val="tx1"/>
+                </a:solidFill>
+                <a:latin typeface="+mn-lt"/>
+                <a:ea typeface="+mn-ea"/>
+                <a:cs typeface="+mn-cs"/>
+              </a:defRPr>
+            </a:lvl7pPr>
+            <a:lvl8pPr marL="3429000" indent="-228600" algn="l" defTabSz="914400" rtl="0" eaLnBrk="1" latinLnBrk="0" hangingPunct="1">
+              <a:lnSpc>
+                <a:spcPct val="90000"/>
+              </a:lnSpc>
+              <a:spcBef>
+                <a:spcPts val="500"/>
+              </a:spcBef>
+              <a:buFont typeface="Arial" panose="020B0604020202020204" pitchFamily="34" charset="0"/>
+              <a:buChar char="•"/>
+              <a:defRPr sz="1800" kern="1200">
+                <a:solidFill>
+                  <a:schemeClr val="tx1"/>
+                </a:solidFill>
+                <a:latin typeface="+mn-lt"/>
+                <a:ea typeface="+mn-ea"/>
+                <a:cs typeface="+mn-cs"/>
+              </a:defRPr>
+            </a:lvl8pPr>
+            <a:lvl9pPr marL="3886200" indent="-228600" algn="l" defTabSz="914400" rtl="0" eaLnBrk="1" latinLnBrk="0" hangingPunct="1">
+              <a:lnSpc>
+                <a:spcPct val="90000"/>
+              </a:lnSpc>
+              <a:spcBef>
+                <a:spcPts val="500"/>
+              </a:spcBef>
+              <a:buFont typeface="Arial" panose="020B0604020202020204" pitchFamily="34" charset="0"/>
+              <a:buChar char="•"/>
+              <a:defRPr sz="1800" kern="1200">
+                <a:solidFill>
+                  <a:schemeClr val="tx1"/>
+                </a:solidFill>
+                <a:latin typeface="+mn-lt"/>
+                <a:ea typeface="+mn-ea"/>
+                <a:cs typeface="+mn-cs"/>
+              </a:defRPr>
+            </a:lvl9pPr>
+          </a:lstStyle>
+          <a:p>
+            <a:pPr algn="just"/>
+            <a:r>
+              <a:rPr lang="en-US" altLang="zh-CN" sz="2400" b="1" u="sng" dirty="0"/>
+              <a:t>3.1.2</a:t>
+            </a:r>
+            <a:r>
+              <a:rPr lang="zh-CN" altLang="en-US" sz="2400" b="1" u="sng" dirty="0"/>
+              <a:t> 分割算法展示</a:t>
+            </a:r>
+            <a:r>
+              <a:rPr lang="zh-CN" altLang="en-US" sz="2400" dirty="0"/>
+              <a:t>：</a:t>
+            </a:r>
+            <a:endParaRPr lang="en-US" altLang="zh-CN" sz="2400" dirty="0"/>
+          </a:p>
+          <a:p>
+            <a:pPr lvl="1" algn="just">
+              <a:lnSpc>
+                <a:spcPts val="3360"/>
+              </a:lnSpc>
+              <a:spcAft>
+                <a:spcPts val="1200"/>
+              </a:spcAft>
+            </a:pPr>
+            <a:r>
+              <a:rPr lang="en-US" altLang="zh-CN" sz="2000" dirty="0" err="1"/>
+              <a:t>brightChannelMap</a:t>
+            </a:r>
+            <a:r>
+              <a:rPr lang="en-US" altLang="zh-CN" sz="2000" dirty="0"/>
+              <a:t>                                    </a:t>
+            </a:r>
+            <a:r>
+              <a:rPr lang="en-US" altLang="zh-CN" sz="2000" dirty="0" err="1"/>
+              <a:t>darkChannelMap</a:t>
+            </a:r>
+            <a:r>
+              <a:rPr lang="en-US" altLang="zh-CN" sz="2000" dirty="0"/>
+              <a:t>                                </a:t>
+            </a:r>
+            <a:r>
+              <a:rPr lang="en-US" altLang="zh-CN" sz="2000" dirty="0" err="1"/>
+              <a:t>hazeRegionImage</a:t>
+            </a:r>
+            <a:endParaRPr lang="en-US" altLang="zh-CN" sz="2000" dirty="0"/>
+          </a:p>
+        </p:txBody>
+      </p:sp>
+      <p:sp>
+        <p:nvSpPr>
+          <p:cNvPr id="55" name="文本框 54">
+            <a:extLst>
+              <a:ext uri="{FF2B5EF4-FFF2-40B4-BE49-F238E27FC236}">
+                <a16:creationId xmlns:a16="http://schemas.microsoft.com/office/drawing/2014/main" id="{87E77808-702C-4055-A47F-03692A73473F}"/>
+              </a:ext>
+            </a:extLst>
+          </p:cNvPr>
+          <p:cNvSpPr txBox="1"/>
+          <p:nvPr/>
+        </p:nvSpPr>
+        <p:spPr>
+          <a:xfrm>
+            <a:off x="1611162" y="6043602"/>
+            <a:ext cx="1226618" cy="246221"/>
+          </a:xfrm>
+          <a:prstGeom prst="rect">
+            <a:avLst/>
+          </a:prstGeom>
+          <a:noFill/>
+        </p:spPr>
+        <p:txBody>
+          <a:bodyPr wrap="none" rtlCol="0">
+            <a:spAutoFit/>
+          </a:bodyPr>
+          <a:lstStyle/>
+          <a:p>
+            <a:r>
+              <a:rPr lang="en-US" altLang="zh-CN" sz="1000" dirty="0" err="1"/>
+              <a:t>brightChannelMap</a:t>
+            </a:r>
+            <a:endParaRPr lang="zh-CN" altLang="en-US" sz="1000" dirty="0"/>
+          </a:p>
+        </p:txBody>
+      </p:sp>
+      <p:sp>
+        <p:nvSpPr>
+          <p:cNvPr id="56" name="文本框 55">
+            <a:extLst>
+              <a:ext uri="{FF2B5EF4-FFF2-40B4-BE49-F238E27FC236}">
+                <a16:creationId xmlns:a16="http://schemas.microsoft.com/office/drawing/2014/main" id="{6FBBCB82-A524-483C-BBCA-1FC3FE45F529}"/>
+              </a:ext>
+            </a:extLst>
+          </p:cNvPr>
+          <p:cNvSpPr txBox="1"/>
+          <p:nvPr/>
+        </p:nvSpPr>
+        <p:spPr>
+          <a:xfrm>
+            <a:off x="5939990" y="6021655"/>
+            <a:ext cx="1156086" cy="246221"/>
+          </a:xfrm>
+          <a:prstGeom prst="rect">
+            <a:avLst/>
+          </a:prstGeom>
+          <a:noFill/>
+        </p:spPr>
+        <p:txBody>
+          <a:bodyPr wrap="none" rtlCol="0">
+            <a:spAutoFit/>
+          </a:bodyPr>
+          <a:lstStyle/>
+          <a:p>
+            <a:r>
+              <a:rPr lang="en-US" altLang="zh-CN" sz="1000" dirty="0" err="1"/>
+              <a:t>darkChannelMap</a:t>
+            </a:r>
+            <a:endParaRPr lang="zh-CN" altLang="en-US" sz="1000" dirty="0"/>
+          </a:p>
+        </p:txBody>
+      </p:sp>
+      <p:sp>
+        <p:nvSpPr>
+          <p:cNvPr id="57" name="文本框 56">
+            <a:extLst>
+              <a:ext uri="{FF2B5EF4-FFF2-40B4-BE49-F238E27FC236}">
+                <a16:creationId xmlns:a16="http://schemas.microsoft.com/office/drawing/2014/main" id="{E59882C5-C4F6-4105-91CB-BF0A6D20C8E3}"/>
+              </a:ext>
+            </a:extLst>
+          </p:cNvPr>
+          <p:cNvSpPr txBox="1"/>
+          <p:nvPr/>
+        </p:nvSpPr>
+        <p:spPr>
+          <a:xfrm>
+            <a:off x="10198286" y="6043602"/>
+            <a:ext cx="1218603" cy="246221"/>
+          </a:xfrm>
+          <a:prstGeom prst="rect">
+            <a:avLst/>
+          </a:prstGeom>
+          <a:noFill/>
+        </p:spPr>
+        <p:txBody>
+          <a:bodyPr wrap="none" rtlCol="0">
+            <a:spAutoFit/>
+          </a:bodyPr>
+          <a:lstStyle/>
+          <a:p>
+            <a:r>
+              <a:rPr lang="en-US" altLang="zh-CN" sz="1000" dirty="0" err="1"/>
+              <a:t>hazeRegionImage</a:t>
+            </a:r>
+            <a:endParaRPr lang="zh-CN" altLang="en-US" sz="1000" dirty="0"/>
+          </a:p>
+        </p:txBody>
+      </p:sp>
+      <p:pic>
+        <p:nvPicPr>
+          <p:cNvPr id="6" name="图片 5">
+            <a:extLst>
+              <a:ext uri="{FF2B5EF4-FFF2-40B4-BE49-F238E27FC236}">
+                <a16:creationId xmlns:a16="http://schemas.microsoft.com/office/drawing/2014/main" id="{4EF10E26-6388-429D-B39E-A0CCD556F640}"/>
+              </a:ext>
+            </a:extLst>
+          </p:cNvPr>
+          <p:cNvPicPr>
+            <a:picLocks noChangeAspect="1"/>
+          </p:cNvPicPr>
+          <p:nvPr/>
+        </p:nvPicPr>
+        <p:blipFill>
+          <a:blip r:embed="rId2">
+            <a:extLst>
+              <a:ext uri="{28A0092B-C50C-407E-A947-70E740481C1C}">
+                <a14:useLocalDpi xmlns:a14="http://schemas.microsoft.com/office/drawing/2010/main" val="0"/>
+              </a:ext>
+            </a:extLst>
+          </a:blip>
+          <a:stretch>
+            <a:fillRect/>
+          </a:stretch>
+        </p:blipFill>
+        <p:spPr>
+          <a:xfrm>
+            <a:off x="169592" y="2475280"/>
+            <a:ext cx="3798431" cy="2854758"/>
+          </a:xfrm>
+          <a:prstGeom prst="rect">
+            <a:avLst/>
+          </a:prstGeom>
+        </p:spPr>
+      </p:pic>
+      <p:pic>
+        <p:nvPicPr>
+          <p:cNvPr id="9" name="图片 8">
+            <a:extLst>
+              <a:ext uri="{FF2B5EF4-FFF2-40B4-BE49-F238E27FC236}">
+                <a16:creationId xmlns:a16="http://schemas.microsoft.com/office/drawing/2014/main" id="{173032F7-0E8A-4875-A75D-47511BA39A6F}"/>
+              </a:ext>
+            </a:extLst>
+          </p:cNvPr>
+          <p:cNvPicPr>
+            <a:picLocks noChangeAspect="1"/>
+          </p:cNvPicPr>
+          <p:nvPr/>
+        </p:nvPicPr>
+        <p:blipFill>
+          <a:blip r:embed="rId3">
+            <a:extLst>
+              <a:ext uri="{28A0092B-C50C-407E-A947-70E740481C1C}">
+                <a14:useLocalDpi xmlns:a14="http://schemas.microsoft.com/office/drawing/2010/main" val="0"/>
+              </a:ext>
+            </a:extLst>
+          </a:blip>
+          <a:stretch>
+            <a:fillRect/>
+          </a:stretch>
+        </p:blipFill>
+        <p:spPr>
+          <a:xfrm>
+            <a:off x="4661296" y="2475279"/>
+            <a:ext cx="3798432" cy="2854759"/>
+          </a:xfrm>
+          <a:prstGeom prst="rect">
+            <a:avLst/>
+          </a:prstGeom>
+        </p:spPr>
+      </p:pic>
+      <p:pic>
+        <p:nvPicPr>
+          <p:cNvPr id="12" name="图片 11">
+            <a:extLst>
+              <a:ext uri="{FF2B5EF4-FFF2-40B4-BE49-F238E27FC236}">
+                <a16:creationId xmlns:a16="http://schemas.microsoft.com/office/drawing/2014/main" id="{D7936C4E-F7AD-4F08-899F-8A3FDEC766EB}"/>
+              </a:ext>
+            </a:extLst>
+          </p:cNvPr>
+          <p:cNvPicPr>
+            <a:picLocks noChangeAspect="1"/>
+          </p:cNvPicPr>
+          <p:nvPr/>
+        </p:nvPicPr>
+        <p:blipFill>
+          <a:blip r:embed="rId4">
+            <a:extLst>
+              <a:ext uri="{28A0092B-C50C-407E-A947-70E740481C1C}">
+                <a14:useLocalDpi xmlns:a14="http://schemas.microsoft.com/office/drawing/2010/main" val="0"/>
+              </a:ext>
+            </a:extLst>
+          </a:blip>
+          <a:stretch>
+            <a:fillRect/>
+          </a:stretch>
+        </p:blipFill>
+        <p:spPr>
+          <a:xfrm>
+            <a:off x="8708992" y="3157351"/>
+            <a:ext cx="3602315" cy="1490613"/>
+          </a:xfrm>
+          <a:prstGeom prst="rect">
+            <a:avLst/>
+          </a:prstGeom>
+        </p:spPr>
+      </p:pic>
+    </p:spTree>
+    <p:extLst>
+      <p:ext uri="{BB962C8B-B14F-4D97-AF65-F5344CB8AC3E}">
+        <p14:creationId xmlns:p14="http://schemas.microsoft.com/office/powerpoint/2010/main" val="2820599008"/>
+      </p:ext>
+    </p:extLst>
+  </p:cSld>
+  <p:clrMapOvr>
+    <a:masterClrMapping/>
+  </p:clrMapOvr>
+</p:sld>
+</file>
+
+<file path=ppt/slides/slide21.xml><?xml version="1.0" encoding="utf-8"?>
+<p:sld xmlns:a="http://schemas.openxmlformats.org/drawingml/2006/main" xmlns:r="http://schemas.openxmlformats.org/officeDocument/2006/relationships" xmlns:p="http://schemas.openxmlformats.org/presentationml/2006/main">
+  <p:cSld>
+    <p:spTree>
+      <p:nvGrpSpPr>
+        <p:cNvPr id="1" name=""/>
+        <p:cNvGrpSpPr/>
+        <p:nvPr/>
+      </p:nvGrpSpPr>
+      <p:grpSpPr>
+        <a:xfrm>
+          <a:off x="0" y="0"/>
+          <a:ext cx="0" cy="0"/>
+          <a:chOff x="0" y="0"/>
+          <a:chExt cx="0" cy="0"/>
+        </a:xfrm>
+      </p:grpSpPr>
+      <p:sp>
+        <p:nvSpPr>
+          <p:cNvPr id="2" name="标题 1"/>
+          <p:cNvSpPr>
+            <a:spLocks noGrp="1"/>
+          </p:cNvSpPr>
+          <p:nvPr>
+            <p:ph type="title"/>
+          </p:nvPr>
+        </p:nvSpPr>
+        <p:spPr>
+          <a:xfrm>
+            <a:off x="669924" y="1"/>
+            <a:ext cx="10850563" cy="1028699"/>
+          </a:xfrm>
+        </p:spPr>
+        <p:txBody>
+          <a:bodyPr/>
+          <a:lstStyle/>
+          <a:p>
+            <a:r>
+              <a:rPr lang="zh-CN" altLang="en-US" dirty="0"/>
+              <a:t>研究内容及分析 </a:t>
+            </a:r>
+            <a:r>
+              <a:rPr lang="en-US" altLang="zh-CN" sz="2000" dirty="0"/>
+              <a:t>3.1</a:t>
+            </a:r>
+            <a:r>
+              <a:rPr lang="zh-CN" altLang="en-US" sz="2000" dirty="0"/>
+              <a:t> </a:t>
+            </a:r>
+            <a:r>
+              <a:rPr lang="zh-CN" altLang="en-US" sz="2000" b="1" dirty="0"/>
+              <a:t>现有雾霾分割算法分析及复现</a:t>
+            </a:r>
+            <a:endParaRPr lang="zh-CN" altLang="en-US" dirty="0"/>
+          </a:p>
+        </p:txBody>
+      </p:sp>
+      <p:sp>
+        <p:nvSpPr>
+          <p:cNvPr id="4" name="灯片编号占位符 3"/>
+          <p:cNvSpPr>
+            <a:spLocks noGrp="1"/>
+          </p:cNvSpPr>
+          <p:nvPr>
+            <p:ph type="sldNum" sz="quarter" idx="12"/>
+          </p:nvPr>
+        </p:nvSpPr>
+        <p:spPr>
+          <a:xfrm>
+            <a:off x="9282112" y="6651619"/>
+            <a:ext cx="2909888" cy="206381"/>
+          </a:xfrm>
+        </p:spPr>
+        <p:txBody>
+          <a:bodyPr/>
+          <a:lstStyle/>
+          <a:p>
+            <a:fld id="{5DD3DB80-B894-403A-B48E-6FDC1A72010E}" type="slidenum">
+              <a:rPr lang="zh-CN" altLang="en-US" smtClean="0"/>
+              <a:t>21</a:t>
+            </a:fld>
+            <a:endParaRPr lang="zh-CN" altLang="en-US" dirty="0"/>
+          </a:p>
+        </p:txBody>
+      </p:sp>
+      <p:sp>
+        <p:nvSpPr>
+          <p:cNvPr id="26" name="内容占位符 4">
+            <a:extLst>
+              <a:ext uri="{FF2B5EF4-FFF2-40B4-BE49-F238E27FC236}">
+                <a16:creationId xmlns:a16="http://schemas.microsoft.com/office/drawing/2014/main" id="{9B5A9525-5ED5-6241-B46B-6B1E0EE520B3}"/>
+              </a:ext>
+            </a:extLst>
+          </p:cNvPr>
+          <p:cNvSpPr txBox="1">
+            <a:spLocks/>
+          </p:cNvSpPr>
+          <p:nvPr/>
+        </p:nvSpPr>
+        <p:spPr>
+          <a:xfrm>
+            <a:off x="0" y="1196751"/>
+            <a:ext cx="12192000" cy="883509"/>
+          </a:xfrm>
+          <a:prstGeom prst="rect">
+            <a:avLst/>
+          </a:prstGeom>
+        </p:spPr>
+        <p:txBody>
+          <a:bodyPr/>
+          <a:lstStyle>
+            <a:lvl1pPr marL="228600" indent="-228600" algn="l" defTabSz="914400" rtl="0" eaLnBrk="1" latinLnBrk="0" hangingPunct="1">
+              <a:lnSpc>
+                <a:spcPct val="90000"/>
+              </a:lnSpc>
+              <a:spcBef>
+                <a:spcPts val="1000"/>
+              </a:spcBef>
+              <a:buFont typeface="Arial" panose="020B0604020202020204" pitchFamily="34" charset="0"/>
+              <a:buChar char="•"/>
+              <a:defRPr sz="2000" kern="1200">
+                <a:solidFill>
+                  <a:schemeClr val="tx1"/>
+                </a:solidFill>
+                <a:latin typeface="+mn-lt"/>
+                <a:ea typeface="+mn-ea"/>
+                <a:cs typeface="+mn-cs"/>
+              </a:defRPr>
+            </a:lvl1pPr>
+            <a:lvl2pPr marL="685800" indent="-228600" algn="l" defTabSz="914400" rtl="0" eaLnBrk="1" latinLnBrk="0" hangingPunct="1">
+              <a:lnSpc>
+                <a:spcPct val="90000"/>
+              </a:lnSpc>
+              <a:spcBef>
+                <a:spcPts val="500"/>
+              </a:spcBef>
+              <a:buFont typeface="Arial" panose="020B0604020202020204" pitchFamily="34" charset="0"/>
+              <a:buChar char="•"/>
+              <a:defRPr sz="1800" kern="1200">
+                <a:solidFill>
+                  <a:schemeClr val="tx1"/>
+                </a:solidFill>
+                <a:latin typeface="+mn-lt"/>
+                <a:ea typeface="+mn-ea"/>
+                <a:cs typeface="+mn-cs"/>
+              </a:defRPr>
+            </a:lvl2pPr>
+            <a:lvl3pPr marL="1143000" indent="-228600" algn="l" defTabSz="914400" rtl="0" eaLnBrk="1" latinLnBrk="0" hangingPunct="1">
+              <a:lnSpc>
+                <a:spcPct val="90000"/>
+              </a:lnSpc>
+              <a:spcBef>
+                <a:spcPts val="500"/>
+              </a:spcBef>
+              <a:buFont typeface="Arial" panose="020B0604020202020204" pitchFamily="34" charset="0"/>
+              <a:buChar char="•"/>
+              <a:defRPr sz="1600" kern="1200">
+                <a:solidFill>
+                  <a:schemeClr val="tx1"/>
+                </a:solidFill>
+                <a:latin typeface="+mn-lt"/>
+                <a:ea typeface="+mn-ea"/>
+                <a:cs typeface="+mn-cs"/>
+              </a:defRPr>
+            </a:lvl3pPr>
+            <a:lvl4pPr marL="1600200" indent="-228600" algn="l" defTabSz="914400" rtl="0" eaLnBrk="1" latinLnBrk="0" hangingPunct="1">
+              <a:lnSpc>
+                <a:spcPct val="90000"/>
+              </a:lnSpc>
+              <a:spcBef>
+                <a:spcPts val="500"/>
+              </a:spcBef>
+              <a:buFont typeface="Arial" panose="020B0604020202020204" pitchFamily="34" charset="0"/>
+              <a:buChar char="•"/>
+              <a:defRPr sz="1400" kern="1200">
+                <a:solidFill>
+                  <a:schemeClr val="tx1"/>
+                </a:solidFill>
+                <a:latin typeface="+mn-lt"/>
+                <a:ea typeface="+mn-ea"/>
+                <a:cs typeface="+mn-cs"/>
+              </a:defRPr>
+            </a:lvl4pPr>
+            <a:lvl5pPr marL="2057400" indent="-228600" algn="l" defTabSz="914400" rtl="0" eaLnBrk="1" latinLnBrk="0" hangingPunct="1">
+              <a:lnSpc>
+                <a:spcPct val="90000"/>
+              </a:lnSpc>
+              <a:spcBef>
+                <a:spcPts val="500"/>
+              </a:spcBef>
+              <a:buFont typeface="Arial" panose="020B0604020202020204" pitchFamily="34" charset="0"/>
+              <a:buChar char="•"/>
+              <a:defRPr sz="1400" kern="1200">
+                <a:solidFill>
+                  <a:schemeClr val="tx1"/>
+                </a:solidFill>
+                <a:latin typeface="+mn-lt"/>
+                <a:ea typeface="+mn-ea"/>
+                <a:cs typeface="+mn-cs"/>
+              </a:defRPr>
+            </a:lvl5pPr>
+            <a:lvl6pPr marL="2514600" indent="-228600" algn="l" defTabSz="914400" rtl="0" eaLnBrk="1" latinLnBrk="0" hangingPunct="1">
+              <a:lnSpc>
+                <a:spcPct val="90000"/>
+              </a:lnSpc>
+              <a:spcBef>
+                <a:spcPts val="500"/>
+              </a:spcBef>
+              <a:buFont typeface="Arial" panose="020B0604020202020204" pitchFamily="34" charset="0"/>
+              <a:buChar char="•"/>
+              <a:defRPr sz="1800" kern="1200">
+                <a:solidFill>
+                  <a:schemeClr val="tx1"/>
+                </a:solidFill>
+                <a:latin typeface="+mn-lt"/>
+                <a:ea typeface="+mn-ea"/>
+                <a:cs typeface="+mn-cs"/>
+              </a:defRPr>
+            </a:lvl6pPr>
+            <a:lvl7pPr marL="2971800" indent="-228600" algn="l" defTabSz="914400" rtl="0" eaLnBrk="1" latinLnBrk="0" hangingPunct="1">
+              <a:lnSpc>
+                <a:spcPct val="90000"/>
+              </a:lnSpc>
+              <a:spcBef>
+                <a:spcPts val="500"/>
+              </a:spcBef>
+              <a:buFont typeface="Arial" panose="020B0604020202020204" pitchFamily="34" charset="0"/>
+              <a:buChar char="•"/>
+              <a:defRPr sz="1800" kern="1200">
+                <a:solidFill>
+                  <a:schemeClr val="tx1"/>
+                </a:solidFill>
+                <a:latin typeface="+mn-lt"/>
+                <a:ea typeface="+mn-ea"/>
+                <a:cs typeface="+mn-cs"/>
+              </a:defRPr>
+            </a:lvl7pPr>
+            <a:lvl8pPr marL="3429000" indent="-228600" algn="l" defTabSz="914400" rtl="0" eaLnBrk="1" latinLnBrk="0" hangingPunct="1">
+              <a:lnSpc>
+                <a:spcPct val="90000"/>
+              </a:lnSpc>
+              <a:spcBef>
+                <a:spcPts val="500"/>
+              </a:spcBef>
+              <a:buFont typeface="Arial" panose="020B0604020202020204" pitchFamily="34" charset="0"/>
+              <a:buChar char="•"/>
+              <a:defRPr sz="1800" kern="1200">
+                <a:solidFill>
+                  <a:schemeClr val="tx1"/>
+                </a:solidFill>
+                <a:latin typeface="+mn-lt"/>
+                <a:ea typeface="+mn-ea"/>
+                <a:cs typeface="+mn-cs"/>
+              </a:defRPr>
+            </a:lvl8pPr>
+            <a:lvl9pPr marL="3886200" indent="-228600" algn="l" defTabSz="914400" rtl="0" eaLnBrk="1" latinLnBrk="0" hangingPunct="1">
+              <a:lnSpc>
+                <a:spcPct val="90000"/>
+              </a:lnSpc>
+              <a:spcBef>
+                <a:spcPts val="500"/>
+              </a:spcBef>
+              <a:buFont typeface="Arial" panose="020B0604020202020204" pitchFamily="34" charset="0"/>
+              <a:buChar char="•"/>
+              <a:defRPr sz="1800" kern="1200">
+                <a:solidFill>
+                  <a:schemeClr val="tx1"/>
+                </a:solidFill>
+                <a:latin typeface="+mn-lt"/>
+                <a:ea typeface="+mn-ea"/>
+                <a:cs typeface="+mn-cs"/>
+              </a:defRPr>
+            </a:lvl9pPr>
+          </a:lstStyle>
+          <a:p>
+            <a:pPr algn="just"/>
+            <a:r>
+              <a:rPr lang="en-US" altLang="zh-CN" sz="2400" b="1" u="sng" dirty="0"/>
+              <a:t>3.1.3</a:t>
+            </a:r>
+            <a:r>
+              <a:rPr lang="zh-CN" altLang="en-US" sz="2400" b="1" u="sng" dirty="0"/>
+              <a:t> 分割算法复现</a:t>
+            </a:r>
+            <a:r>
+              <a:rPr lang="zh-CN" altLang="en-US" sz="2400" dirty="0"/>
+              <a:t>：</a:t>
+            </a:r>
+            <a:endParaRPr lang="en-US" altLang="zh-CN" sz="2400" dirty="0"/>
+          </a:p>
+          <a:p>
+            <a:pPr algn="just"/>
+            <a:endParaRPr lang="en-US" altLang="zh-CN" sz="2400" dirty="0"/>
+          </a:p>
+          <a:p>
+            <a:pPr algn="just"/>
+            <a:r>
+              <a:rPr lang="zh-CN" altLang="en-US" sz="2400" dirty="0"/>
+              <a:t>复现目的</a:t>
+            </a:r>
+            <a:endParaRPr lang="en-US" altLang="zh-CN" sz="2400" dirty="0"/>
+          </a:p>
+          <a:p>
+            <a:pPr marL="457200" lvl="1" indent="0" algn="just">
+              <a:buNone/>
+            </a:pPr>
+            <a:endParaRPr lang="en-US" altLang="zh-CN" dirty="0"/>
+          </a:p>
+          <a:p>
+            <a:pPr lvl="1" algn="just"/>
+            <a:r>
+              <a:rPr lang="zh-CN" altLang="en-US" dirty="0"/>
+              <a:t>熟悉算法流程，掌握算法。</a:t>
+            </a:r>
+            <a:endParaRPr lang="en-US" altLang="zh-CN" dirty="0"/>
+          </a:p>
+          <a:p>
+            <a:pPr lvl="1" algn="just"/>
+            <a:endParaRPr lang="en-US" altLang="zh-CN" dirty="0"/>
+          </a:p>
+          <a:p>
+            <a:pPr lvl="1" algn="just"/>
+            <a:r>
+              <a:rPr lang="zh-CN" altLang="en-US" dirty="0"/>
+              <a:t>主要为修改源代码，提高代码运行效率。</a:t>
+            </a:r>
+            <a:endParaRPr lang="en-US" altLang="zh-CN" dirty="0"/>
+          </a:p>
+          <a:p>
+            <a:pPr lvl="1" algn="just"/>
+            <a:endParaRPr lang="en-US" altLang="zh-CN" dirty="0"/>
+          </a:p>
+          <a:p>
+            <a:pPr lvl="1" algn="just"/>
+            <a:r>
+              <a:rPr lang="zh-CN" altLang="en-US" dirty="0"/>
+              <a:t>需要修改的部分主要集中在</a:t>
+            </a:r>
+            <a:r>
+              <a:rPr lang="en-US" altLang="zh-CN" dirty="0" err="1"/>
+              <a:t>contrastAnalysis</a:t>
+            </a:r>
+            <a:r>
+              <a:rPr lang="zh-CN" altLang="en-US" dirty="0"/>
+              <a:t>和</a:t>
+            </a:r>
+            <a:r>
+              <a:rPr lang="en-US" altLang="zh-CN" dirty="0" err="1"/>
+              <a:t>maskImageCal</a:t>
+            </a:r>
+            <a:r>
+              <a:rPr lang="zh-CN" altLang="en-US" dirty="0"/>
+              <a:t>中</a:t>
+            </a:r>
+            <a:endParaRPr lang="en-US" altLang="zh-CN" dirty="0"/>
+          </a:p>
+          <a:p>
+            <a:pPr lvl="1" algn="just"/>
+            <a:endParaRPr lang="en-US" altLang="zh-CN" dirty="0"/>
+          </a:p>
+          <a:p>
+            <a:pPr marL="457200" lvl="1" indent="0" algn="just">
+              <a:buNone/>
+            </a:pPr>
+            <a:endParaRPr lang="en-US" altLang="zh-CN" dirty="0"/>
+          </a:p>
+          <a:p>
+            <a:pPr lvl="3" algn="just"/>
+            <a:endParaRPr lang="en-US" altLang="zh-CN" sz="1800" dirty="0"/>
+          </a:p>
+          <a:p>
+            <a:pPr lvl="3" algn="just"/>
+            <a:endParaRPr lang="en-US" altLang="zh-CN" sz="1800" dirty="0"/>
+          </a:p>
+        </p:txBody>
+      </p:sp>
+    </p:spTree>
+    <p:extLst>
+      <p:ext uri="{BB962C8B-B14F-4D97-AF65-F5344CB8AC3E}">
+        <p14:creationId xmlns:p14="http://schemas.microsoft.com/office/powerpoint/2010/main" val="187708829"/>
+      </p:ext>
+    </p:extLst>
+  </p:cSld>
+  <p:clrMapOvr>
+    <a:masterClrMapping/>
+  </p:clrMapOvr>
+</p:sld>
+</file>
+
+<file path=ppt/slides/slide22.xml><?xml version="1.0" encoding="utf-8"?>
+<p:sld xmlns:a="http://schemas.openxmlformats.org/drawingml/2006/main" xmlns:r="http://schemas.openxmlformats.org/officeDocument/2006/relationships" xmlns:p="http://schemas.openxmlformats.org/presentationml/2006/main">
+  <p:cSld>
+    <p:spTree>
+      <p:nvGrpSpPr>
+        <p:cNvPr id="1" name=""/>
+        <p:cNvGrpSpPr/>
+        <p:nvPr/>
+      </p:nvGrpSpPr>
+      <p:grpSpPr>
+        <a:xfrm>
+          <a:off x="0" y="0"/>
+          <a:ext cx="0" cy="0"/>
+          <a:chOff x="0" y="0"/>
+          <a:chExt cx="0" cy="0"/>
+        </a:xfrm>
+      </p:grpSpPr>
+      <p:sp>
+        <p:nvSpPr>
+          <p:cNvPr id="2" name="标题 1"/>
+          <p:cNvSpPr>
+            <a:spLocks noGrp="1"/>
+          </p:cNvSpPr>
+          <p:nvPr>
+            <p:ph type="title"/>
+          </p:nvPr>
+        </p:nvSpPr>
+        <p:spPr>
+          <a:xfrm>
+            <a:off x="669924" y="1"/>
+            <a:ext cx="10850563" cy="1028699"/>
+          </a:xfrm>
+        </p:spPr>
+        <p:txBody>
+          <a:bodyPr/>
+          <a:lstStyle/>
+          <a:p>
+            <a:r>
+              <a:rPr lang="zh-CN" altLang="en-US" dirty="0"/>
+              <a:t>研究内容及分析 </a:t>
+            </a:r>
+            <a:r>
+              <a:rPr lang="en-US" altLang="zh-CN" sz="2000" dirty="0"/>
+              <a:t>3.1</a:t>
+            </a:r>
+            <a:r>
+              <a:rPr lang="zh-CN" altLang="en-US" sz="2000" dirty="0"/>
+              <a:t> </a:t>
+            </a:r>
+            <a:r>
+              <a:rPr lang="zh-CN" altLang="en-US" sz="2000" b="1" dirty="0"/>
+              <a:t>现有雾霾分割算法分析及复现</a:t>
+            </a:r>
+            <a:endParaRPr lang="zh-CN" altLang="en-US" dirty="0"/>
+          </a:p>
+        </p:txBody>
+      </p:sp>
+      <p:sp>
+        <p:nvSpPr>
+          <p:cNvPr id="4" name="灯片编号占位符 3"/>
+          <p:cNvSpPr>
+            <a:spLocks noGrp="1"/>
+          </p:cNvSpPr>
+          <p:nvPr>
+            <p:ph type="sldNum" sz="quarter" idx="12"/>
+          </p:nvPr>
+        </p:nvSpPr>
+        <p:spPr>
+          <a:xfrm>
+            <a:off x="9282112" y="6651619"/>
+            <a:ext cx="2909888" cy="206381"/>
+          </a:xfrm>
+        </p:spPr>
+        <p:txBody>
+          <a:bodyPr/>
+          <a:lstStyle/>
+          <a:p>
+            <a:fld id="{5DD3DB80-B894-403A-B48E-6FDC1A72010E}" type="slidenum">
+              <a:rPr lang="zh-CN" altLang="en-US" smtClean="0"/>
+              <a:t>22</a:t>
+            </a:fld>
+            <a:endParaRPr lang="zh-CN" altLang="en-US" dirty="0"/>
+          </a:p>
+        </p:txBody>
+      </p:sp>
+      <p:sp>
+        <p:nvSpPr>
+          <p:cNvPr id="26" name="内容占位符 4">
+            <a:extLst>
+              <a:ext uri="{FF2B5EF4-FFF2-40B4-BE49-F238E27FC236}">
+                <a16:creationId xmlns:a16="http://schemas.microsoft.com/office/drawing/2014/main" id="{9B5A9525-5ED5-6241-B46B-6B1E0EE520B3}"/>
+              </a:ext>
+            </a:extLst>
+          </p:cNvPr>
+          <p:cNvSpPr txBox="1">
+            <a:spLocks/>
+          </p:cNvSpPr>
+          <p:nvPr/>
+        </p:nvSpPr>
+        <p:spPr>
+          <a:xfrm>
+            <a:off x="0" y="1196751"/>
+            <a:ext cx="12192000" cy="883509"/>
+          </a:xfrm>
+          <a:prstGeom prst="rect">
+            <a:avLst/>
+          </a:prstGeom>
+        </p:spPr>
+        <p:txBody>
+          <a:bodyPr/>
+          <a:lstStyle>
+            <a:lvl1pPr marL="228600" indent="-228600" algn="l" defTabSz="914400" rtl="0" eaLnBrk="1" latinLnBrk="0" hangingPunct="1">
+              <a:lnSpc>
+                <a:spcPct val="90000"/>
+              </a:lnSpc>
+              <a:spcBef>
+                <a:spcPts val="1000"/>
+              </a:spcBef>
+              <a:buFont typeface="Arial" panose="020B0604020202020204" pitchFamily="34" charset="0"/>
+              <a:buChar char="•"/>
+              <a:defRPr sz="2000" kern="1200">
+                <a:solidFill>
+                  <a:schemeClr val="tx1"/>
+                </a:solidFill>
+                <a:latin typeface="+mn-lt"/>
+                <a:ea typeface="+mn-ea"/>
+                <a:cs typeface="+mn-cs"/>
+              </a:defRPr>
+            </a:lvl1pPr>
+            <a:lvl2pPr marL="685800" indent="-228600" algn="l" defTabSz="914400" rtl="0" eaLnBrk="1" latinLnBrk="0" hangingPunct="1">
+              <a:lnSpc>
+                <a:spcPct val="90000"/>
+              </a:lnSpc>
+              <a:spcBef>
+                <a:spcPts val="500"/>
+              </a:spcBef>
+              <a:buFont typeface="Arial" panose="020B0604020202020204" pitchFamily="34" charset="0"/>
+              <a:buChar char="•"/>
+              <a:defRPr sz="1800" kern="1200">
+                <a:solidFill>
+                  <a:schemeClr val="tx1"/>
+                </a:solidFill>
+                <a:latin typeface="+mn-lt"/>
+                <a:ea typeface="+mn-ea"/>
+                <a:cs typeface="+mn-cs"/>
+              </a:defRPr>
+            </a:lvl2pPr>
+            <a:lvl3pPr marL="1143000" indent="-228600" algn="l" defTabSz="914400" rtl="0" eaLnBrk="1" latinLnBrk="0" hangingPunct="1">
+              <a:lnSpc>
+                <a:spcPct val="90000"/>
+              </a:lnSpc>
+              <a:spcBef>
+                <a:spcPts val="500"/>
+              </a:spcBef>
+              <a:buFont typeface="Arial" panose="020B0604020202020204" pitchFamily="34" charset="0"/>
+              <a:buChar char="•"/>
+              <a:defRPr sz="1600" kern="1200">
+                <a:solidFill>
+                  <a:schemeClr val="tx1"/>
+                </a:solidFill>
+                <a:latin typeface="+mn-lt"/>
+                <a:ea typeface="+mn-ea"/>
+                <a:cs typeface="+mn-cs"/>
+              </a:defRPr>
+            </a:lvl3pPr>
+            <a:lvl4pPr marL="1600200" indent="-228600" algn="l" defTabSz="914400" rtl="0" eaLnBrk="1" latinLnBrk="0" hangingPunct="1">
+              <a:lnSpc>
+                <a:spcPct val="90000"/>
+              </a:lnSpc>
+              <a:spcBef>
+                <a:spcPts val="500"/>
+              </a:spcBef>
+              <a:buFont typeface="Arial" panose="020B0604020202020204" pitchFamily="34" charset="0"/>
+              <a:buChar char="•"/>
+              <a:defRPr sz="1400" kern="1200">
+                <a:solidFill>
+                  <a:schemeClr val="tx1"/>
+                </a:solidFill>
+                <a:latin typeface="+mn-lt"/>
+                <a:ea typeface="+mn-ea"/>
+                <a:cs typeface="+mn-cs"/>
+              </a:defRPr>
+            </a:lvl4pPr>
+            <a:lvl5pPr marL="2057400" indent="-228600" algn="l" defTabSz="914400" rtl="0" eaLnBrk="1" latinLnBrk="0" hangingPunct="1">
+              <a:lnSpc>
+                <a:spcPct val="90000"/>
+              </a:lnSpc>
+              <a:spcBef>
+                <a:spcPts val="500"/>
+              </a:spcBef>
+              <a:buFont typeface="Arial" panose="020B0604020202020204" pitchFamily="34" charset="0"/>
+              <a:buChar char="•"/>
+              <a:defRPr sz="1400" kern="1200">
+                <a:solidFill>
+                  <a:schemeClr val="tx1"/>
+                </a:solidFill>
+                <a:latin typeface="+mn-lt"/>
+                <a:ea typeface="+mn-ea"/>
+                <a:cs typeface="+mn-cs"/>
+              </a:defRPr>
+            </a:lvl5pPr>
+            <a:lvl6pPr marL="2514600" indent="-228600" algn="l" defTabSz="914400" rtl="0" eaLnBrk="1" latinLnBrk="0" hangingPunct="1">
+              <a:lnSpc>
+                <a:spcPct val="90000"/>
+              </a:lnSpc>
+              <a:spcBef>
+                <a:spcPts val="500"/>
+              </a:spcBef>
+              <a:buFont typeface="Arial" panose="020B0604020202020204" pitchFamily="34" charset="0"/>
+              <a:buChar char="•"/>
+              <a:defRPr sz="1800" kern="1200">
+                <a:solidFill>
+                  <a:schemeClr val="tx1"/>
+                </a:solidFill>
+                <a:latin typeface="+mn-lt"/>
+                <a:ea typeface="+mn-ea"/>
+                <a:cs typeface="+mn-cs"/>
+              </a:defRPr>
+            </a:lvl6pPr>
+            <a:lvl7pPr marL="2971800" indent="-228600" algn="l" defTabSz="914400" rtl="0" eaLnBrk="1" latinLnBrk="0" hangingPunct="1">
+              <a:lnSpc>
+                <a:spcPct val="90000"/>
+              </a:lnSpc>
+              <a:spcBef>
+                <a:spcPts val="500"/>
+              </a:spcBef>
+              <a:buFont typeface="Arial" panose="020B0604020202020204" pitchFamily="34" charset="0"/>
+              <a:buChar char="•"/>
+              <a:defRPr sz="1800" kern="1200">
+                <a:solidFill>
+                  <a:schemeClr val="tx1"/>
+                </a:solidFill>
+                <a:latin typeface="+mn-lt"/>
+                <a:ea typeface="+mn-ea"/>
+                <a:cs typeface="+mn-cs"/>
+              </a:defRPr>
+            </a:lvl7pPr>
+            <a:lvl8pPr marL="3429000" indent="-228600" algn="l" defTabSz="914400" rtl="0" eaLnBrk="1" latinLnBrk="0" hangingPunct="1">
+              <a:lnSpc>
+                <a:spcPct val="90000"/>
+              </a:lnSpc>
+              <a:spcBef>
+                <a:spcPts val="500"/>
+              </a:spcBef>
+              <a:buFont typeface="Arial" panose="020B0604020202020204" pitchFamily="34" charset="0"/>
+              <a:buChar char="•"/>
+              <a:defRPr sz="1800" kern="1200">
+                <a:solidFill>
+                  <a:schemeClr val="tx1"/>
+                </a:solidFill>
+                <a:latin typeface="+mn-lt"/>
+                <a:ea typeface="+mn-ea"/>
+                <a:cs typeface="+mn-cs"/>
+              </a:defRPr>
+            </a:lvl8pPr>
+            <a:lvl9pPr marL="3886200" indent="-228600" algn="l" defTabSz="914400" rtl="0" eaLnBrk="1" latinLnBrk="0" hangingPunct="1">
+              <a:lnSpc>
+                <a:spcPct val="90000"/>
+              </a:lnSpc>
+              <a:spcBef>
+                <a:spcPts val="500"/>
+              </a:spcBef>
+              <a:buFont typeface="Arial" panose="020B0604020202020204" pitchFamily="34" charset="0"/>
+              <a:buChar char="•"/>
+              <a:defRPr sz="1800" kern="1200">
+                <a:solidFill>
+                  <a:schemeClr val="tx1"/>
+                </a:solidFill>
+                <a:latin typeface="+mn-lt"/>
+                <a:ea typeface="+mn-ea"/>
+                <a:cs typeface="+mn-cs"/>
+              </a:defRPr>
+            </a:lvl9pPr>
+          </a:lstStyle>
+          <a:p>
+            <a:pPr algn="just"/>
+            <a:r>
+              <a:rPr lang="en-US" altLang="zh-CN" sz="2400" b="1" u="sng" dirty="0"/>
+              <a:t>3.1.3</a:t>
+            </a:r>
+            <a:r>
+              <a:rPr lang="zh-CN" altLang="en-US" sz="2400" b="1" u="sng" dirty="0"/>
+              <a:t> 分割算法复现</a:t>
+            </a:r>
+            <a:r>
+              <a:rPr lang="zh-CN" altLang="en-US" sz="2400" dirty="0"/>
+              <a:t>：</a:t>
+            </a:r>
+            <a:endParaRPr lang="en-US" altLang="zh-CN" sz="2400" dirty="0"/>
+          </a:p>
+          <a:p>
+            <a:pPr algn="just"/>
+            <a:r>
+              <a:rPr lang="zh-CN" altLang="en-US" sz="2400" dirty="0"/>
+              <a:t>目前复现进度</a:t>
+            </a:r>
+            <a:r>
+              <a:rPr lang="en-US" altLang="zh-CN" sz="2400" dirty="0"/>
+              <a:t>:</a:t>
+            </a:r>
+            <a:r>
+              <a:rPr lang="zh-CN" altLang="en-US" sz="2400" dirty="0"/>
+              <a:t> </a:t>
+            </a:r>
+            <a:r>
+              <a:rPr lang="en-US" altLang="zh-CN" sz="2400" dirty="0" err="1"/>
+              <a:t>ContrastAnalysis</a:t>
+            </a:r>
+            <a:endParaRPr lang="en-US" altLang="zh-CN" sz="2400" dirty="0"/>
+          </a:p>
+          <a:p>
+            <a:pPr marL="457200" lvl="1" indent="0" algn="just">
+              <a:buNone/>
+            </a:pPr>
+            <a:endParaRPr lang="en-US" altLang="zh-CN" dirty="0"/>
+          </a:p>
+          <a:p>
+            <a:pPr lvl="3" algn="just"/>
+            <a:endParaRPr lang="en-US" altLang="zh-CN" sz="1800" dirty="0"/>
+          </a:p>
+          <a:p>
+            <a:pPr lvl="3" algn="just"/>
+            <a:endParaRPr lang="en-US" altLang="zh-CN" sz="1800" dirty="0"/>
+          </a:p>
+          <a:p>
+            <a:pPr algn="just"/>
+            <a:endParaRPr lang="en-US" altLang="zh-CN" sz="2400" dirty="0"/>
+          </a:p>
+        </p:txBody>
+      </p:sp>
+      <p:pic>
+        <p:nvPicPr>
+          <p:cNvPr id="5" name="图片 4">
+            <a:extLst>
+              <a:ext uri="{FF2B5EF4-FFF2-40B4-BE49-F238E27FC236}">
+                <a16:creationId xmlns:a16="http://schemas.microsoft.com/office/drawing/2014/main" id="{1A32BD0B-3DCC-4C7A-B016-6BFCD76F20F9}"/>
+              </a:ext>
+            </a:extLst>
+          </p:cNvPr>
+          <p:cNvPicPr>
+            <a:picLocks noChangeAspect="1"/>
+          </p:cNvPicPr>
+          <p:nvPr/>
+        </p:nvPicPr>
+        <p:blipFill>
+          <a:blip r:embed="rId2">
+            <a:extLst>
+              <a:ext uri="{28A0092B-C50C-407E-A947-70E740481C1C}">
+                <a14:useLocalDpi xmlns:a14="http://schemas.microsoft.com/office/drawing/2010/main" val="0"/>
+              </a:ext>
+            </a:extLst>
+          </a:blip>
+          <a:stretch>
+            <a:fillRect/>
+          </a:stretch>
+        </p:blipFill>
+        <p:spPr>
+          <a:xfrm>
+            <a:off x="6581678" y="2784512"/>
+            <a:ext cx="4938809" cy="2976297"/>
+          </a:xfrm>
+          <a:prstGeom prst="rect">
+            <a:avLst/>
+          </a:prstGeom>
+        </p:spPr>
+      </p:pic>
+      <p:pic>
+        <p:nvPicPr>
+          <p:cNvPr id="7" name="图片 6">
+            <a:extLst>
+              <a:ext uri="{FF2B5EF4-FFF2-40B4-BE49-F238E27FC236}">
+                <a16:creationId xmlns:a16="http://schemas.microsoft.com/office/drawing/2014/main" id="{C877ADDD-B69B-4DBE-878A-7B0963576BAC}"/>
+              </a:ext>
+            </a:extLst>
+          </p:cNvPr>
+          <p:cNvPicPr>
+            <a:picLocks noChangeAspect="1"/>
+          </p:cNvPicPr>
+          <p:nvPr/>
+        </p:nvPicPr>
+        <p:blipFill>
+          <a:blip r:embed="rId3" cstate="print">
+            <a:extLst>
+              <a:ext uri="{28A0092B-C50C-407E-A947-70E740481C1C}">
+                <a14:useLocalDpi xmlns:a14="http://schemas.microsoft.com/office/drawing/2010/main" val="0"/>
+              </a:ext>
+            </a:extLst>
+          </a:blip>
+          <a:stretch>
+            <a:fillRect/>
+          </a:stretch>
+        </p:blipFill>
+        <p:spPr>
+          <a:xfrm>
+            <a:off x="405353" y="3429000"/>
+            <a:ext cx="5301006" cy="1568060"/>
+          </a:xfrm>
+          <a:prstGeom prst="rect">
+            <a:avLst/>
+          </a:prstGeom>
+        </p:spPr>
+      </p:pic>
+      <p:sp>
+        <p:nvSpPr>
+          <p:cNvPr id="8" name="文本框 7">
+            <a:extLst>
+              <a:ext uri="{FF2B5EF4-FFF2-40B4-BE49-F238E27FC236}">
+                <a16:creationId xmlns:a16="http://schemas.microsoft.com/office/drawing/2014/main" id="{14A147DB-E20B-42CB-839F-1B38D4AEDFED}"/>
+              </a:ext>
+            </a:extLst>
+          </p:cNvPr>
+          <p:cNvSpPr txBox="1"/>
+          <p:nvPr/>
+        </p:nvSpPr>
+        <p:spPr>
+          <a:xfrm>
+            <a:off x="2732690" y="5647562"/>
+            <a:ext cx="877163" cy="369332"/>
+          </a:xfrm>
+          <a:prstGeom prst="rect">
+            <a:avLst/>
+          </a:prstGeom>
+          <a:noFill/>
+        </p:spPr>
+        <p:txBody>
+          <a:bodyPr wrap="none" rtlCol="0">
+            <a:spAutoFit/>
+          </a:bodyPr>
+          <a:lstStyle/>
+          <a:p>
+            <a:r>
+              <a:rPr lang="zh-CN" altLang="en-US" dirty="0"/>
+              <a:t>源代码</a:t>
+            </a:r>
+          </a:p>
+        </p:txBody>
+      </p:sp>
+      <p:sp>
+        <p:nvSpPr>
+          <p:cNvPr id="10" name="文本框 9">
+            <a:extLst>
+              <a:ext uri="{FF2B5EF4-FFF2-40B4-BE49-F238E27FC236}">
+                <a16:creationId xmlns:a16="http://schemas.microsoft.com/office/drawing/2014/main" id="{3238245E-B6D3-4928-87F7-237B38C081E7}"/>
+              </a:ext>
+            </a:extLst>
+          </p:cNvPr>
+          <p:cNvSpPr txBox="1"/>
+          <p:nvPr/>
+        </p:nvSpPr>
+        <p:spPr>
+          <a:xfrm>
+            <a:off x="8727916" y="6190721"/>
+            <a:ext cx="877163" cy="369332"/>
+          </a:xfrm>
+          <a:prstGeom prst="rect">
+            <a:avLst/>
+          </a:prstGeom>
+          <a:noFill/>
+        </p:spPr>
+        <p:txBody>
+          <a:bodyPr wrap="none" rtlCol="0">
+            <a:spAutoFit/>
+          </a:bodyPr>
+          <a:lstStyle/>
+          <a:p>
+            <a:r>
+              <a:rPr lang="zh-CN" altLang="en-US" dirty="0"/>
+              <a:t>修改后</a:t>
+            </a:r>
+          </a:p>
+        </p:txBody>
+      </p:sp>
+    </p:spTree>
+    <p:extLst>
+      <p:ext uri="{BB962C8B-B14F-4D97-AF65-F5344CB8AC3E}">
+        <p14:creationId xmlns:p14="http://schemas.microsoft.com/office/powerpoint/2010/main" val="964400937"/>
+      </p:ext>
+    </p:extLst>
+  </p:cSld>
+  <p:clrMapOvr>
+    <a:masterClrMapping/>
+  </p:clrMapOvr>
+</p:sld>
+</file>
+
+<file path=ppt/slides/slide23.xml><?xml version="1.0" encoding="utf-8"?>
+<p:sld xmlns:a="http://schemas.openxmlformats.org/drawingml/2006/main" xmlns:r="http://schemas.openxmlformats.org/officeDocument/2006/relationships" xmlns:p="http://schemas.openxmlformats.org/presentationml/2006/main">
+  <p:cSld>
+    <p:spTree>
+      <p:nvGrpSpPr>
+        <p:cNvPr id="1" name=""/>
+        <p:cNvGrpSpPr/>
+        <p:nvPr/>
+      </p:nvGrpSpPr>
+      <p:grpSpPr>
+        <a:xfrm>
+          <a:off x="0" y="0"/>
+          <a:ext cx="0" cy="0"/>
+          <a:chOff x="0" y="0"/>
+          <a:chExt cx="0" cy="0"/>
+        </a:xfrm>
+      </p:grpSpPr>
+      <p:sp>
+        <p:nvSpPr>
+          <p:cNvPr id="2" name="标题 1"/>
+          <p:cNvSpPr>
+            <a:spLocks noGrp="1"/>
+          </p:cNvSpPr>
+          <p:nvPr>
+            <p:ph type="title"/>
+          </p:nvPr>
+        </p:nvSpPr>
+        <p:spPr>
+          <a:xfrm>
+            <a:off x="669924" y="1"/>
+            <a:ext cx="10850563" cy="1028699"/>
+          </a:xfrm>
+        </p:spPr>
+        <p:txBody>
+          <a:bodyPr/>
+          <a:lstStyle/>
+          <a:p>
+            <a:r>
+              <a:rPr lang="zh-CN" altLang="en-US" dirty="0"/>
+              <a:t>研究内容及分析 </a:t>
+            </a:r>
+            <a:r>
+              <a:rPr lang="en-US" altLang="zh-CN" sz="2000" dirty="0"/>
+              <a:t>3.1</a:t>
+            </a:r>
+            <a:r>
+              <a:rPr lang="zh-CN" altLang="en-US" sz="2000" dirty="0"/>
+              <a:t> </a:t>
+            </a:r>
+            <a:r>
+              <a:rPr lang="zh-CN" altLang="en-US" sz="2000" b="1" dirty="0"/>
+              <a:t>现有雾霾分割算法分析及复现</a:t>
+            </a:r>
+            <a:endParaRPr lang="zh-CN" altLang="en-US" dirty="0"/>
+          </a:p>
+        </p:txBody>
+      </p:sp>
+      <p:sp>
+        <p:nvSpPr>
+          <p:cNvPr id="4" name="灯片编号占位符 3"/>
+          <p:cNvSpPr>
+            <a:spLocks noGrp="1"/>
+          </p:cNvSpPr>
+          <p:nvPr>
+            <p:ph type="sldNum" sz="quarter" idx="12"/>
+          </p:nvPr>
+        </p:nvSpPr>
+        <p:spPr>
+          <a:xfrm>
+            <a:off x="9282112" y="6651619"/>
+            <a:ext cx="2909888" cy="206381"/>
+          </a:xfrm>
+        </p:spPr>
+        <p:txBody>
+          <a:bodyPr/>
+          <a:lstStyle/>
+          <a:p>
+            <a:fld id="{5DD3DB80-B894-403A-B48E-6FDC1A72010E}" type="slidenum">
+              <a:rPr lang="zh-CN" altLang="en-US" smtClean="0"/>
+              <a:t>23</a:t>
+            </a:fld>
+            <a:endParaRPr lang="zh-CN" altLang="en-US" dirty="0"/>
+          </a:p>
+        </p:txBody>
+      </p:sp>
+      <p:sp>
+        <p:nvSpPr>
+          <p:cNvPr id="26" name="内容占位符 4">
+            <a:extLst>
+              <a:ext uri="{FF2B5EF4-FFF2-40B4-BE49-F238E27FC236}">
+                <a16:creationId xmlns:a16="http://schemas.microsoft.com/office/drawing/2014/main" id="{9B5A9525-5ED5-6241-B46B-6B1E0EE520B3}"/>
+              </a:ext>
+            </a:extLst>
+          </p:cNvPr>
+          <p:cNvSpPr txBox="1">
+            <a:spLocks/>
+          </p:cNvSpPr>
+          <p:nvPr/>
+        </p:nvSpPr>
+        <p:spPr>
+          <a:xfrm>
+            <a:off x="0" y="1196751"/>
+            <a:ext cx="12192000" cy="883509"/>
+          </a:xfrm>
+          <a:prstGeom prst="rect">
+            <a:avLst/>
+          </a:prstGeom>
+        </p:spPr>
+        <p:txBody>
+          <a:bodyPr/>
+          <a:lstStyle>
+            <a:lvl1pPr marL="228600" indent="-228600" algn="l" defTabSz="914400" rtl="0" eaLnBrk="1" latinLnBrk="0" hangingPunct="1">
+              <a:lnSpc>
+                <a:spcPct val="90000"/>
+              </a:lnSpc>
+              <a:spcBef>
+                <a:spcPts val="1000"/>
+              </a:spcBef>
+              <a:buFont typeface="Arial" panose="020B0604020202020204" pitchFamily="34" charset="0"/>
+              <a:buChar char="•"/>
+              <a:defRPr sz="2000" kern="1200">
+                <a:solidFill>
+                  <a:schemeClr val="tx1"/>
+                </a:solidFill>
+                <a:latin typeface="+mn-lt"/>
+                <a:ea typeface="+mn-ea"/>
+                <a:cs typeface="+mn-cs"/>
+              </a:defRPr>
+            </a:lvl1pPr>
+            <a:lvl2pPr marL="685800" indent="-228600" algn="l" defTabSz="914400" rtl="0" eaLnBrk="1" latinLnBrk="0" hangingPunct="1">
+              <a:lnSpc>
+                <a:spcPct val="90000"/>
+              </a:lnSpc>
+              <a:spcBef>
+                <a:spcPts val="500"/>
+              </a:spcBef>
+              <a:buFont typeface="Arial" panose="020B0604020202020204" pitchFamily="34" charset="0"/>
+              <a:buChar char="•"/>
+              <a:defRPr sz="1800" kern="1200">
+                <a:solidFill>
+                  <a:schemeClr val="tx1"/>
+                </a:solidFill>
+                <a:latin typeface="+mn-lt"/>
+                <a:ea typeface="+mn-ea"/>
+                <a:cs typeface="+mn-cs"/>
+              </a:defRPr>
+            </a:lvl2pPr>
+            <a:lvl3pPr marL="1143000" indent="-228600" algn="l" defTabSz="914400" rtl="0" eaLnBrk="1" latinLnBrk="0" hangingPunct="1">
+              <a:lnSpc>
+                <a:spcPct val="90000"/>
+              </a:lnSpc>
+              <a:spcBef>
+                <a:spcPts val="500"/>
+              </a:spcBef>
+              <a:buFont typeface="Arial" panose="020B0604020202020204" pitchFamily="34" charset="0"/>
+              <a:buChar char="•"/>
+              <a:defRPr sz="1600" kern="1200">
+                <a:solidFill>
+                  <a:schemeClr val="tx1"/>
+                </a:solidFill>
+                <a:latin typeface="+mn-lt"/>
+                <a:ea typeface="+mn-ea"/>
+                <a:cs typeface="+mn-cs"/>
+              </a:defRPr>
+            </a:lvl3pPr>
+            <a:lvl4pPr marL="1600200" indent="-228600" algn="l" defTabSz="914400" rtl="0" eaLnBrk="1" latinLnBrk="0" hangingPunct="1">
+              <a:lnSpc>
+                <a:spcPct val="90000"/>
+              </a:lnSpc>
+              <a:spcBef>
+                <a:spcPts val="500"/>
+              </a:spcBef>
+              <a:buFont typeface="Arial" panose="020B0604020202020204" pitchFamily="34" charset="0"/>
+              <a:buChar char="•"/>
+              <a:defRPr sz="1400" kern="1200">
+                <a:solidFill>
+                  <a:schemeClr val="tx1"/>
+                </a:solidFill>
+                <a:latin typeface="+mn-lt"/>
+                <a:ea typeface="+mn-ea"/>
+                <a:cs typeface="+mn-cs"/>
+              </a:defRPr>
+            </a:lvl4pPr>
+            <a:lvl5pPr marL="2057400" indent="-228600" algn="l" defTabSz="914400" rtl="0" eaLnBrk="1" latinLnBrk="0" hangingPunct="1">
+              <a:lnSpc>
+                <a:spcPct val="90000"/>
+              </a:lnSpc>
+              <a:spcBef>
+                <a:spcPts val="500"/>
+              </a:spcBef>
+              <a:buFont typeface="Arial" panose="020B0604020202020204" pitchFamily="34" charset="0"/>
+              <a:buChar char="•"/>
+              <a:defRPr sz="1400" kern="1200">
+                <a:solidFill>
+                  <a:schemeClr val="tx1"/>
+                </a:solidFill>
+                <a:latin typeface="+mn-lt"/>
+                <a:ea typeface="+mn-ea"/>
+                <a:cs typeface="+mn-cs"/>
+              </a:defRPr>
+            </a:lvl5pPr>
+            <a:lvl6pPr marL="2514600" indent="-228600" algn="l" defTabSz="914400" rtl="0" eaLnBrk="1" latinLnBrk="0" hangingPunct="1">
+              <a:lnSpc>
+                <a:spcPct val="90000"/>
+              </a:lnSpc>
+              <a:spcBef>
+                <a:spcPts val="500"/>
+              </a:spcBef>
+              <a:buFont typeface="Arial" panose="020B0604020202020204" pitchFamily="34" charset="0"/>
+              <a:buChar char="•"/>
+              <a:defRPr sz="1800" kern="1200">
+                <a:solidFill>
+                  <a:schemeClr val="tx1"/>
+                </a:solidFill>
+                <a:latin typeface="+mn-lt"/>
+                <a:ea typeface="+mn-ea"/>
+                <a:cs typeface="+mn-cs"/>
+              </a:defRPr>
+            </a:lvl6pPr>
+            <a:lvl7pPr marL="2971800" indent="-228600" algn="l" defTabSz="914400" rtl="0" eaLnBrk="1" latinLnBrk="0" hangingPunct="1">
+              <a:lnSpc>
+                <a:spcPct val="90000"/>
+              </a:lnSpc>
+              <a:spcBef>
+                <a:spcPts val="500"/>
+              </a:spcBef>
+              <a:buFont typeface="Arial" panose="020B0604020202020204" pitchFamily="34" charset="0"/>
+              <a:buChar char="•"/>
+              <a:defRPr sz="1800" kern="1200">
+                <a:solidFill>
+                  <a:schemeClr val="tx1"/>
+                </a:solidFill>
+                <a:latin typeface="+mn-lt"/>
+                <a:ea typeface="+mn-ea"/>
+                <a:cs typeface="+mn-cs"/>
+              </a:defRPr>
+            </a:lvl7pPr>
+            <a:lvl8pPr marL="3429000" indent="-228600" algn="l" defTabSz="914400" rtl="0" eaLnBrk="1" latinLnBrk="0" hangingPunct="1">
+              <a:lnSpc>
+                <a:spcPct val="90000"/>
+              </a:lnSpc>
+              <a:spcBef>
+                <a:spcPts val="500"/>
+              </a:spcBef>
+              <a:buFont typeface="Arial" panose="020B0604020202020204" pitchFamily="34" charset="0"/>
+              <a:buChar char="•"/>
+              <a:defRPr sz="1800" kern="1200">
+                <a:solidFill>
+                  <a:schemeClr val="tx1"/>
+                </a:solidFill>
+                <a:latin typeface="+mn-lt"/>
+                <a:ea typeface="+mn-ea"/>
+                <a:cs typeface="+mn-cs"/>
+              </a:defRPr>
+            </a:lvl8pPr>
+            <a:lvl9pPr marL="3886200" indent="-228600" algn="l" defTabSz="914400" rtl="0" eaLnBrk="1" latinLnBrk="0" hangingPunct="1">
+              <a:lnSpc>
+                <a:spcPct val="90000"/>
+              </a:lnSpc>
+              <a:spcBef>
+                <a:spcPts val="500"/>
+              </a:spcBef>
+              <a:buFont typeface="Arial" panose="020B0604020202020204" pitchFamily="34" charset="0"/>
+              <a:buChar char="•"/>
+              <a:defRPr sz="1800" kern="1200">
+                <a:solidFill>
+                  <a:schemeClr val="tx1"/>
+                </a:solidFill>
+                <a:latin typeface="+mn-lt"/>
+                <a:ea typeface="+mn-ea"/>
+                <a:cs typeface="+mn-cs"/>
+              </a:defRPr>
+            </a:lvl9pPr>
+          </a:lstStyle>
+          <a:p>
+            <a:pPr algn="just"/>
+            <a:r>
+              <a:rPr lang="en-US" altLang="zh-CN" sz="2400" b="1" u="sng" dirty="0"/>
+              <a:t>3.1.3</a:t>
+            </a:r>
+            <a:r>
+              <a:rPr lang="zh-CN" altLang="en-US" sz="2400" b="1" u="sng" dirty="0"/>
+              <a:t> 分割算法复现</a:t>
+            </a:r>
+            <a:r>
+              <a:rPr lang="zh-CN" altLang="en-US" sz="2400" dirty="0"/>
+              <a:t>：</a:t>
+            </a:r>
+            <a:endParaRPr lang="en-US" altLang="zh-CN" sz="2400" dirty="0"/>
+          </a:p>
+          <a:p>
+            <a:pPr algn="just"/>
+            <a:r>
+              <a:rPr lang="zh-CN" altLang="en-US" sz="2400" dirty="0"/>
+              <a:t>目前复现进度</a:t>
+            </a:r>
+            <a:r>
+              <a:rPr lang="en-US" altLang="zh-CN" sz="2400" dirty="0"/>
+              <a:t>:</a:t>
+            </a:r>
+            <a:r>
+              <a:rPr lang="zh-CN" altLang="en-US" sz="2400" dirty="0"/>
+              <a:t> </a:t>
+            </a:r>
+            <a:r>
+              <a:rPr lang="en-US" altLang="zh-CN" sz="2400" dirty="0" err="1"/>
+              <a:t>maskImageCal</a:t>
+            </a:r>
+            <a:endParaRPr lang="en-US" altLang="zh-CN" dirty="0"/>
+          </a:p>
+          <a:p>
+            <a:pPr lvl="3" algn="just"/>
+            <a:endParaRPr lang="en-US" altLang="zh-CN" sz="1800" dirty="0"/>
+          </a:p>
+          <a:p>
+            <a:pPr lvl="3" algn="just"/>
+            <a:endParaRPr lang="en-US" altLang="zh-CN" sz="1800" dirty="0"/>
+          </a:p>
+          <a:p>
+            <a:pPr algn="just"/>
+            <a:endParaRPr lang="en-US" altLang="zh-CN" sz="2400" dirty="0"/>
+          </a:p>
+        </p:txBody>
+      </p:sp>
+      <p:sp>
+        <p:nvSpPr>
+          <p:cNvPr id="8" name="文本框 7">
+            <a:extLst>
+              <a:ext uri="{FF2B5EF4-FFF2-40B4-BE49-F238E27FC236}">
+                <a16:creationId xmlns:a16="http://schemas.microsoft.com/office/drawing/2014/main" id="{14A147DB-E20B-42CB-839F-1B38D4AEDFED}"/>
+              </a:ext>
+            </a:extLst>
+          </p:cNvPr>
+          <p:cNvSpPr txBox="1"/>
+          <p:nvPr/>
+        </p:nvSpPr>
+        <p:spPr>
+          <a:xfrm>
+            <a:off x="2850644" y="6488667"/>
+            <a:ext cx="877163" cy="369332"/>
+          </a:xfrm>
+          <a:prstGeom prst="rect">
+            <a:avLst/>
+          </a:prstGeom>
+          <a:noFill/>
+        </p:spPr>
+        <p:txBody>
+          <a:bodyPr wrap="none" rtlCol="0">
+            <a:spAutoFit/>
+          </a:bodyPr>
+          <a:lstStyle/>
+          <a:p>
+            <a:r>
+              <a:rPr lang="zh-CN" altLang="en-US" dirty="0"/>
+              <a:t>源代码</a:t>
+            </a:r>
+          </a:p>
+        </p:txBody>
+      </p:sp>
+      <p:sp>
+        <p:nvSpPr>
+          <p:cNvPr id="10" name="文本框 9">
+            <a:extLst>
+              <a:ext uri="{FF2B5EF4-FFF2-40B4-BE49-F238E27FC236}">
+                <a16:creationId xmlns:a16="http://schemas.microsoft.com/office/drawing/2014/main" id="{3238245E-B6D3-4928-87F7-237B38C081E7}"/>
+              </a:ext>
+            </a:extLst>
+          </p:cNvPr>
+          <p:cNvSpPr txBox="1"/>
+          <p:nvPr/>
+        </p:nvSpPr>
+        <p:spPr>
+          <a:xfrm>
+            <a:off x="8746770" y="5722976"/>
+            <a:ext cx="877163" cy="369332"/>
+          </a:xfrm>
+          <a:prstGeom prst="rect">
+            <a:avLst/>
+          </a:prstGeom>
+          <a:noFill/>
+        </p:spPr>
+        <p:txBody>
+          <a:bodyPr wrap="none" rtlCol="0">
+            <a:spAutoFit/>
+          </a:bodyPr>
+          <a:lstStyle/>
+          <a:p>
+            <a:r>
+              <a:rPr lang="zh-CN" altLang="en-US" dirty="0"/>
+              <a:t>修改后</a:t>
+            </a:r>
+          </a:p>
+        </p:txBody>
+      </p:sp>
+      <p:pic>
+        <p:nvPicPr>
+          <p:cNvPr id="5" name="图片 4">
+            <a:extLst>
+              <a:ext uri="{FF2B5EF4-FFF2-40B4-BE49-F238E27FC236}">
+                <a16:creationId xmlns:a16="http://schemas.microsoft.com/office/drawing/2014/main" id="{401A0AEF-6E5D-4826-805C-5EA143A3E6A5}"/>
+              </a:ext>
+            </a:extLst>
+          </p:cNvPr>
+          <p:cNvPicPr>
+            <a:picLocks noChangeAspect="1"/>
+          </p:cNvPicPr>
+          <p:nvPr/>
+        </p:nvPicPr>
+        <p:blipFill>
+          <a:blip r:embed="rId2">
+            <a:extLst>
+              <a:ext uri="{28A0092B-C50C-407E-A947-70E740481C1C}">
+                <a14:useLocalDpi xmlns:a14="http://schemas.microsoft.com/office/drawing/2010/main" val="0"/>
+              </a:ext>
+            </a:extLst>
+          </a:blip>
+          <a:stretch>
+            <a:fillRect/>
+          </a:stretch>
+        </p:blipFill>
+        <p:spPr>
+          <a:xfrm>
+            <a:off x="139710" y="2196170"/>
+            <a:ext cx="6299032" cy="4258063"/>
+          </a:xfrm>
+          <a:prstGeom prst="rect">
+            <a:avLst/>
+          </a:prstGeom>
+        </p:spPr>
+      </p:pic>
+      <p:pic>
+        <p:nvPicPr>
+          <p:cNvPr id="9" name="图片 8">
+            <a:extLst>
+              <a:ext uri="{FF2B5EF4-FFF2-40B4-BE49-F238E27FC236}">
+                <a16:creationId xmlns:a16="http://schemas.microsoft.com/office/drawing/2014/main" id="{0AF1ACBF-1B07-4E15-B986-DB1C93517159}"/>
+              </a:ext>
+            </a:extLst>
+          </p:cNvPr>
+          <p:cNvPicPr>
+            <a:picLocks noChangeAspect="1"/>
+          </p:cNvPicPr>
+          <p:nvPr/>
+        </p:nvPicPr>
+        <p:blipFill>
+          <a:blip r:embed="rId3">
+            <a:extLst>
+              <a:ext uri="{28A0092B-C50C-407E-A947-70E740481C1C}">
+                <a14:useLocalDpi xmlns:a14="http://schemas.microsoft.com/office/drawing/2010/main" val="0"/>
+              </a:ext>
+            </a:extLst>
+          </a:blip>
+          <a:stretch>
+            <a:fillRect/>
+          </a:stretch>
+        </p:blipFill>
+        <p:spPr>
+          <a:xfrm>
+            <a:off x="5081702" y="2930279"/>
+            <a:ext cx="6970588" cy="2535740"/>
+          </a:xfrm>
+          <a:prstGeom prst="rect">
+            <a:avLst/>
+          </a:prstGeom>
+        </p:spPr>
+      </p:pic>
+    </p:spTree>
+    <p:extLst>
+      <p:ext uri="{BB962C8B-B14F-4D97-AF65-F5344CB8AC3E}">
+        <p14:creationId xmlns:p14="http://schemas.microsoft.com/office/powerpoint/2010/main" val="2535279971"/>
+      </p:ext>
+    </p:extLst>
+  </p:cSld>
+  <p:clrMapOvr>
+    <a:masterClrMapping/>
+  </p:clrMapOvr>
+</p:sld>
+</file>
+
+<file path=ppt/slides/slide24.xml><?xml version="1.0" encoding="utf-8"?>
+<p:sld xmlns:a="http://schemas.openxmlformats.org/drawingml/2006/main" xmlns:r="http://schemas.openxmlformats.org/officeDocument/2006/relationships" xmlns:p="http://schemas.openxmlformats.org/presentationml/2006/main">
+  <p:cSld>
+    <p:spTree>
+      <p:nvGrpSpPr>
+        <p:cNvPr id="1" name=""/>
+        <p:cNvGrpSpPr/>
+        <p:nvPr/>
+      </p:nvGrpSpPr>
+      <p:grpSpPr>
+        <a:xfrm>
+          <a:off x="0" y="0"/>
+          <a:ext cx="0" cy="0"/>
+          <a:chOff x="0" y="0"/>
+          <a:chExt cx="0" cy="0"/>
+        </a:xfrm>
+      </p:grpSpPr>
+      <p:sp>
+        <p:nvSpPr>
+          <p:cNvPr id="2" name="标题 1"/>
+          <p:cNvSpPr>
+            <a:spLocks noGrp="1"/>
+          </p:cNvSpPr>
+          <p:nvPr>
+            <p:ph type="title"/>
+          </p:nvPr>
+        </p:nvSpPr>
+        <p:spPr>
+          <a:xfrm>
+            <a:off x="669924" y="1"/>
+            <a:ext cx="10850563" cy="1028699"/>
+          </a:xfrm>
+        </p:spPr>
+        <p:txBody>
+          <a:bodyPr/>
+          <a:lstStyle/>
+          <a:p>
+            <a:r>
+              <a:rPr lang="zh-CN" altLang="en-US" dirty="0"/>
+              <a:t>研究内容及分析 </a:t>
+            </a:r>
+            <a:r>
+              <a:rPr lang="en-US" altLang="zh-CN" sz="2000" dirty="0"/>
+              <a:t>3.1</a:t>
+            </a:r>
+            <a:r>
+              <a:rPr lang="zh-CN" altLang="en-US" sz="2000" dirty="0"/>
+              <a:t> </a:t>
+            </a:r>
+            <a:r>
+              <a:rPr lang="zh-CN" altLang="en-US" sz="2000" b="1" dirty="0"/>
+              <a:t>现有雾霾分割算法分析及复现</a:t>
+            </a:r>
+            <a:endParaRPr lang="zh-CN" altLang="en-US" dirty="0"/>
+          </a:p>
+        </p:txBody>
+      </p:sp>
+      <p:sp>
+        <p:nvSpPr>
+          <p:cNvPr id="4" name="灯片编号占位符 3"/>
+          <p:cNvSpPr>
+            <a:spLocks noGrp="1"/>
+          </p:cNvSpPr>
+          <p:nvPr>
+            <p:ph type="sldNum" sz="quarter" idx="12"/>
+          </p:nvPr>
+        </p:nvSpPr>
+        <p:spPr>
+          <a:xfrm>
+            <a:off x="9282112" y="6651619"/>
+            <a:ext cx="2909888" cy="206381"/>
+          </a:xfrm>
+        </p:spPr>
+        <p:txBody>
+          <a:bodyPr/>
+          <a:lstStyle/>
+          <a:p>
+            <a:fld id="{5DD3DB80-B894-403A-B48E-6FDC1A72010E}" type="slidenum">
+              <a:rPr lang="zh-CN" altLang="en-US" smtClean="0"/>
+              <a:t>24</a:t>
+            </a:fld>
+            <a:endParaRPr lang="zh-CN" altLang="en-US" dirty="0"/>
+          </a:p>
+        </p:txBody>
+      </p:sp>
+      <p:sp>
+        <p:nvSpPr>
+          <p:cNvPr id="26" name="内容占位符 4">
+            <a:extLst>
+              <a:ext uri="{FF2B5EF4-FFF2-40B4-BE49-F238E27FC236}">
+                <a16:creationId xmlns:a16="http://schemas.microsoft.com/office/drawing/2014/main" id="{9B5A9525-5ED5-6241-B46B-6B1E0EE520B3}"/>
+              </a:ext>
+            </a:extLst>
+          </p:cNvPr>
+          <p:cNvSpPr txBox="1">
+            <a:spLocks/>
+          </p:cNvSpPr>
+          <p:nvPr/>
+        </p:nvSpPr>
+        <p:spPr>
+          <a:xfrm>
+            <a:off x="0" y="1196751"/>
+            <a:ext cx="12192000" cy="883509"/>
+          </a:xfrm>
+          <a:prstGeom prst="rect">
+            <a:avLst/>
+          </a:prstGeom>
+        </p:spPr>
+        <p:txBody>
+          <a:bodyPr/>
+          <a:lstStyle>
+            <a:lvl1pPr marL="228600" indent="-228600" algn="l" defTabSz="914400" rtl="0" eaLnBrk="1" latinLnBrk="0" hangingPunct="1">
+              <a:lnSpc>
+                <a:spcPct val="90000"/>
+              </a:lnSpc>
+              <a:spcBef>
+                <a:spcPts val="1000"/>
+              </a:spcBef>
+              <a:buFont typeface="Arial" panose="020B0604020202020204" pitchFamily="34" charset="0"/>
+              <a:buChar char="•"/>
+              <a:defRPr sz="2000" kern="1200">
+                <a:solidFill>
+                  <a:schemeClr val="tx1"/>
+                </a:solidFill>
+                <a:latin typeface="+mn-lt"/>
+                <a:ea typeface="+mn-ea"/>
+                <a:cs typeface="+mn-cs"/>
+              </a:defRPr>
+            </a:lvl1pPr>
+            <a:lvl2pPr marL="685800" indent="-228600" algn="l" defTabSz="914400" rtl="0" eaLnBrk="1" latinLnBrk="0" hangingPunct="1">
+              <a:lnSpc>
+                <a:spcPct val="90000"/>
+              </a:lnSpc>
+              <a:spcBef>
+                <a:spcPts val="500"/>
+              </a:spcBef>
+              <a:buFont typeface="Arial" panose="020B0604020202020204" pitchFamily="34" charset="0"/>
+              <a:buChar char="•"/>
+              <a:defRPr sz="1800" kern="1200">
+                <a:solidFill>
+                  <a:schemeClr val="tx1"/>
+                </a:solidFill>
+                <a:latin typeface="+mn-lt"/>
+                <a:ea typeface="+mn-ea"/>
+                <a:cs typeface="+mn-cs"/>
+              </a:defRPr>
+            </a:lvl2pPr>
+            <a:lvl3pPr marL="1143000" indent="-228600" algn="l" defTabSz="914400" rtl="0" eaLnBrk="1" latinLnBrk="0" hangingPunct="1">
+              <a:lnSpc>
+                <a:spcPct val="90000"/>
+              </a:lnSpc>
+              <a:spcBef>
+                <a:spcPts val="500"/>
+              </a:spcBef>
+              <a:buFont typeface="Arial" panose="020B0604020202020204" pitchFamily="34" charset="0"/>
+              <a:buChar char="•"/>
+              <a:defRPr sz="1600" kern="1200">
+                <a:solidFill>
+                  <a:schemeClr val="tx1"/>
+                </a:solidFill>
+                <a:latin typeface="+mn-lt"/>
+                <a:ea typeface="+mn-ea"/>
+                <a:cs typeface="+mn-cs"/>
+              </a:defRPr>
+            </a:lvl3pPr>
+            <a:lvl4pPr marL="1600200" indent="-228600" algn="l" defTabSz="914400" rtl="0" eaLnBrk="1" latinLnBrk="0" hangingPunct="1">
+              <a:lnSpc>
+                <a:spcPct val="90000"/>
+              </a:lnSpc>
+              <a:spcBef>
+                <a:spcPts val="500"/>
+              </a:spcBef>
+              <a:buFont typeface="Arial" panose="020B0604020202020204" pitchFamily="34" charset="0"/>
+              <a:buChar char="•"/>
+              <a:defRPr sz="1400" kern="1200">
+                <a:solidFill>
+                  <a:schemeClr val="tx1"/>
+                </a:solidFill>
+                <a:latin typeface="+mn-lt"/>
+                <a:ea typeface="+mn-ea"/>
+                <a:cs typeface="+mn-cs"/>
+              </a:defRPr>
+            </a:lvl4pPr>
+            <a:lvl5pPr marL="2057400" indent="-228600" algn="l" defTabSz="914400" rtl="0" eaLnBrk="1" latinLnBrk="0" hangingPunct="1">
+              <a:lnSpc>
+                <a:spcPct val="90000"/>
+              </a:lnSpc>
+              <a:spcBef>
+                <a:spcPts val="500"/>
+              </a:spcBef>
+              <a:buFont typeface="Arial" panose="020B0604020202020204" pitchFamily="34" charset="0"/>
+              <a:buChar char="•"/>
+              <a:defRPr sz="1400" kern="1200">
+                <a:solidFill>
+                  <a:schemeClr val="tx1"/>
+                </a:solidFill>
+                <a:latin typeface="+mn-lt"/>
+                <a:ea typeface="+mn-ea"/>
+                <a:cs typeface="+mn-cs"/>
+              </a:defRPr>
+            </a:lvl5pPr>
+            <a:lvl6pPr marL="2514600" indent="-228600" algn="l" defTabSz="914400" rtl="0" eaLnBrk="1" latinLnBrk="0" hangingPunct="1">
+              <a:lnSpc>
+                <a:spcPct val="90000"/>
+              </a:lnSpc>
+              <a:spcBef>
+                <a:spcPts val="500"/>
+              </a:spcBef>
+              <a:buFont typeface="Arial" panose="020B0604020202020204" pitchFamily="34" charset="0"/>
+              <a:buChar char="•"/>
+              <a:defRPr sz="1800" kern="1200">
+                <a:solidFill>
+                  <a:schemeClr val="tx1"/>
+                </a:solidFill>
+                <a:latin typeface="+mn-lt"/>
+                <a:ea typeface="+mn-ea"/>
+                <a:cs typeface="+mn-cs"/>
+              </a:defRPr>
+            </a:lvl6pPr>
+            <a:lvl7pPr marL="2971800" indent="-228600" algn="l" defTabSz="914400" rtl="0" eaLnBrk="1" latinLnBrk="0" hangingPunct="1">
+              <a:lnSpc>
+                <a:spcPct val="90000"/>
+              </a:lnSpc>
+              <a:spcBef>
+                <a:spcPts val="500"/>
+              </a:spcBef>
+              <a:buFont typeface="Arial" panose="020B0604020202020204" pitchFamily="34" charset="0"/>
+              <a:buChar char="•"/>
+              <a:defRPr sz="1800" kern="1200">
+                <a:solidFill>
+                  <a:schemeClr val="tx1"/>
+                </a:solidFill>
+                <a:latin typeface="+mn-lt"/>
+                <a:ea typeface="+mn-ea"/>
+                <a:cs typeface="+mn-cs"/>
+              </a:defRPr>
+            </a:lvl7pPr>
+            <a:lvl8pPr marL="3429000" indent="-228600" algn="l" defTabSz="914400" rtl="0" eaLnBrk="1" latinLnBrk="0" hangingPunct="1">
+              <a:lnSpc>
+                <a:spcPct val="90000"/>
+              </a:lnSpc>
+              <a:spcBef>
+                <a:spcPts val="500"/>
+              </a:spcBef>
+              <a:buFont typeface="Arial" panose="020B0604020202020204" pitchFamily="34" charset="0"/>
+              <a:buChar char="•"/>
+              <a:defRPr sz="1800" kern="1200">
+                <a:solidFill>
+                  <a:schemeClr val="tx1"/>
+                </a:solidFill>
+                <a:latin typeface="+mn-lt"/>
+                <a:ea typeface="+mn-ea"/>
+                <a:cs typeface="+mn-cs"/>
+              </a:defRPr>
+            </a:lvl8pPr>
+            <a:lvl9pPr marL="3886200" indent="-228600" algn="l" defTabSz="914400" rtl="0" eaLnBrk="1" latinLnBrk="0" hangingPunct="1">
+              <a:lnSpc>
+                <a:spcPct val="90000"/>
+              </a:lnSpc>
+              <a:spcBef>
+                <a:spcPts val="500"/>
+              </a:spcBef>
+              <a:buFont typeface="Arial" panose="020B0604020202020204" pitchFamily="34" charset="0"/>
+              <a:buChar char="•"/>
+              <a:defRPr sz="1800" kern="1200">
+                <a:solidFill>
+                  <a:schemeClr val="tx1"/>
+                </a:solidFill>
+                <a:latin typeface="+mn-lt"/>
+                <a:ea typeface="+mn-ea"/>
+                <a:cs typeface="+mn-cs"/>
+              </a:defRPr>
+            </a:lvl9pPr>
+          </a:lstStyle>
+          <a:p>
+            <a:pPr algn="just"/>
+            <a:r>
+              <a:rPr lang="en-US" altLang="zh-CN" sz="2400" b="1" u="sng" dirty="0"/>
+              <a:t>3.1.3</a:t>
+            </a:r>
+            <a:r>
+              <a:rPr lang="zh-CN" altLang="en-US" sz="2400" b="1" u="sng" dirty="0"/>
+              <a:t> 分割算法复现</a:t>
+            </a:r>
+            <a:r>
+              <a:rPr lang="zh-CN" altLang="en-US" sz="2400" dirty="0"/>
+              <a:t>：</a:t>
+            </a:r>
+            <a:endParaRPr lang="en-US" altLang="zh-CN" sz="2400" dirty="0"/>
+          </a:p>
+          <a:p>
+            <a:pPr algn="just"/>
+            <a:r>
+              <a:rPr lang="zh-CN" altLang="en-US" sz="2400" dirty="0"/>
+              <a:t>目前复现进度：</a:t>
+            </a:r>
+            <a:endParaRPr lang="en-US" altLang="zh-CN" sz="2400" dirty="0"/>
+          </a:p>
+          <a:p>
+            <a:pPr marL="457200" lvl="1" indent="0" algn="just">
+              <a:buNone/>
+            </a:pPr>
+            <a:endParaRPr lang="en-US" altLang="zh-CN" dirty="0"/>
+          </a:p>
+          <a:p>
+            <a:pPr lvl="3" algn="just"/>
+            <a:endParaRPr lang="en-US" altLang="zh-CN" sz="1800" dirty="0"/>
+          </a:p>
+          <a:p>
+            <a:pPr lvl="3" algn="just"/>
+            <a:endParaRPr lang="en-US" altLang="zh-CN" sz="1800" dirty="0"/>
+          </a:p>
+          <a:p>
+            <a:pPr algn="just"/>
+            <a:endParaRPr lang="en-US" altLang="zh-CN" sz="2400" dirty="0"/>
+          </a:p>
+        </p:txBody>
+      </p:sp>
+      <p:sp>
+        <p:nvSpPr>
+          <p:cNvPr id="8" name="文本框 7">
+            <a:extLst>
+              <a:ext uri="{FF2B5EF4-FFF2-40B4-BE49-F238E27FC236}">
+                <a16:creationId xmlns:a16="http://schemas.microsoft.com/office/drawing/2014/main" id="{14A147DB-E20B-42CB-839F-1B38D4AEDFED}"/>
+              </a:ext>
+            </a:extLst>
+          </p:cNvPr>
+          <p:cNvSpPr txBox="1"/>
+          <p:nvPr/>
+        </p:nvSpPr>
+        <p:spPr>
+          <a:xfrm>
+            <a:off x="1660701" y="5027658"/>
+            <a:ext cx="1800493" cy="369332"/>
+          </a:xfrm>
+          <a:prstGeom prst="rect">
+            <a:avLst/>
+          </a:prstGeom>
+          <a:noFill/>
+        </p:spPr>
+        <p:txBody>
+          <a:bodyPr wrap="none" rtlCol="0">
+            <a:spAutoFit/>
+          </a:bodyPr>
+          <a:lstStyle/>
+          <a:p>
+            <a:r>
+              <a:rPr lang="zh-CN" altLang="en-US" dirty="0"/>
+              <a:t>修改前运行时间</a:t>
+            </a:r>
+          </a:p>
+        </p:txBody>
+      </p:sp>
+      <p:sp>
+        <p:nvSpPr>
+          <p:cNvPr id="10" name="文本框 9">
+            <a:extLst>
+              <a:ext uri="{FF2B5EF4-FFF2-40B4-BE49-F238E27FC236}">
+                <a16:creationId xmlns:a16="http://schemas.microsoft.com/office/drawing/2014/main" id="{3238245E-B6D3-4928-87F7-237B38C081E7}"/>
+              </a:ext>
+            </a:extLst>
+          </p:cNvPr>
+          <p:cNvSpPr txBox="1"/>
+          <p:nvPr/>
+        </p:nvSpPr>
+        <p:spPr>
+          <a:xfrm>
+            <a:off x="7787975" y="5018820"/>
+            <a:ext cx="1800493" cy="369332"/>
+          </a:xfrm>
+          <a:prstGeom prst="rect">
+            <a:avLst/>
+          </a:prstGeom>
+          <a:noFill/>
+        </p:spPr>
+        <p:txBody>
+          <a:bodyPr wrap="none" rtlCol="0">
+            <a:spAutoFit/>
+          </a:bodyPr>
+          <a:lstStyle/>
+          <a:p>
+            <a:r>
+              <a:rPr lang="zh-CN" altLang="en-US" dirty="0"/>
+              <a:t>修改后运行时间</a:t>
+            </a:r>
+          </a:p>
+        </p:txBody>
+      </p:sp>
+      <p:pic>
+        <p:nvPicPr>
+          <p:cNvPr id="5" name="图片 4">
+            <a:extLst>
+              <a:ext uri="{FF2B5EF4-FFF2-40B4-BE49-F238E27FC236}">
+                <a16:creationId xmlns:a16="http://schemas.microsoft.com/office/drawing/2014/main" id="{F73E7FAC-1ED8-4611-9273-E0229F83454C}"/>
+              </a:ext>
+            </a:extLst>
+          </p:cNvPr>
+          <p:cNvPicPr>
+            <a:picLocks noChangeAspect="1"/>
+          </p:cNvPicPr>
+          <p:nvPr/>
+        </p:nvPicPr>
+        <p:blipFill>
+          <a:blip r:embed="rId2">
+            <a:extLst>
+              <a:ext uri="{28A0092B-C50C-407E-A947-70E740481C1C}">
+                <a14:useLocalDpi xmlns:a14="http://schemas.microsoft.com/office/drawing/2010/main" val="0"/>
+              </a:ext>
+            </a:extLst>
+          </a:blip>
+          <a:stretch>
+            <a:fillRect/>
+          </a:stretch>
+        </p:blipFill>
+        <p:spPr>
+          <a:xfrm>
+            <a:off x="174936" y="2798567"/>
+            <a:ext cx="4772025" cy="1695450"/>
+          </a:xfrm>
+          <a:prstGeom prst="rect">
+            <a:avLst/>
+          </a:prstGeom>
+        </p:spPr>
+      </p:pic>
+      <p:pic>
+        <p:nvPicPr>
+          <p:cNvPr id="9" name="图片 8">
+            <a:extLst>
+              <a:ext uri="{FF2B5EF4-FFF2-40B4-BE49-F238E27FC236}">
+                <a16:creationId xmlns:a16="http://schemas.microsoft.com/office/drawing/2014/main" id="{989F5661-B8F6-4BF5-8AE5-D3A815C4C805}"/>
+              </a:ext>
+            </a:extLst>
+          </p:cNvPr>
+          <p:cNvPicPr>
+            <a:picLocks noChangeAspect="1"/>
+          </p:cNvPicPr>
+          <p:nvPr/>
+        </p:nvPicPr>
+        <p:blipFill>
+          <a:blip r:embed="rId3">
+            <a:extLst>
+              <a:ext uri="{28A0092B-C50C-407E-A947-70E740481C1C}">
+                <a14:useLocalDpi xmlns:a14="http://schemas.microsoft.com/office/drawing/2010/main" val="0"/>
+              </a:ext>
+            </a:extLst>
+          </a:blip>
+          <a:stretch>
+            <a:fillRect/>
+          </a:stretch>
+        </p:blipFill>
+        <p:spPr>
+          <a:xfrm>
+            <a:off x="6216485" y="2827142"/>
+            <a:ext cx="4943475" cy="1666875"/>
+          </a:xfrm>
+          <a:prstGeom prst="rect">
+            <a:avLst/>
+          </a:prstGeom>
+        </p:spPr>
+      </p:pic>
+    </p:spTree>
+    <p:extLst>
+      <p:ext uri="{BB962C8B-B14F-4D97-AF65-F5344CB8AC3E}">
+        <p14:creationId xmlns:p14="http://schemas.microsoft.com/office/powerpoint/2010/main" val="2108379097"/>
+      </p:ext>
+    </p:extLst>
+  </p:cSld>
+  <p:clrMapOvr>
+    <a:masterClrMapping/>
+  </p:clrMapOvr>
+</p:sld>
+</file>
+
+<file path=ppt/slides/slide25.xml><?xml version="1.0" encoding="utf-8"?>
+<p:sld xmlns:a="http://schemas.openxmlformats.org/drawingml/2006/main" xmlns:r="http://schemas.openxmlformats.org/officeDocument/2006/relationships" xmlns:p="http://schemas.openxmlformats.org/presentationml/2006/main">
+  <p:cSld>
+    <p:spTree>
+      <p:nvGrpSpPr>
+        <p:cNvPr id="1" name=""/>
+        <p:cNvGrpSpPr/>
+        <p:nvPr/>
+      </p:nvGrpSpPr>
+      <p:grpSpPr>
+        <a:xfrm>
+          <a:off x="0" y="0"/>
+          <a:ext cx="0" cy="0"/>
+          <a:chOff x="0" y="0"/>
+          <a:chExt cx="0" cy="0"/>
+        </a:xfrm>
+      </p:grpSpPr>
+      <p:sp>
+        <p:nvSpPr>
+          <p:cNvPr id="3" name="ïşḻiḍè"/>
+          <p:cNvSpPr/>
+          <p:nvPr/>
+        </p:nvSpPr>
+        <p:spPr>
+          <a:xfrm>
+            <a:off x="72736" y="1705743"/>
+            <a:ext cx="5502667" cy="3970789"/>
+          </a:xfrm>
+          <a:prstGeom prst="rect">
+            <a:avLst/>
+          </a:prstGeom>
+          <a:blipFill rotWithShape="1">
+            <a:blip r:embed="rId2"/>
+            <a:stretch>
+              <a:fillRect t="-29798" b="-29407"/>
+            </a:stretch>
+          </a:blipFill>
+          <a:ln w="12700" cap="flat" cmpd="sng" algn="ctr">
+            <a:noFill/>
+            <a:prstDash val="solid"/>
+            <a:miter lim="800000"/>
+          </a:ln>
+          <a:effectLst/>
+          <a:extLst>
+            <a:ext uri="{91240B29-F687-4F45-9708-019B960494DF}">
+              <a14:hiddenLine xmlns:a14="http://schemas.microsoft.com/office/drawing/2010/main" w="12700">
+                <a:solidFill>
+                  <a:srgbClr val="D1DADD"/>
+                </a:solidFill>
+                <a:prstDash val="solid"/>
+                <a:miter lim="800000"/>
+                <a:headEnd/>
+                <a:tailEnd/>
+              </a14:hiddenLine>
+            </a:ext>
+          </a:extLst>
+        </p:spPr>
+        <p:style>
+          <a:lnRef idx="2">
+            <a:schemeClr val="accent1">
+              <a:shade val="50000"/>
+            </a:schemeClr>
+          </a:lnRef>
+          <a:fillRef idx="1">
+            <a:schemeClr val="accent1"/>
+          </a:fillRef>
+          <a:effectRef idx="0">
+            <a:schemeClr val="accent1"/>
+          </a:effectRef>
+          <a:fontRef idx="minor">
+            <a:schemeClr val="lt1"/>
+          </a:fontRef>
+        </p:style>
+        <p:txBody>
+          <a:bodyPr anchor="ctr"/>
+          <a:lstStyle/>
+          <a:p>
+            <a:pPr algn="ctr"/>
+            <a:endParaRPr/>
+          </a:p>
+        </p:txBody>
+      </p:sp>
+      <p:sp>
+        <p:nvSpPr>
+          <p:cNvPr id="4" name="išḷiḋê"/>
+          <p:cNvSpPr/>
+          <p:nvPr/>
+        </p:nvSpPr>
+        <p:spPr>
+          <a:xfrm>
+            <a:off x="893623" y="1705743"/>
+            <a:ext cx="4681780" cy="3970789"/>
+          </a:xfrm>
+          <a:prstGeom prst="rect">
+            <a:avLst/>
+          </a:prstGeom>
+          <a:solidFill>
+            <a:schemeClr val="tx1">
+              <a:alpha val="70000"/>
+            </a:schemeClr>
+          </a:solidFill>
+          <a:ln w="12700" cap="flat" cmpd="sng" algn="ctr">
+            <a:noFill/>
+            <a:prstDash val="solid"/>
+            <a:miter lim="800000"/>
+          </a:ln>
+          <a:effectLst/>
+        </p:spPr>
+        <p:style>
+          <a:lnRef idx="2">
+            <a:schemeClr val="accent1">
+              <a:shade val="50000"/>
+            </a:schemeClr>
+          </a:lnRef>
+          <a:fillRef idx="1">
+            <a:schemeClr val="accent1"/>
+          </a:fillRef>
+          <a:effectRef idx="0">
+            <a:schemeClr val="accent1"/>
+          </a:effectRef>
+          <a:fontRef idx="minor">
+            <a:schemeClr val="lt1"/>
+          </a:fontRef>
+        </p:style>
+        <p:txBody>
+          <a:bodyPr anchor="ctr"/>
+          <a:lstStyle/>
+          <a:p>
+            <a:pPr algn="ctr"/>
+            <a:endParaRPr/>
+          </a:p>
+        </p:txBody>
+      </p:sp>
+      <p:sp>
+        <p:nvSpPr>
+          <p:cNvPr id="5" name="ïşľíďe"/>
+          <p:cNvSpPr txBox="1"/>
+          <p:nvPr/>
+        </p:nvSpPr>
+        <p:spPr>
+          <a:xfrm>
+            <a:off x="0" y="2249417"/>
+            <a:ext cx="6605518" cy="2772136"/>
+          </a:xfrm>
+          <a:prstGeom prst="rect">
+            <a:avLst/>
+          </a:prstGeom>
+          <a:noFill/>
+        </p:spPr>
+        <p:txBody>
+          <a:bodyPr wrap="none" lIns="90000" tIns="46800" rIns="90000" bIns="46800" anchor="ctr" anchorCtr="0">
+            <a:normAutofit/>
+          </a:bodyPr>
+          <a:lstStyle/>
+          <a:p>
+            <a:pPr algn="ctr"/>
+            <a:r>
+              <a:rPr lang="zh-CN" altLang="en-US" sz="3200" b="1" dirty="0">
+                <a:solidFill>
+                  <a:schemeClr val="bg1"/>
+                </a:solidFill>
+                <a:latin typeface="Times New Roman" panose="02020603050405020304" pitchFamily="18" charset="0"/>
+                <a:cs typeface="Times New Roman" panose="02020603050405020304" pitchFamily="18" charset="0"/>
+              </a:rPr>
+              <a:t>雾霾分类</a:t>
+            </a:r>
+            <a:endParaRPr lang="en-US" altLang="zh-CN" sz="3200" b="1" dirty="0">
+              <a:solidFill>
+                <a:schemeClr val="bg1"/>
+              </a:solidFill>
+              <a:latin typeface="Times New Roman" panose="02020603050405020304" pitchFamily="18" charset="0"/>
+              <a:cs typeface="Times New Roman" panose="02020603050405020304" pitchFamily="18" charset="0"/>
+            </a:endParaRPr>
+          </a:p>
+          <a:p>
+            <a:pPr algn="ctr"/>
+            <a:r>
+              <a:rPr lang="en-US" altLang="zh-CN" sz="3200" b="1" dirty="0">
+                <a:solidFill>
+                  <a:schemeClr val="bg1"/>
+                </a:solidFill>
+                <a:latin typeface="Times New Roman" panose="02020603050405020304" pitchFamily="18" charset="0"/>
+                <a:cs typeface="Times New Roman" panose="02020603050405020304" pitchFamily="18" charset="0"/>
+              </a:rPr>
+              <a:t>3.</a:t>
+            </a:r>
+            <a:r>
+              <a:rPr lang="zh-CN" altLang="en-US" sz="3200" b="1" dirty="0">
+                <a:solidFill>
+                  <a:schemeClr val="bg1"/>
+                </a:solidFill>
+                <a:latin typeface="Times New Roman" panose="02020603050405020304" pitchFamily="18" charset="0"/>
+                <a:cs typeface="Times New Roman" panose="02020603050405020304" pitchFamily="18" charset="0"/>
+              </a:rPr>
+              <a:t>研究</a:t>
+            </a:r>
+            <a:r>
+              <a:rPr lang="zh-CN" altLang="en-US" sz="3200" b="1" dirty="0">
+                <a:solidFill>
+                  <a:schemeClr val="bg1"/>
+                </a:solidFill>
+              </a:rPr>
+              <a:t>内容及分析</a:t>
+            </a:r>
+          </a:p>
+        </p:txBody>
+      </p:sp>
+      <p:sp>
+        <p:nvSpPr>
+          <p:cNvPr id="12" name="îŝḷïḓè"/>
+          <p:cNvSpPr/>
+          <p:nvPr/>
+        </p:nvSpPr>
+        <p:spPr>
+          <a:xfrm>
+            <a:off x="6405227" y="3394594"/>
+            <a:ext cx="540000" cy="540000"/>
+          </a:xfrm>
+          <a:prstGeom prst="ellipse">
+            <a:avLst/>
+          </a:prstGeom>
+          <a:solidFill>
+            <a:schemeClr val="accent1"/>
+          </a:solidFill>
+          <a:ln>
+            <a:noFill/>
+          </a:ln>
+        </p:spPr>
+        <p:style>
+          <a:lnRef idx="0">
+            <a:scrgbClr r="0" g="0" b="0"/>
+          </a:lnRef>
+          <a:fillRef idx="0">
+            <a:scrgbClr r="0" g="0" b="0"/>
+          </a:fillRef>
+          <a:effectRef idx="0">
+            <a:scrgbClr r="0" g="0" b="0"/>
+          </a:effectRef>
+          <a:fontRef idx="minor">
+            <a:schemeClr val="lt1"/>
+          </a:fontRef>
+        </p:style>
+        <p:txBody>
+          <a:bodyPr wrap="none" lIns="90000" tIns="46800" rIns="90000" bIns="46800" anchor="ctr">
+            <a:normAutofit/>
+          </a:bodyPr>
+          <a:lstStyle/>
+          <a:p>
+            <a:pPr algn="ctr"/>
+            <a:r>
+              <a:rPr lang="en-US" altLang="zh-CN" sz="1600" dirty="0">
+                <a:solidFill>
+                  <a:schemeClr val="bg1"/>
+                </a:solidFill>
+                <a:latin typeface="Impact" panose="020B0806030902050204" pitchFamily="34" charset="0"/>
+              </a:rPr>
+              <a:t>3.2</a:t>
+            </a:r>
+          </a:p>
+        </p:txBody>
+      </p:sp>
+      <p:sp>
+        <p:nvSpPr>
+          <p:cNvPr id="19" name="iślîḍé"/>
+          <p:cNvSpPr txBox="1"/>
+          <p:nvPr/>
+        </p:nvSpPr>
+        <p:spPr>
+          <a:xfrm>
+            <a:off x="7044143" y="3427556"/>
+            <a:ext cx="3523923" cy="399292"/>
+          </a:xfrm>
+          <a:prstGeom prst="rect">
+            <a:avLst/>
+          </a:prstGeom>
+          <a:noFill/>
+        </p:spPr>
+        <p:txBody>
+          <a:bodyPr wrap="none" lIns="90000" tIns="46800" rIns="90000" bIns="46800" anchor="b" anchorCtr="0">
+            <a:normAutofit/>
+          </a:bodyPr>
+          <a:lstStyle/>
+          <a:p>
+            <a:r>
+              <a:rPr lang="zh-CN" altLang="en-US" b="1" dirty="0"/>
+              <a:t>研究内容二：神经网络构建以及训练</a:t>
+            </a:r>
+          </a:p>
+        </p:txBody>
+      </p:sp>
+      <p:sp>
+        <p:nvSpPr>
+          <p:cNvPr id="14" name="îṥļíḓê"/>
+          <p:cNvSpPr/>
+          <p:nvPr/>
+        </p:nvSpPr>
+        <p:spPr>
+          <a:xfrm>
+            <a:off x="6405227" y="2529169"/>
+            <a:ext cx="540000" cy="540000"/>
+          </a:xfrm>
+          <a:prstGeom prst="ellipse">
+            <a:avLst/>
+          </a:prstGeom>
+          <a:solidFill>
+            <a:schemeClr val="accent2"/>
+          </a:solidFill>
+          <a:ln>
+            <a:noFill/>
+          </a:ln>
+        </p:spPr>
+        <p:style>
+          <a:lnRef idx="0">
+            <a:scrgbClr r="0" g="0" b="0"/>
+          </a:lnRef>
+          <a:fillRef idx="0">
+            <a:scrgbClr r="0" g="0" b="0"/>
+          </a:fillRef>
+          <a:effectRef idx="0">
+            <a:scrgbClr r="0" g="0" b="0"/>
+          </a:effectRef>
+          <a:fontRef idx="minor">
+            <a:schemeClr val="lt1"/>
+          </a:fontRef>
+        </p:style>
+        <p:txBody>
+          <a:bodyPr wrap="none" lIns="90000" tIns="46800" rIns="90000" bIns="46800" anchor="ctr">
+            <a:normAutofit/>
+          </a:bodyPr>
+          <a:lstStyle/>
+          <a:p>
+            <a:pPr algn="ctr"/>
+            <a:r>
+              <a:rPr lang="en-US" altLang="zh-CN" sz="1600" dirty="0">
+                <a:solidFill>
+                  <a:schemeClr val="bg1"/>
+                </a:solidFill>
+                <a:latin typeface="Impact" panose="020B0806030902050204" pitchFamily="34" charset="0"/>
+              </a:rPr>
+              <a:t>3.1</a:t>
+            </a:r>
+          </a:p>
+        </p:txBody>
+      </p:sp>
+      <p:sp>
+        <p:nvSpPr>
+          <p:cNvPr id="17" name="íŝḻïďé"/>
+          <p:cNvSpPr txBox="1"/>
+          <p:nvPr/>
+        </p:nvSpPr>
+        <p:spPr>
+          <a:xfrm>
+            <a:off x="7044144" y="2599523"/>
+            <a:ext cx="3928656" cy="399292"/>
+          </a:xfrm>
+          <a:prstGeom prst="rect">
+            <a:avLst/>
+          </a:prstGeom>
+          <a:noFill/>
+        </p:spPr>
+        <p:txBody>
+          <a:bodyPr wrap="none" lIns="90000" tIns="46800" rIns="90000" bIns="46800" anchor="b" anchorCtr="0">
+            <a:normAutofit/>
+          </a:bodyPr>
+          <a:lstStyle/>
+          <a:p>
+            <a:r>
+              <a:rPr lang="zh-CN" altLang="en-US" b="1" dirty="0"/>
+              <a:t>研究内容一：现有雾霾分割算法分析及复现</a:t>
+            </a:r>
+          </a:p>
+        </p:txBody>
+      </p:sp>
+      <p:cxnSp>
+        <p:nvCxnSpPr>
+          <p:cNvPr id="16" name="直接连接符 15"/>
+          <p:cNvCxnSpPr/>
+          <p:nvPr/>
+        </p:nvCxnSpPr>
+        <p:spPr>
+          <a:xfrm>
+            <a:off x="6186000" y="1781485"/>
+            <a:ext cx="0" cy="3708000"/>
+          </a:xfrm>
+          <a:prstGeom prst="line">
+            <a:avLst/>
+          </a:prstGeom>
+          <a:ln w="3175" cap="rnd">
+            <a:solidFill>
+              <a:schemeClr val="bg1">
+                <a:lumMod val="75000"/>
+              </a:schemeClr>
+            </a:solidFill>
+            <a:round/>
+            <a:headEnd type="none"/>
+            <a:tailEnd type="none" w="med" len="med"/>
+          </a:ln>
+        </p:spPr>
+        <p:style>
+          <a:lnRef idx="1">
+            <a:schemeClr val="accent1"/>
+          </a:lnRef>
+          <a:fillRef idx="0">
+            <a:schemeClr val="accent1"/>
+          </a:fillRef>
+          <a:effectRef idx="0">
+            <a:schemeClr val="accent1"/>
+          </a:effectRef>
+          <a:fontRef idx="minor">
+            <a:schemeClr val="tx1"/>
+          </a:fontRef>
+        </p:style>
+      </p:cxnSp>
+      <p:pic>
+        <p:nvPicPr>
+          <p:cNvPr id="27" name="图片 26" descr="3C5EEB60D8612D4B7AC81916BAD_73A9D09F_43B8"/>
+          <p:cNvPicPr>
+            <a:picLocks noChangeAspect="1"/>
+          </p:cNvPicPr>
+          <p:nvPr/>
+        </p:nvPicPr>
+        <p:blipFill>
+          <a:blip r:embed="rId3"/>
+          <a:stretch>
+            <a:fillRect/>
+          </a:stretch>
+        </p:blipFill>
+        <p:spPr>
+          <a:xfrm>
+            <a:off x="9234170" y="214630"/>
+            <a:ext cx="2286635" cy="1018540"/>
+          </a:xfrm>
+          <a:prstGeom prst="rect">
+            <a:avLst/>
+          </a:prstGeom>
+        </p:spPr>
+      </p:pic>
+      <p:sp>
+        <p:nvSpPr>
+          <p:cNvPr id="21" name="îŝḷïḓè">
+            <a:extLst>
+              <a:ext uri="{FF2B5EF4-FFF2-40B4-BE49-F238E27FC236}">
+                <a16:creationId xmlns:a16="http://schemas.microsoft.com/office/drawing/2014/main" id="{2B9996A7-482D-B84D-9C84-61588A4E3BEB}"/>
+              </a:ext>
+            </a:extLst>
+          </p:cNvPr>
+          <p:cNvSpPr/>
+          <p:nvPr/>
+        </p:nvSpPr>
+        <p:spPr>
+          <a:xfrm>
+            <a:off x="6396290" y="4260019"/>
+            <a:ext cx="540000" cy="540000"/>
+          </a:xfrm>
+          <a:prstGeom prst="ellipse">
+            <a:avLst/>
+          </a:prstGeom>
+          <a:solidFill>
+            <a:schemeClr val="accent2"/>
+          </a:solidFill>
+          <a:ln>
+            <a:noFill/>
+          </a:ln>
+        </p:spPr>
+        <p:style>
+          <a:lnRef idx="0">
+            <a:scrgbClr r="0" g="0" b="0"/>
+          </a:lnRef>
+          <a:fillRef idx="0">
+            <a:scrgbClr r="0" g="0" b="0"/>
+          </a:fillRef>
+          <a:effectRef idx="0">
+            <a:scrgbClr r="0" g="0" b="0"/>
+          </a:effectRef>
+          <a:fontRef idx="minor">
+            <a:schemeClr val="lt1"/>
+          </a:fontRef>
+        </p:style>
+        <p:txBody>
+          <a:bodyPr wrap="none" lIns="90000" tIns="46800" rIns="90000" bIns="46800" anchor="ctr">
+            <a:normAutofit/>
+          </a:bodyPr>
+          <a:lstStyle/>
+          <a:p>
+            <a:pPr algn="ctr"/>
+            <a:r>
+              <a:rPr lang="en-US" altLang="zh-CN" sz="1600" dirty="0">
+                <a:solidFill>
+                  <a:schemeClr val="bg1"/>
+                </a:solidFill>
+                <a:latin typeface="Impact" panose="020B0806030902050204" pitchFamily="34" charset="0"/>
+              </a:rPr>
+              <a:t>3.3</a:t>
+            </a:r>
+          </a:p>
+        </p:txBody>
+      </p:sp>
+      <p:sp>
+        <p:nvSpPr>
+          <p:cNvPr id="22" name="iślîḍé">
+            <a:extLst>
+              <a:ext uri="{FF2B5EF4-FFF2-40B4-BE49-F238E27FC236}">
+                <a16:creationId xmlns:a16="http://schemas.microsoft.com/office/drawing/2014/main" id="{1730C4FE-1D16-B04D-B18B-C56EE37FDBB5}"/>
+              </a:ext>
+            </a:extLst>
+          </p:cNvPr>
+          <p:cNvSpPr txBox="1"/>
+          <p:nvPr/>
+        </p:nvSpPr>
+        <p:spPr>
+          <a:xfrm>
+            <a:off x="7044144" y="4330903"/>
+            <a:ext cx="2354690" cy="399292"/>
+          </a:xfrm>
+          <a:prstGeom prst="rect">
+            <a:avLst/>
+          </a:prstGeom>
+          <a:noFill/>
+        </p:spPr>
+        <p:txBody>
+          <a:bodyPr wrap="none" lIns="90000" tIns="46800" rIns="90000" bIns="46800" anchor="b" anchorCtr="0">
+            <a:normAutofit/>
+          </a:bodyPr>
+          <a:lstStyle/>
+          <a:p>
+            <a:r>
+              <a:rPr lang="zh-CN" altLang="en-US" b="1" dirty="0"/>
+              <a:t>研究内容三：（待定）</a:t>
+            </a:r>
+          </a:p>
+        </p:txBody>
+      </p:sp>
+    </p:spTree>
+    <p:extLst>
+      <p:ext uri="{BB962C8B-B14F-4D97-AF65-F5344CB8AC3E}">
+        <p14:creationId xmlns:p14="http://schemas.microsoft.com/office/powerpoint/2010/main" val="2503050400"/>
+      </p:ext>
+    </p:extLst>
+  </p:cSld>
+  <p:clrMapOvr>
+    <a:masterClrMapping/>
+  </p:clrMapOvr>
+</p:sld>
+</file>
+
+<file path=ppt/slides/slide26.xml><?xml version="1.0" encoding="utf-8"?>
+<p:sld xmlns:a="http://schemas.openxmlformats.org/drawingml/2006/main" xmlns:r="http://schemas.openxmlformats.org/officeDocument/2006/relationships" xmlns:p="http://schemas.openxmlformats.org/presentationml/2006/main">
+  <p:cSld>
+    <p:spTree>
+      <p:nvGrpSpPr>
+        <p:cNvPr id="1" name=""/>
+        <p:cNvGrpSpPr/>
+        <p:nvPr/>
+      </p:nvGrpSpPr>
+      <p:grpSpPr>
+        <a:xfrm>
+          <a:off x="0" y="0"/>
+          <a:ext cx="0" cy="0"/>
+          <a:chOff x="0" y="0"/>
+          <a:chExt cx="0" cy="0"/>
+        </a:xfrm>
+      </p:grpSpPr>
+      <p:sp>
+        <p:nvSpPr>
+          <p:cNvPr id="2" name="标题 1"/>
+          <p:cNvSpPr>
+            <a:spLocks noGrp="1"/>
+          </p:cNvSpPr>
+          <p:nvPr>
+            <p:ph type="title"/>
+          </p:nvPr>
+        </p:nvSpPr>
+        <p:spPr>
+          <a:xfrm>
+            <a:off x="669924" y="1"/>
+            <a:ext cx="10850563" cy="1028699"/>
+          </a:xfrm>
+        </p:spPr>
+        <p:txBody>
+          <a:bodyPr/>
+          <a:lstStyle/>
+          <a:p>
+            <a:r>
+              <a:rPr lang="zh-CN" altLang="en-US" dirty="0"/>
+              <a:t>研究内容及分析 </a:t>
+            </a:r>
+            <a:r>
+              <a:rPr lang="en-US" altLang="zh-CN" sz="2000" dirty="0"/>
+              <a:t>3.2</a:t>
+            </a:r>
+            <a:r>
+              <a:rPr lang="zh-CN" altLang="en-US" sz="2000" b="1" dirty="0"/>
+              <a:t>神经网络构建以及训练</a:t>
+            </a:r>
+            <a:endParaRPr lang="zh-CN" altLang="en-US" sz="2000" dirty="0"/>
+          </a:p>
+        </p:txBody>
+      </p:sp>
+      <p:sp>
+        <p:nvSpPr>
+          <p:cNvPr id="4" name="灯片编号占位符 3"/>
+          <p:cNvSpPr>
+            <a:spLocks noGrp="1"/>
+          </p:cNvSpPr>
+          <p:nvPr>
+            <p:ph type="sldNum" sz="quarter" idx="12"/>
+          </p:nvPr>
+        </p:nvSpPr>
+        <p:spPr>
+          <a:xfrm>
+            <a:off x="9282112" y="6651619"/>
+            <a:ext cx="2909888" cy="206381"/>
+          </a:xfrm>
+        </p:spPr>
+        <p:txBody>
+          <a:bodyPr/>
+          <a:lstStyle/>
+          <a:p>
+            <a:fld id="{5DD3DB80-B894-403A-B48E-6FDC1A72010E}" type="slidenum">
+              <a:rPr lang="zh-CN" altLang="en-US" smtClean="0"/>
+              <a:t>26</a:t>
+            </a:fld>
+            <a:endParaRPr lang="zh-CN" altLang="en-US" dirty="0"/>
+          </a:p>
+        </p:txBody>
+      </p:sp>
+      <p:sp>
+        <p:nvSpPr>
+          <p:cNvPr id="26" name="内容占位符 4">
+            <a:extLst>
+              <a:ext uri="{FF2B5EF4-FFF2-40B4-BE49-F238E27FC236}">
+                <a16:creationId xmlns:a16="http://schemas.microsoft.com/office/drawing/2014/main" id="{9B5A9525-5ED5-6241-B46B-6B1E0EE520B3}"/>
+              </a:ext>
+            </a:extLst>
+          </p:cNvPr>
+          <p:cNvSpPr txBox="1">
+            <a:spLocks/>
+          </p:cNvSpPr>
+          <p:nvPr/>
+        </p:nvSpPr>
+        <p:spPr>
+          <a:xfrm>
+            <a:off x="0" y="1196751"/>
+            <a:ext cx="12192000" cy="1336587"/>
+          </a:xfrm>
+          <a:prstGeom prst="rect">
+            <a:avLst/>
+          </a:prstGeom>
+        </p:spPr>
+        <p:txBody>
+          <a:bodyPr/>
+          <a:lstStyle>
+            <a:lvl1pPr marL="228600" indent="-228600" algn="l" defTabSz="914400" rtl="0" eaLnBrk="1" latinLnBrk="0" hangingPunct="1">
+              <a:lnSpc>
+                <a:spcPct val="90000"/>
+              </a:lnSpc>
+              <a:spcBef>
+                <a:spcPts val="1000"/>
+              </a:spcBef>
+              <a:buFont typeface="Arial" panose="020B0604020202020204" pitchFamily="34" charset="0"/>
+              <a:buChar char="•"/>
+              <a:defRPr sz="2000" kern="1200">
+                <a:solidFill>
+                  <a:schemeClr val="tx1"/>
+                </a:solidFill>
+                <a:latin typeface="+mn-lt"/>
+                <a:ea typeface="+mn-ea"/>
+                <a:cs typeface="+mn-cs"/>
+              </a:defRPr>
+            </a:lvl1pPr>
+            <a:lvl2pPr marL="685800" indent="-228600" algn="l" defTabSz="914400" rtl="0" eaLnBrk="1" latinLnBrk="0" hangingPunct="1">
+              <a:lnSpc>
+                <a:spcPct val="90000"/>
+              </a:lnSpc>
+              <a:spcBef>
+                <a:spcPts val="500"/>
+              </a:spcBef>
+              <a:buFont typeface="Arial" panose="020B0604020202020204" pitchFamily="34" charset="0"/>
+              <a:buChar char="•"/>
+              <a:defRPr sz="1800" kern="1200">
+                <a:solidFill>
+                  <a:schemeClr val="tx1"/>
+                </a:solidFill>
+                <a:latin typeface="+mn-lt"/>
+                <a:ea typeface="+mn-ea"/>
+                <a:cs typeface="+mn-cs"/>
+              </a:defRPr>
+            </a:lvl2pPr>
+            <a:lvl3pPr marL="1143000" indent="-228600" algn="l" defTabSz="914400" rtl="0" eaLnBrk="1" latinLnBrk="0" hangingPunct="1">
+              <a:lnSpc>
+                <a:spcPct val="90000"/>
+              </a:lnSpc>
+              <a:spcBef>
+                <a:spcPts val="500"/>
+              </a:spcBef>
+              <a:buFont typeface="Arial" panose="020B0604020202020204" pitchFamily="34" charset="0"/>
+              <a:buChar char="•"/>
+              <a:defRPr sz="1600" kern="1200">
+                <a:solidFill>
+                  <a:schemeClr val="tx1"/>
+                </a:solidFill>
+                <a:latin typeface="+mn-lt"/>
+                <a:ea typeface="+mn-ea"/>
+                <a:cs typeface="+mn-cs"/>
+              </a:defRPr>
+            </a:lvl3pPr>
+            <a:lvl4pPr marL="1600200" indent="-228600" algn="l" defTabSz="914400" rtl="0" eaLnBrk="1" latinLnBrk="0" hangingPunct="1">
+              <a:lnSpc>
+                <a:spcPct val="90000"/>
+              </a:lnSpc>
+              <a:spcBef>
+                <a:spcPts val="500"/>
+              </a:spcBef>
+              <a:buFont typeface="Arial" panose="020B0604020202020204" pitchFamily="34" charset="0"/>
+              <a:buChar char="•"/>
+              <a:defRPr sz="1400" kern="1200">
+                <a:solidFill>
+                  <a:schemeClr val="tx1"/>
+                </a:solidFill>
+                <a:latin typeface="+mn-lt"/>
+                <a:ea typeface="+mn-ea"/>
+                <a:cs typeface="+mn-cs"/>
+              </a:defRPr>
+            </a:lvl4pPr>
+            <a:lvl5pPr marL="2057400" indent="-228600" algn="l" defTabSz="914400" rtl="0" eaLnBrk="1" latinLnBrk="0" hangingPunct="1">
+              <a:lnSpc>
+                <a:spcPct val="90000"/>
+              </a:lnSpc>
+              <a:spcBef>
+                <a:spcPts val="500"/>
+              </a:spcBef>
+              <a:buFont typeface="Arial" panose="020B0604020202020204" pitchFamily="34" charset="0"/>
+              <a:buChar char="•"/>
+              <a:defRPr sz="1400" kern="1200">
+                <a:solidFill>
+                  <a:schemeClr val="tx1"/>
+                </a:solidFill>
+                <a:latin typeface="+mn-lt"/>
+                <a:ea typeface="+mn-ea"/>
+                <a:cs typeface="+mn-cs"/>
+              </a:defRPr>
+            </a:lvl5pPr>
+            <a:lvl6pPr marL="2514600" indent="-228600" algn="l" defTabSz="914400" rtl="0" eaLnBrk="1" latinLnBrk="0" hangingPunct="1">
+              <a:lnSpc>
+                <a:spcPct val="90000"/>
+              </a:lnSpc>
+              <a:spcBef>
+                <a:spcPts val="500"/>
+              </a:spcBef>
+              <a:buFont typeface="Arial" panose="020B0604020202020204" pitchFamily="34" charset="0"/>
+              <a:buChar char="•"/>
+              <a:defRPr sz="1800" kern="1200">
+                <a:solidFill>
+                  <a:schemeClr val="tx1"/>
+                </a:solidFill>
+                <a:latin typeface="+mn-lt"/>
+                <a:ea typeface="+mn-ea"/>
+                <a:cs typeface="+mn-cs"/>
+              </a:defRPr>
+            </a:lvl6pPr>
+            <a:lvl7pPr marL="2971800" indent="-228600" algn="l" defTabSz="914400" rtl="0" eaLnBrk="1" latinLnBrk="0" hangingPunct="1">
+              <a:lnSpc>
+                <a:spcPct val="90000"/>
+              </a:lnSpc>
+              <a:spcBef>
+                <a:spcPts val="500"/>
+              </a:spcBef>
+              <a:buFont typeface="Arial" panose="020B0604020202020204" pitchFamily="34" charset="0"/>
+              <a:buChar char="•"/>
+              <a:defRPr sz="1800" kern="1200">
+                <a:solidFill>
+                  <a:schemeClr val="tx1"/>
+                </a:solidFill>
+                <a:latin typeface="+mn-lt"/>
+                <a:ea typeface="+mn-ea"/>
+                <a:cs typeface="+mn-cs"/>
+              </a:defRPr>
+            </a:lvl7pPr>
+            <a:lvl8pPr marL="3429000" indent="-228600" algn="l" defTabSz="914400" rtl="0" eaLnBrk="1" latinLnBrk="0" hangingPunct="1">
+              <a:lnSpc>
+                <a:spcPct val="90000"/>
+              </a:lnSpc>
+              <a:spcBef>
+                <a:spcPts val="500"/>
+              </a:spcBef>
+              <a:buFont typeface="Arial" panose="020B0604020202020204" pitchFamily="34" charset="0"/>
+              <a:buChar char="•"/>
+              <a:defRPr sz="1800" kern="1200">
+                <a:solidFill>
+                  <a:schemeClr val="tx1"/>
+                </a:solidFill>
+                <a:latin typeface="+mn-lt"/>
+                <a:ea typeface="+mn-ea"/>
+                <a:cs typeface="+mn-cs"/>
+              </a:defRPr>
+            </a:lvl8pPr>
+            <a:lvl9pPr marL="3886200" indent="-228600" algn="l" defTabSz="914400" rtl="0" eaLnBrk="1" latinLnBrk="0" hangingPunct="1">
+              <a:lnSpc>
+                <a:spcPct val="90000"/>
+              </a:lnSpc>
+              <a:spcBef>
+                <a:spcPts val="500"/>
+              </a:spcBef>
+              <a:buFont typeface="Arial" panose="020B0604020202020204" pitchFamily="34" charset="0"/>
+              <a:buChar char="•"/>
+              <a:defRPr sz="1800" kern="1200">
+                <a:solidFill>
+                  <a:schemeClr val="tx1"/>
+                </a:solidFill>
+                <a:latin typeface="+mn-lt"/>
+                <a:ea typeface="+mn-ea"/>
+                <a:cs typeface="+mn-cs"/>
+              </a:defRPr>
+            </a:lvl9pPr>
+          </a:lstStyle>
+          <a:p>
+            <a:pPr algn="just"/>
+            <a:r>
+              <a:rPr lang="en-US" altLang="zh-CN" sz="2400" b="1" u="sng" dirty="0"/>
+              <a:t>3.2</a:t>
+            </a:r>
+            <a:r>
+              <a:rPr lang="zh-CN" altLang="en-US" sz="2400" b="1" u="sng" dirty="0"/>
+              <a:t>神经网络构建</a:t>
+            </a:r>
+            <a:r>
+              <a:rPr lang="zh-CN" altLang="en-US" sz="2400" dirty="0"/>
+              <a:t>：</a:t>
+            </a:r>
+            <a:endParaRPr lang="en-US" altLang="zh-CN" sz="2000" dirty="0"/>
+          </a:p>
+          <a:p>
+            <a:pPr lvl="1" algn="just">
+              <a:lnSpc>
+                <a:spcPts val="3360"/>
+              </a:lnSpc>
+              <a:spcAft>
+                <a:spcPts val="1200"/>
+              </a:spcAft>
+            </a:pPr>
+            <a:endParaRPr lang="en-US" altLang="zh-CN" sz="2000" dirty="0"/>
+          </a:p>
+          <a:p>
+            <a:pPr lvl="1" algn="just">
+              <a:lnSpc>
+                <a:spcPts val="3360"/>
+              </a:lnSpc>
+              <a:spcAft>
+                <a:spcPts val="1200"/>
+              </a:spcAft>
+            </a:pPr>
+            <a:r>
+              <a:rPr lang="zh-CN" altLang="en-US" sz="2000" dirty="0"/>
+              <a:t>输入图片为缩放为</a:t>
+            </a:r>
+            <a:r>
+              <a:rPr lang="en-US" altLang="zh-CN" sz="2000" dirty="0"/>
+              <a:t>64*64</a:t>
+            </a:r>
+            <a:r>
+              <a:rPr lang="zh-CN" altLang="en-US" sz="2000" dirty="0"/>
+              <a:t>的原图片，数据集采用</a:t>
+            </a:r>
+            <a:r>
+              <a:rPr lang="en-US" altLang="zh-CN" sz="2000" dirty="0"/>
+              <a:t>haze-level</a:t>
+            </a:r>
+            <a:r>
+              <a:rPr lang="zh-CN" altLang="en-US" sz="2000" dirty="0"/>
+              <a:t>图片</a:t>
+            </a:r>
+            <a:endParaRPr lang="en-US" altLang="zh-CN" sz="2000" dirty="0"/>
+          </a:p>
+          <a:p>
+            <a:pPr lvl="1" algn="just">
+              <a:lnSpc>
+                <a:spcPts val="3360"/>
+              </a:lnSpc>
+              <a:spcAft>
+                <a:spcPts val="1200"/>
+              </a:spcAft>
+            </a:pPr>
+            <a:r>
+              <a:rPr lang="zh-CN" altLang="en-US" sz="2000" dirty="0"/>
+              <a:t>神经网络采用两层卷积以及两个全连接层</a:t>
+            </a:r>
+            <a:endParaRPr lang="en-US" altLang="zh-CN" sz="2000" dirty="0"/>
+          </a:p>
+          <a:p>
+            <a:pPr marL="457200" lvl="1" indent="0" algn="just">
+              <a:lnSpc>
+                <a:spcPts val="3360"/>
+              </a:lnSpc>
+              <a:spcAft>
+                <a:spcPts val="1200"/>
+              </a:spcAft>
+              <a:buNone/>
+            </a:pPr>
+            <a:endParaRPr lang="en-US" altLang="zh-CN" sz="2000" dirty="0"/>
+          </a:p>
+        </p:txBody>
+      </p:sp>
+      <p:pic>
+        <p:nvPicPr>
+          <p:cNvPr id="5" name="图片 4">
+            <a:extLst>
+              <a:ext uri="{FF2B5EF4-FFF2-40B4-BE49-F238E27FC236}">
+                <a16:creationId xmlns:a16="http://schemas.microsoft.com/office/drawing/2014/main" id="{89EF8AD1-1E9E-48D7-809A-1D7B958C8F61}"/>
+              </a:ext>
+            </a:extLst>
+          </p:cNvPr>
+          <p:cNvPicPr>
+            <a:picLocks noChangeAspect="1"/>
+          </p:cNvPicPr>
+          <p:nvPr/>
+        </p:nvPicPr>
+        <p:blipFill>
+          <a:blip r:embed="rId2">
+            <a:extLst>
+              <a:ext uri="{28A0092B-C50C-407E-A947-70E740481C1C}">
+                <a14:useLocalDpi xmlns:a14="http://schemas.microsoft.com/office/drawing/2010/main" val="0"/>
+              </a:ext>
+            </a:extLst>
+          </a:blip>
+          <a:stretch>
+            <a:fillRect/>
+          </a:stretch>
+        </p:blipFill>
+        <p:spPr>
+          <a:xfrm>
+            <a:off x="7334053" y="3799002"/>
+            <a:ext cx="3300016" cy="2475012"/>
+          </a:xfrm>
+          <a:prstGeom prst="rect">
+            <a:avLst/>
+          </a:prstGeom>
+        </p:spPr>
+      </p:pic>
+      <p:pic>
+        <p:nvPicPr>
+          <p:cNvPr id="7" name="图片 6">
+            <a:extLst>
+              <a:ext uri="{FF2B5EF4-FFF2-40B4-BE49-F238E27FC236}">
+                <a16:creationId xmlns:a16="http://schemas.microsoft.com/office/drawing/2014/main" id="{DE3201B4-27BC-4C67-92E1-6124C597633C}"/>
+              </a:ext>
+            </a:extLst>
+          </p:cNvPr>
+          <p:cNvPicPr>
+            <a:picLocks noChangeAspect="1"/>
+          </p:cNvPicPr>
+          <p:nvPr/>
+        </p:nvPicPr>
+        <p:blipFill>
+          <a:blip r:embed="rId3">
+            <a:extLst>
+              <a:ext uri="{28A0092B-C50C-407E-A947-70E740481C1C}">
+                <a14:useLocalDpi xmlns:a14="http://schemas.microsoft.com/office/drawing/2010/main" val="0"/>
+              </a:ext>
+            </a:extLst>
+          </a:blip>
+          <a:stretch>
+            <a:fillRect/>
+          </a:stretch>
+        </p:blipFill>
+        <p:spPr>
+          <a:xfrm>
+            <a:off x="1263191" y="3608109"/>
+            <a:ext cx="3809063" cy="2856797"/>
+          </a:xfrm>
+          <a:prstGeom prst="rect">
+            <a:avLst/>
+          </a:prstGeom>
+        </p:spPr>
+      </p:pic>
+    </p:spTree>
+    <p:extLst>
+      <p:ext uri="{BB962C8B-B14F-4D97-AF65-F5344CB8AC3E}">
+        <p14:creationId xmlns:p14="http://schemas.microsoft.com/office/powerpoint/2010/main" val="1037013740"/>
+      </p:ext>
+    </p:extLst>
+  </p:cSld>
+  <p:clrMapOvr>
+    <a:masterClrMapping/>
+  </p:clrMapOvr>
+</p:sld>
+</file>
+
+<file path=ppt/slides/slide27.xml><?xml version="1.0" encoding="utf-8"?>
+<p:sld xmlns:a="http://schemas.openxmlformats.org/drawingml/2006/main" xmlns:r="http://schemas.openxmlformats.org/officeDocument/2006/relationships" xmlns:p="http://schemas.openxmlformats.org/presentationml/2006/main">
+  <p:cSld>
+    <p:spTree>
+      <p:nvGrpSpPr>
+        <p:cNvPr id="1" name=""/>
+        <p:cNvGrpSpPr/>
+        <p:nvPr/>
+      </p:nvGrpSpPr>
+      <p:grpSpPr>
+        <a:xfrm>
+          <a:off x="0" y="0"/>
+          <a:ext cx="0" cy="0"/>
+          <a:chOff x="0" y="0"/>
+          <a:chExt cx="0" cy="0"/>
+        </a:xfrm>
+      </p:grpSpPr>
+      <p:sp>
+        <p:nvSpPr>
+          <p:cNvPr id="2" name="标题 1"/>
+          <p:cNvSpPr>
+            <a:spLocks noGrp="1"/>
+          </p:cNvSpPr>
+          <p:nvPr>
+            <p:ph type="title"/>
+          </p:nvPr>
+        </p:nvSpPr>
+        <p:spPr>
+          <a:xfrm>
+            <a:off x="669924" y="1"/>
+            <a:ext cx="10850563" cy="1028699"/>
+          </a:xfrm>
+        </p:spPr>
+        <p:txBody>
+          <a:bodyPr/>
+          <a:lstStyle/>
+          <a:p>
+            <a:r>
+              <a:rPr lang="zh-CN" altLang="en-US" dirty="0"/>
+              <a:t>总结</a:t>
+            </a:r>
+          </a:p>
+        </p:txBody>
+      </p:sp>
+      <p:sp>
+        <p:nvSpPr>
+          <p:cNvPr id="4" name="灯片编号占位符 3"/>
+          <p:cNvSpPr>
+            <a:spLocks noGrp="1"/>
+          </p:cNvSpPr>
+          <p:nvPr>
+            <p:ph type="sldNum" sz="quarter" idx="12"/>
+          </p:nvPr>
+        </p:nvSpPr>
+        <p:spPr>
+          <a:xfrm>
+            <a:off x="9282112" y="6651619"/>
+            <a:ext cx="2909888" cy="206381"/>
+          </a:xfrm>
+        </p:spPr>
+        <p:txBody>
+          <a:bodyPr/>
+          <a:lstStyle/>
+          <a:p>
+            <a:fld id="{5DD3DB80-B894-403A-B48E-6FDC1A72010E}" type="slidenum">
+              <a:rPr lang="zh-CN" altLang="en-US" smtClean="0"/>
+              <a:t>27</a:t>
+            </a:fld>
+            <a:endParaRPr lang="zh-CN" altLang="en-US" dirty="0"/>
+          </a:p>
+        </p:txBody>
+      </p:sp>
+      <p:sp>
+        <p:nvSpPr>
+          <p:cNvPr id="26" name="内容占位符 4">
+            <a:extLst>
+              <a:ext uri="{FF2B5EF4-FFF2-40B4-BE49-F238E27FC236}">
+                <a16:creationId xmlns:a16="http://schemas.microsoft.com/office/drawing/2014/main" id="{9B5A9525-5ED5-6241-B46B-6B1E0EE520B3}"/>
+              </a:ext>
+            </a:extLst>
+          </p:cNvPr>
+          <p:cNvSpPr txBox="1">
+            <a:spLocks/>
+          </p:cNvSpPr>
+          <p:nvPr/>
+        </p:nvSpPr>
+        <p:spPr>
+          <a:xfrm>
+            <a:off x="0" y="1196751"/>
+            <a:ext cx="12192000" cy="883509"/>
+          </a:xfrm>
+          <a:prstGeom prst="rect">
+            <a:avLst/>
+          </a:prstGeom>
+        </p:spPr>
+        <p:txBody>
+          <a:bodyPr/>
+          <a:lstStyle>
+            <a:lvl1pPr marL="228600" indent="-228600" algn="l" defTabSz="914400" rtl="0" eaLnBrk="1" latinLnBrk="0" hangingPunct="1">
+              <a:lnSpc>
+                <a:spcPct val="90000"/>
+              </a:lnSpc>
+              <a:spcBef>
+                <a:spcPts val="1000"/>
+              </a:spcBef>
+              <a:buFont typeface="Arial" panose="020B0604020202020204" pitchFamily="34" charset="0"/>
+              <a:buChar char="•"/>
+              <a:defRPr sz="2000" kern="1200">
+                <a:solidFill>
+                  <a:schemeClr val="tx1"/>
+                </a:solidFill>
+                <a:latin typeface="+mn-lt"/>
+                <a:ea typeface="+mn-ea"/>
+                <a:cs typeface="+mn-cs"/>
+              </a:defRPr>
+            </a:lvl1pPr>
+            <a:lvl2pPr marL="685800" indent="-228600" algn="l" defTabSz="914400" rtl="0" eaLnBrk="1" latinLnBrk="0" hangingPunct="1">
+              <a:lnSpc>
+                <a:spcPct val="90000"/>
+              </a:lnSpc>
+              <a:spcBef>
+                <a:spcPts val="500"/>
+              </a:spcBef>
+              <a:buFont typeface="Arial" panose="020B0604020202020204" pitchFamily="34" charset="0"/>
+              <a:buChar char="•"/>
+              <a:defRPr sz="1800" kern="1200">
+                <a:solidFill>
+                  <a:schemeClr val="tx1"/>
+                </a:solidFill>
+                <a:latin typeface="+mn-lt"/>
+                <a:ea typeface="+mn-ea"/>
+                <a:cs typeface="+mn-cs"/>
+              </a:defRPr>
+            </a:lvl2pPr>
+            <a:lvl3pPr marL="1143000" indent="-228600" algn="l" defTabSz="914400" rtl="0" eaLnBrk="1" latinLnBrk="0" hangingPunct="1">
+              <a:lnSpc>
+                <a:spcPct val="90000"/>
+              </a:lnSpc>
+              <a:spcBef>
+                <a:spcPts val="500"/>
+              </a:spcBef>
+              <a:buFont typeface="Arial" panose="020B0604020202020204" pitchFamily="34" charset="0"/>
+              <a:buChar char="•"/>
+              <a:defRPr sz="1600" kern="1200">
+                <a:solidFill>
+                  <a:schemeClr val="tx1"/>
+                </a:solidFill>
+                <a:latin typeface="+mn-lt"/>
+                <a:ea typeface="+mn-ea"/>
+                <a:cs typeface="+mn-cs"/>
+              </a:defRPr>
+            </a:lvl3pPr>
+            <a:lvl4pPr marL="1600200" indent="-228600" algn="l" defTabSz="914400" rtl="0" eaLnBrk="1" latinLnBrk="0" hangingPunct="1">
+              <a:lnSpc>
+                <a:spcPct val="90000"/>
+              </a:lnSpc>
+              <a:spcBef>
+                <a:spcPts val="500"/>
+              </a:spcBef>
+              <a:buFont typeface="Arial" panose="020B0604020202020204" pitchFamily="34" charset="0"/>
+              <a:buChar char="•"/>
+              <a:defRPr sz="1400" kern="1200">
+                <a:solidFill>
+                  <a:schemeClr val="tx1"/>
+                </a:solidFill>
+                <a:latin typeface="+mn-lt"/>
+                <a:ea typeface="+mn-ea"/>
+                <a:cs typeface="+mn-cs"/>
+              </a:defRPr>
+            </a:lvl4pPr>
+            <a:lvl5pPr marL="2057400" indent="-228600" algn="l" defTabSz="914400" rtl="0" eaLnBrk="1" latinLnBrk="0" hangingPunct="1">
+              <a:lnSpc>
+                <a:spcPct val="90000"/>
+              </a:lnSpc>
+              <a:spcBef>
+                <a:spcPts val="500"/>
+              </a:spcBef>
+              <a:buFont typeface="Arial" panose="020B0604020202020204" pitchFamily="34" charset="0"/>
+              <a:buChar char="•"/>
+              <a:defRPr sz="1400" kern="1200">
+                <a:solidFill>
+                  <a:schemeClr val="tx1"/>
+                </a:solidFill>
+                <a:latin typeface="+mn-lt"/>
+                <a:ea typeface="+mn-ea"/>
+                <a:cs typeface="+mn-cs"/>
+              </a:defRPr>
+            </a:lvl5pPr>
+            <a:lvl6pPr marL="2514600" indent="-228600" algn="l" defTabSz="914400" rtl="0" eaLnBrk="1" latinLnBrk="0" hangingPunct="1">
+              <a:lnSpc>
+                <a:spcPct val="90000"/>
+              </a:lnSpc>
+              <a:spcBef>
+                <a:spcPts val="500"/>
+              </a:spcBef>
+              <a:buFont typeface="Arial" panose="020B0604020202020204" pitchFamily="34" charset="0"/>
+              <a:buChar char="•"/>
+              <a:defRPr sz="1800" kern="1200">
+                <a:solidFill>
+                  <a:schemeClr val="tx1"/>
+                </a:solidFill>
+                <a:latin typeface="+mn-lt"/>
+                <a:ea typeface="+mn-ea"/>
+                <a:cs typeface="+mn-cs"/>
+              </a:defRPr>
+            </a:lvl6pPr>
+            <a:lvl7pPr marL="2971800" indent="-228600" algn="l" defTabSz="914400" rtl="0" eaLnBrk="1" latinLnBrk="0" hangingPunct="1">
+              <a:lnSpc>
+                <a:spcPct val="90000"/>
+              </a:lnSpc>
+              <a:spcBef>
+                <a:spcPts val="500"/>
+              </a:spcBef>
+              <a:buFont typeface="Arial" panose="020B0604020202020204" pitchFamily="34" charset="0"/>
+              <a:buChar char="•"/>
+              <a:defRPr sz="1800" kern="1200">
+                <a:solidFill>
+                  <a:schemeClr val="tx1"/>
+                </a:solidFill>
+                <a:latin typeface="+mn-lt"/>
+                <a:ea typeface="+mn-ea"/>
+                <a:cs typeface="+mn-cs"/>
+              </a:defRPr>
+            </a:lvl7pPr>
+            <a:lvl8pPr marL="3429000" indent="-228600" algn="l" defTabSz="914400" rtl="0" eaLnBrk="1" latinLnBrk="0" hangingPunct="1">
+              <a:lnSpc>
+                <a:spcPct val="90000"/>
+              </a:lnSpc>
+              <a:spcBef>
+                <a:spcPts val="500"/>
+              </a:spcBef>
+              <a:buFont typeface="Arial" panose="020B0604020202020204" pitchFamily="34" charset="0"/>
+              <a:buChar char="•"/>
+              <a:defRPr sz="1800" kern="1200">
+                <a:solidFill>
+                  <a:schemeClr val="tx1"/>
+                </a:solidFill>
+                <a:latin typeface="+mn-lt"/>
+                <a:ea typeface="+mn-ea"/>
+                <a:cs typeface="+mn-cs"/>
+              </a:defRPr>
+            </a:lvl8pPr>
+            <a:lvl9pPr marL="3886200" indent="-228600" algn="l" defTabSz="914400" rtl="0" eaLnBrk="1" latinLnBrk="0" hangingPunct="1">
+              <a:lnSpc>
+                <a:spcPct val="90000"/>
+              </a:lnSpc>
+              <a:spcBef>
+                <a:spcPts val="500"/>
+              </a:spcBef>
+              <a:buFont typeface="Arial" panose="020B0604020202020204" pitchFamily="34" charset="0"/>
+              <a:buChar char="•"/>
+              <a:defRPr sz="1800" kern="1200">
+                <a:solidFill>
+                  <a:schemeClr val="tx1"/>
+                </a:solidFill>
+                <a:latin typeface="+mn-lt"/>
+                <a:ea typeface="+mn-ea"/>
+                <a:cs typeface="+mn-cs"/>
+              </a:defRPr>
+            </a:lvl9pPr>
+          </a:lstStyle>
+          <a:p>
+            <a:pPr marL="0" indent="0" algn="just">
+              <a:buNone/>
+            </a:pPr>
+            <a:endParaRPr lang="en-US" altLang="zh-CN" sz="2400" dirty="0"/>
+          </a:p>
+          <a:p>
+            <a:pPr algn="just">
+              <a:lnSpc>
+                <a:spcPct val="200000"/>
+              </a:lnSpc>
+            </a:pPr>
+            <a:r>
+              <a:rPr lang="zh-CN" altLang="en-US" sz="2400" dirty="0"/>
+              <a:t>雾霾区域识别算法总体效果比较理想，经过检查，该算法可以识别出大部分有雾图片。但有些图片并不能很好的识别，甚至出现识别区域为空的情况。</a:t>
+            </a:r>
+            <a:endParaRPr lang="en-US" altLang="zh-CN" sz="2400" dirty="0"/>
+          </a:p>
+          <a:p>
+            <a:pPr algn="just">
+              <a:lnSpc>
+                <a:spcPct val="200000"/>
+              </a:lnSpc>
+            </a:pPr>
+            <a:r>
+              <a:rPr lang="zh-CN" altLang="en-US" sz="2400" dirty="0"/>
+              <a:t>针对雾霾识别算法的优化效果比较理想，但仍有一小部分工作尚未完成，</a:t>
+            </a:r>
+            <a:r>
+              <a:rPr lang="en-US" altLang="zh-CN" sz="2400" dirty="0" err="1"/>
+              <a:t>maskImageCal</a:t>
+            </a:r>
+            <a:r>
+              <a:rPr lang="zh-CN" altLang="en-US" sz="2400" dirty="0"/>
+              <a:t>类中的</a:t>
+            </a:r>
+            <a:r>
+              <a:rPr lang="en-US" altLang="zh-CN" sz="2400" dirty="0"/>
+              <a:t>mask</a:t>
+            </a:r>
+            <a:r>
+              <a:rPr lang="zh-CN" altLang="en-US" sz="2400" dirty="0"/>
+              <a:t>矩阵仍未进行修改。</a:t>
+            </a:r>
+            <a:endParaRPr lang="en-US" altLang="zh-CN" sz="2400" dirty="0"/>
+          </a:p>
+          <a:p>
+            <a:pPr algn="just">
+              <a:lnSpc>
+                <a:spcPct val="200000"/>
+              </a:lnSpc>
+            </a:pPr>
+            <a:r>
+              <a:rPr lang="zh-CN" altLang="en-US" sz="2400" dirty="0"/>
+              <a:t>对于分类任务，在完成上一步识别任务之后需要测试不同输入图片，不同网络对结果的影响。</a:t>
+            </a:r>
+            <a:endParaRPr lang="en-US" altLang="zh-CN" sz="2400" dirty="0"/>
+          </a:p>
+          <a:p>
+            <a:pPr marL="457200" lvl="1" indent="0" algn="just">
+              <a:buNone/>
+            </a:pPr>
+            <a:endParaRPr lang="en-US" altLang="zh-CN" dirty="0"/>
+          </a:p>
+          <a:p>
+            <a:pPr lvl="3" algn="just"/>
+            <a:endParaRPr lang="en-US" altLang="zh-CN" sz="1800" dirty="0"/>
+          </a:p>
+          <a:p>
+            <a:pPr lvl="3" algn="just"/>
+            <a:endParaRPr lang="en-US" altLang="zh-CN" sz="1800" dirty="0"/>
+          </a:p>
+          <a:p>
+            <a:pPr algn="just"/>
+            <a:endParaRPr lang="en-US" altLang="zh-CN" sz="2400" dirty="0"/>
+          </a:p>
+        </p:txBody>
+      </p:sp>
+    </p:spTree>
+    <p:extLst>
+      <p:ext uri="{BB962C8B-B14F-4D97-AF65-F5344CB8AC3E}">
+        <p14:creationId xmlns:p14="http://schemas.microsoft.com/office/powerpoint/2010/main" val="2626273202"/>
+      </p:ext>
+    </p:extLst>
+  </p:cSld>
+  <p:clrMapOvr>
+    <a:masterClrMapping/>
+  </p:clrMapOvr>
+</p:sld>
+</file>
+
+<file path=ppt/slides/slide28.xml><?xml version="1.0" encoding="utf-8"?>
 <p:sld xmlns:a="http://schemas.openxmlformats.org/drawingml/2006/main" xmlns:r="http://schemas.openxmlformats.org/officeDocument/2006/relationships" xmlns:p="http://schemas.openxmlformats.org/presentationml/2006/main">
   <p:cSld>
     <p:spTree>
@@ -10580,6 +15702,10 @@
           </a:p>
           <a:p>
             <a:pPr lvl="1" algn="just"/>
+            <a:endParaRPr lang="en-US" altLang="zh-CN" sz="2000" dirty="0"/>
+          </a:p>
+          <a:p>
+            <a:pPr lvl="1" algn="just"/>
             <a:r>
               <a:rPr lang="zh-CN" altLang="en-US" sz="2000" dirty="0"/>
               <a:t>提取雾霾特征并进行分类</a:t>
@@ -11063,7 +16189,7 @@
         <p:spPr>
           <a:xfrm>
             <a:off x="6093807" y="4720639"/>
-            <a:ext cx="1593706" cy="646331"/>
+            <a:ext cx="1587055" cy="646331"/>
           </a:xfrm>
           <a:prstGeom prst="rect">
             <a:avLst/>
@@ -11071,7 +16197,7 @@
           <a:noFill/>
         </p:spPr>
         <p:txBody>
-          <a:bodyPr wrap="none" rtlCol="0">
+          <a:bodyPr wrap="square" rtlCol="0">
             <a:spAutoFit/>
           </a:bodyPr>
           <a:lstStyle/>
@@ -11085,22 +16211,7 @@
           <a:p>
             <a:r>
               <a:rPr lang="zh-CN" altLang="en-US" sz="1200" dirty="0"/>
-              <a:t>输入</a:t>
-            </a:r>
-            <a:r>
-              <a:rPr lang="en-US" altLang="zh-CN" sz="1200" dirty="0"/>
-              <a:t>Resnet</a:t>
-            </a:r>
-            <a:r>
-              <a:rPr lang="zh-CN" altLang="en-US" sz="1200" dirty="0"/>
-              <a:t>网络中进</a:t>
-            </a:r>
-            <a:endParaRPr lang="en-US" altLang="zh-CN" sz="1200" dirty="0"/>
-          </a:p>
-          <a:p>
-            <a:r>
-              <a:rPr lang="zh-CN" altLang="en-US" sz="1200" dirty="0"/>
-              <a:t>行学习</a:t>
+              <a:t>输入神经网络中进行学习</a:t>
             </a:r>
             <a:endParaRPr lang="en-US" altLang="zh-CN" sz="1200" dirty="0"/>
           </a:p>
@@ -13759,7 +18870,7 @@
         </p:nvSpPr>
         <p:spPr>
           <a:xfrm>
-            <a:off x="6947241" y="3773490"/>
+            <a:off x="6947241" y="3203456"/>
             <a:ext cx="2666721" cy="399292"/>
           </a:xfrm>
           <a:prstGeom prst="rect">
@@ -13788,7 +18899,7 @@
         </p:nvSpPr>
         <p:spPr>
           <a:xfrm>
-            <a:off x="6323413" y="2875103"/>
+            <a:off x="6323413" y="2305069"/>
             <a:ext cx="540000" cy="540000"/>
           </a:xfrm>
           <a:prstGeom prst="ellipse">
@@ -13842,7 +18953,7 @@
         </p:nvSpPr>
         <p:spPr>
           <a:xfrm>
-            <a:off x="6947242" y="2945457"/>
+            <a:off x="6947242" y="2375423"/>
             <a:ext cx="1758626" cy="399292"/>
           </a:xfrm>
           <a:prstGeom prst="rect">
@@ -13941,7 +19052,7 @@
         </p:nvSpPr>
         <p:spPr>
           <a:xfrm>
-            <a:off x="6323413" y="3702606"/>
+            <a:off x="6323413" y="3132572"/>
             <a:ext cx="540000" cy="540000"/>
           </a:xfrm>
           <a:prstGeom prst="ellipse">
@@ -13983,6 +19094,101 @@
                 <a:latin typeface="Impact" panose="020B0806030902050204" pitchFamily="34" charset="0"/>
               </a:rPr>
               <a:t>3.1.2</a:t>
+            </a:r>
+          </a:p>
+        </p:txBody>
+      </p:sp>
+      <p:sp>
+        <p:nvSpPr>
+          <p:cNvPr id="11" name="iślîḍé">
+            <a:extLst>
+              <a:ext uri="{FF2B5EF4-FFF2-40B4-BE49-F238E27FC236}">
+                <a16:creationId xmlns:a16="http://schemas.microsoft.com/office/drawing/2014/main" id="{8503EF4A-63B4-4C83-B544-70F31FDDA16C}"/>
+              </a:ext>
+            </a:extLst>
+          </p:cNvPr>
+          <p:cNvSpPr txBox="1"/>
+          <p:nvPr/>
+        </p:nvSpPr>
+        <p:spPr>
+          <a:xfrm>
+            <a:off x="6947241" y="4102373"/>
+            <a:ext cx="2666721" cy="399292"/>
+          </a:xfrm>
+          <a:prstGeom prst="rect">
+            <a:avLst/>
+          </a:prstGeom>
+          <a:noFill/>
+        </p:spPr>
+        <p:txBody>
+          <a:bodyPr wrap="none" lIns="90000" tIns="46800" rIns="90000" bIns="46800" anchor="b" anchorCtr="0">
+            <a:normAutofit/>
+          </a:bodyPr>
+          <a:lstStyle/>
+          <a:p>
+            <a:r>
+              <a:rPr lang="zh-CN" altLang="en-US" b="1" dirty="0"/>
+              <a:t>雾霾分割算法复现</a:t>
+            </a:r>
+          </a:p>
+        </p:txBody>
+      </p:sp>
+      <p:sp>
+        <p:nvSpPr>
+          <p:cNvPr id="12" name="îṥļíḓê">
+            <a:extLst>
+              <a:ext uri="{FF2B5EF4-FFF2-40B4-BE49-F238E27FC236}">
+                <a16:creationId xmlns:a16="http://schemas.microsoft.com/office/drawing/2014/main" id="{1258E9DF-5FB2-4024-8CDF-E3C012B977B8}"/>
+              </a:ext>
+            </a:extLst>
+          </p:cNvPr>
+          <p:cNvSpPr/>
+          <p:nvPr/>
+        </p:nvSpPr>
+        <p:spPr>
+          <a:xfrm>
+            <a:off x="6323413" y="4031489"/>
+            <a:ext cx="540000" cy="540000"/>
+          </a:xfrm>
+          <a:prstGeom prst="ellipse">
+            <a:avLst/>
+          </a:prstGeom>
+          <a:solidFill>
+            <a:schemeClr val="accent1"/>
+          </a:solidFill>
+          <a:ln>
+            <a:noFill/>
+          </a:ln>
+        </p:spPr>
+        <p:style>
+          <a:lnRef idx="0">
+            <a:scrgbClr r="0" g="0" b="0"/>
+          </a:lnRef>
+          <a:fillRef idx="0">
+            <a:scrgbClr r="0" g="0" b="0"/>
+          </a:fillRef>
+          <a:effectRef idx="0">
+            <a:scrgbClr r="0" g="0" b="0"/>
+          </a:effectRef>
+          <a:fontRef idx="minor">
+            <a:schemeClr val="lt1"/>
+          </a:fontRef>
+        </p:style>
+        <p:txBody>
+          <a:bodyPr wrap="none" lIns="90000" tIns="46800" rIns="90000" bIns="46800" anchor="ctr">
+            <a:normAutofit/>
+          </a:bodyPr>
+          <a:lstStyle/>
+          <a:p>
+            <a:pPr algn="ctr"/>
+            <a:r>
+              <a:rPr lang="en-US" altLang="zh-CN" sz="1600" dirty="0">
+                <a:solidFill>
+                  <a:schemeClr val="bg1"/>
+                </a:solidFill>
+                <a:latin typeface="Impact" panose="020B0806030902050204" pitchFamily="34" charset="0"/>
+              </a:rPr>
+              <a:t>3.1.3</a:t>
             </a:r>
           </a:p>
         </p:txBody>
